--- a/CSE_316_Peripheral & Interfacing Lab/Mid Project/17201012/17201012.pptx
+++ b/CSE_316_Peripheral & Interfacing Lab/Mid Project/17201012/17201012.pptx
@@ -1,26 +1,27 @@
 
 <file path=ppt/presentation.xml><?xml version="1.0" encoding="utf-8"?>
-<p:presentation xmlns:a="http://schemas.openxmlformats.org/drawingml/2006/main" xmlns:r="http://schemas.openxmlformats.org/officeDocument/2006/relationships" xmlns:p="http://schemas.openxmlformats.org/presentationml/2006/main" saveSubsetFonts="1" autoCompressPictures="0">
+<p:presentation xmlns:a="http://schemas.openxmlformats.org/drawingml/2006/main" xmlns:r="http://schemas.openxmlformats.org/officeDocument/2006/relationships" xmlns:p="http://schemas.openxmlformats.org/presentationml/2006/main" autoCompressPictures="0">
   <p:sldMasterIdLst>
     <p:sldMasterId id="2147483648" r:id="rId1"/>
   </p:sldMasterIdLst>
   <p:notesMasterIdLst>
-    <p:notesMasterId r:id="rId12"/>
+    <p:notesMasterId r:id="rId4"/>
   </p:notesMasterIdLst>
   <p:handoutMasterIdLst>
-    <p:handoutMasterId r:id="rId13"/>
+    <p:handoutMasterId r:id="rId15"/>
   </p:handoutMasterIdLst>
   <p:sldIdLst>
-    <p:sldId id="2524" r:id="rId2"/>
-    <p:sldId id="2552" r:id="rId3"/>
-    <p:sldId id="2554" r:id="rId4"/>
-    <p:sldId id="2577" r:id="rId5"/>
-    <p:sldId id="2578" r:id="rId6"/>
-    <p:sldId id="2579" r:id="rId7"/>
-    <p:sldId id="2580" r:id="rId8"/>
-    <p:sldId id="2581" r:id="rId9"/>
-    <p:sldId id="2582" r:id="rId10"/>
-    <p:sldId id="2574" r:id="rId11"/>
+    <p:sldId id="2524" r:id="rId3"/>
+    <p:sldId id="2552" r:id="rId5"/>
+    <p:sldId id="2554" r:id="rId6"/>
+    <p:sldId id="2577" r:id="rId7"/>
+    <p:sldId id="2584" r:id="rId8"/>
+    <p:sldId id="2578" r:id="rId9"/>
+    <p:sldId id="2579" r:id="rId10"/>
+    <p:sldId id="2580" r:id="rId11"/>
+    <p:sldId id="2581" r:id="rId12"/>
+    <p:sldId id="2582" r:id="rId13"/>
+    <p:sldId id="2574" r:id="rId14"/>
   </p:sldIdLst>
   <p:sldSz cx="12192000" cy="6858000"/>
   <p:notesSz cx="6858000" cy="9144000"/>
@@ -119,25 +120,6 @@
       </a:defRPr>
     </a:lvl9pPr>
   </p:defaultTextStyle>
-  <p:extLst>
-    <p:ext uri="{EFAFB233-063F-42B5-8137-9DF3F51BA10A}">
-      <p15:sldGuideLst xmlns:p15="http://schemas.microsoft.com/office/powerpoint/2012/main">
-        <p15:guide id="2" pos="3840" userDrawn="1">
-          <p15:clr>
-            <a:srgbClr val="A4A3A4"/>
-          </p15:clr>
-        </p15:guide>
-        <p15:guide id="3" orient="horz" pos="2160">
-          <p15:clr>
-            <a:srgbClr val="A4A3A4"/>
-          </p15:clr>
-        </p15:guide>
-      </p15:sldGuideLst>
-    </p:ext>
-    <p:ext uri="{2D200454-40CA-4A62-9FC3-DE9A4176ACB9}">
-      <p15:notesGuideLst xmlns:p15="http://schemas.microsoft.com/office/powerpoint/2012/main"/>
-    </p:ext>
-  </p:extLst>
 </p:presentation>
 </file>
 
@@ -171,13 +153,7 @@
       </p:grpSpPr>
       <p:sp>
         <p:nvSpPr>
-          <p:cNvPr id="2" name="Header Placeholder 1">
-            <a:extLst>
-              <a:ext uri="{FF2B5EF4-FFF2-40B4-BE49-F238E27FC236}">
-                <a16:creationId xmlns:a16="http://schemas.microsoft.com/office/drawing/2014/main" id="{92018837-64B5-4E20-83A5-89B993CB3C9A}"/>
-              </a:ext>
-            </a:extLst>
-          </p:cNvPr>
+          <p:cNvPr id="2" name="Header Placeholder 1"/>
           <p:cNvSpPr>
             <a:spLocks noGrp="1"/>
           </p:cNvSpPr>
@@ -208,13 +184,7 @@
       </p:sp>
       <p:sp>
         <p:nvSpPr>
-          <p:cNvPr id="3" name="Date Placeholder 2">
-            <a:extLst>
-              <a:ext uri="{FF2B5EF4-FFF2-40B4-BE49-F238E27FC236}">
-                <a16:creationId xmlns:a16="http://schemas.microsoft.com/office/drawing/2014/main" id="{99C2A4FB-A56B-4413-A08B-0E9894B98B41}"/>
-              </a:ext>
-            </a:extLst>
-          </p:cNvPr>
+          <p:cNvPr id="3" name="Date Placeholder 2"/>
           <p:cNvSpPr>
             <a:spLocks noGrp="1"/>
           </p:cNvSpPr>
@@ -241,7 +211,6 @@
           <a:p>
             <a:fld id="{0248B25D-8766-427E-8C9E-4845048D8DFC}" type="datetimeFigureOut">
               <a:rPr lang="en-US" smtClean="0"/>
-              <a:t>8/19/2020</a:t>
             </a:fld>
             <a:endParaRPr lang="en-US" dirty="0"/>
           </a:p>
@@ -249,13 +218,7 @@
       </p:sp>
       <p:sp>
         <p:nvSpPr>
-          <p:cNvPr id="4" name="Footer Placeholder 3">
-            <a:extLst>
-              <a:ext uri="{FF2B5EF4-FFF2-40B4-BE49-F238E27FC236}">
-                <a16:creationId xmlns:a16="http://schemas.microsoft.com/office/drawing/2014/main" id="{A3977F36-950D-4655-BC4A-F80BE1DBF79A}"/>
-              </a:ext>
-            </a:extLst>
-          </p:cNvPr>
+          <p:cNvPr id="4" name="Footer Placeholder 3"/>
           <p:cNvSpPr>
             <a:spLocks noGrp="1"/>
           </p:cNvSpPr>
@@ -286,13 +249,7 @@
       </p:sp>
       <p:sp>
         <p:nvSpPr>
-          <p:cNvPr id="5" name="Slide Number Placeholder 4">
-            <a:extLst>
-              <a:ext uri="{FF2B5EF4-FFF2-40B4-BE49-F238E27FC236}">
-                <a16:creationId xmlns:a16="http://schemas.microsoft.com/office/drawing/2014/main" id="{56C246FD-229D-4B04-9855-212AD8D784A9}"/>
-              </a:ext>
-            </a:extLst>
-          </p:cNvPr>
+          <p:cNvPr id="5" name="Slide Number Placeholder 4"/>
           <p:cNvSpPr>
             <a:spLocks noGrp="1"/>
           </p:cNvSpPr>
@@ -319,18 +276,12 @@
           <a:p>
             <a:fld id="{8DA8A28B-0568-4092-BB1A-13C9B073E3A0}" type="slidenum">
               <a:rPr lang="en-US" smtClean="0"/>
-              <a:t>‹#›</a:t>
             </a:fld>
             <a:endParaRPr lang="en-US" dirty="0"/>
           </a:p>
         </p:txBody>
       </p:sp>
     </p:spTree>
-    <p:extLst>
-      <p:ext uri="{BB962C8B-B14F-4D97-AF65-F5344CB8AC3E}">
-        <p14:creationId xmlns:p14="http://schemas.microsoft.com/office/powerpoint/2010/main" val="16405250"/>
-      </p:ext>
-    </p:extLst>
   </p:cSld>
   <p:clrMap bg1="lt1" tx1="dk1" bg2="lt2" tx2="dk2" accent1="accent1" accent2="accent2" accent3="accent3" accent4="accent4" accent5="accent5" accent6="accent6" hlink="hlink" folHlink="folHlink"/>
 </p:handoutMaster>
@@ -418,7 +369,6 @@
           <a:p>
             <a:fld id="{426F439B-391B-4B41-826A-951FCF412C34}" type="datetimeFigureOut">
               <a:rPr lang="en-US" smtClean="0"/>
-              <a:t>8/19/2020</a:t>
             </a:fld>
             <a:endParaRPr lang="en-US" dirty="0"/>
           </a:p>
@@ -485,6 +435,7 @@
               <a:rPr lang="en-US"/>
               <a:t>Edit Master text styles</a:t>
             </a:r>
+            <a:endParaRPr lang="en-US"/>
           </a:p>
           <a:p>
             <a:pPr lvl="1"/>
@@ -492,6 +443,7 @@
               <a:rPr lang="en-US"/>
               <a:t>Second level</a:t>
             </a:r>
+            <a:endParaRPr lang="en-US"/>
           </a:p>
           <a:p>
             <a:pPr lvl="2"/>
@@ -499,6 +451,7 @@
               <a:rPr lang="en-US"/>
               <a:t>Third level</a:t>
             </a:r>
+            <a:endParaRPr lang="en-US"/>
           </a:p>
           <a:p>
             <a:pPr lvl="3"/>
@@ -506,6 +459,7 @@
               <a:rPr lang="en-US"/>
               <a:t>Fourth level</a:t>
             </a:r>
+            <a:endParaRPr lang="en-US"/>
           </a:p>
           <a:p>
             <a:pPr lvl="4"/>
@@ -513,6 +467,7 @@
               <a:rPr lang="en-US"/>
               <a:t>Fifth level</a:t>
             </a:r>
+            <a:endParaRPr lang="en-US"/>
           </a:p>
         </p:txBody>
       </p:sp>
@@ -576,18 +531,12 @@
           <a:p>
             <a:fld id="{3CFA0038-7055-434C-B6C4-B8C69565C600}" type="slidenum">
               <a:rPr lang="en-US" smtClean="0"/>
-              <a:t>‹#›</a:t>
             </a:fld>
             <a:endParaRPr lang="en-US" dirty="0"/>
           </a:p>
         </p:txBody>
       </p:sp>
     </p:spTree>
-    <p:extLst>
-      <p:ext uri="{BB962C8B-B14F-4D97-AF65-F5344CB8AC3E}">
-        <p14:creationId xmlns:p14="http://schemas.microsoft.com/office/powerpoint/2010/main" val="1390864140"/>
-      </p:ext>
-    </p:extLst>
   </p:cSld>
   <p:clrMap bg1="lt1" tx1="dk1" bg2="lt2" tx2="dk2" accent1="accent1" accent2="accent2" accent3="accent3" accent4="accent4" accent5="accent5" accent6="accent6" hlink="hlink" folHlink="folHlink"/>
   <p:notesStyle>
@@ -739,11 +688,6 @@
         </p:txBody>
       </p:sp>
     </p:spTree>
-    <p:extLst>
-      <p:ext uri="{BB962C8B-B14F-4D97-AF65-F5344CB8AC3E}">
-        <p14:creationId xmlns:p14="http://schemas.microsoft.com/office/powerpoint/2010/main" val="3249664736"/>
-      </p:ext>
-    </p:extLst>
   </p:cSld>
   <p:clrMapOvr>
     <a:masterClrMapping/>
@@ -816,18 +760,90 @@
           <a:p>
             <a:fld id="{3CFA0038-7055-434C-B6C4-B8C69565C600}" type="slidenum">
               <a:rPr lang="en-US" smtClean="0"/>
-              <a:t>10</a:t>
             </a:fld>
             <a:endParaRPr lang="en-US" dirty="0"/>
           </a:p>
         </p:txBody>
       </p:sp>
     </p:spTree>
-    <p:extLst>
-      <p:ext uri="{BB962C8B-B14F-4D97-AF65-F5344CB8AC3E}">
-        <p14:creationId xmlns:p14="http://schemas.microsoft.com/office/powerpoint/2010/main" val="3243940069"/>
-      </p:ext>
-    </p:extLst>
+  </p:cSld>
+  <p:clrMapOvr>
+    <a:masterClrMapping/>
+  </p:clrMapOvr>
+</p:notes>
+</file>
+
+<file path=ppt/notesSlides/notesSlide11.xml><?xml version="1.0" encoding="utf-8"?>
+<p:notes xmlns:a="http://schemas.openxmlformats.org/drawingml/2006/main" xmlns:r="http://schemas.openxmlformats.org/officeDocument/2006/relationships" xmlns:p="http://schemas.openxmlformats.org/presentationml/2006/main">
+  <p:cSld>
+    <p:spTree>
+      <p:nvGrpSpPr>
+        <p:cNvPr id="1" name=""/>
+        <p:cNvGrpSpPr/>
+        <p:nvPr/>
+      </p:nvGrpSpPr>
+      <p:grpSpPr>
+        <a:xfrm>
+          <a:off x="0" y="0"/>
+          <a:ext cx="0" cy="0"/>
+          <a:chOff x="0" y="0"/>
+          <a:chExt cx="0" cy="0"/>
+        </a:xfrm>
+      </p:grpSpPr>
+      <p:sp>
+        <p:nvSpPr>
+          <p:cNvPr id="2" name="Slide Image Placeholder 1"/>
+          <p:cNvSpPr>
+            <a:spLocks noGrp="1" noRot="1" noChangeAspect="1"/>
+          </p:cNvSpPr>
+          <p:nvPr>
+            <p:ph type="sldImg"/>
+          </p:nvPr>
+        </p:nvSpPr>
+        <p:spPr/>
+      </p:sp>
+      <p:sp>
+        <p:nvSpPr>
+          <p:cNvPr id="3" name="Notes Placeholder 2"/>
+          <p:cNvSpPr>
+            <a:spLocks noGrp="1"/>
+          </p:cNvSpPr>
+          <p:nvPr>
+            <p:ph type="body" idx="1"/>
+          </p:nvPr>
+        </p:nvSpPr>
+        <p:spPr/>
+        <p:txBody>
+          <a:bodyPr/>
+          <a:lstStyle/>
+          <a:p>
+            <a:endParaRPr lang="en-US" dirty="0"/>
+          </a:p>
+        </p:txBody>
+      </p:sp>
+      <p:sp>
+        <p:nvSpPr>
+          <p:cNvPr id="4" name="Slide Number Placeholder 3"/>
+          <p:cNvSpPr>
+            <a:spLocks noGrp="1"/>
+          </p:cNvSpPr>
+          <p:nvPr>
+            <p:ph type="sldNum" sz="quarter" idx="5"/>
+          </p:nvPr>
+        </p:nvSpPr>
+        <p:spPr/>
+        <p:txBody>
+          <a:bodyPr/>
+          <a:lstStyle/>
+          <a:p>
+            <a:fld id="{3CFA0038-7055-434C-B6C4-B8C69565C600}" type="slidenum">
+              <a:rPr lang="en-US" smtClean="0"/>
+            </a:fld>
+            <a:endParaRPr lang="en-US" dirty="0"/>
+          </a:p>
+        </p:txBody>
+      </p:sp>
+    </p:spTree>
   </p:cSld>
   <p:clrMapOvr>
     <a:masterClrMapping/>
@@ -900,18 +916,12 @@
           <a:p>
             <a:fld id="{3CFA0038-7055-434C-B6C4-B8C69565C600}" type="slidenum">
               <a:rPr lang="en-US" smtClean="0"/>
-              <a:t>2</a:t>
             </a:fld>
             <a:endParaRPr lang="en-US" dirty="0"/>
           </a:p>
         </p:txBody>
       </p:sp>
     </p:spTree>
-    <p:extLst>
-      <p:ext uri="{BB962C8B-B14F-4D97-AF65-F5344CB8AC3E}">
-        <p14:creationId xmlns:p14="http://schemas.microsoft.com/office/powerpoint/2010/main" val="1699044950"/>
-      </p:ext>
-    </p:extLst>
   </p:cSld>
   <p:clrMapOvr>
     <a:masterClrMapping/>
@@ -984,18 +994,12 @@
           <a:p>
             <a:fld id="{3CFA0038-7055-434C-B6C4-B8C69565C600}" type="slidenum">
               <a:rPr lang="en-US" smtClean="0"/>
-              <a:t>3</a:t>
             </a:fld>
             <a:endParaRPr lang="en-US" dirty="0"/>
           </a:p>
         </p:txBody>
       </p:sp>
     </p:spTree>
-    <p:extLst>
-      <p:ext uri="{BB962C8B-B14F-4D97-AF65-F5344CB8AC3E}">
-        <p14:creationId xmlns:p14="http://schemas.microsoft.com/office/powerpoint/2010/main" val="2663438760"/>
-      </p:ext>
-    </p:extLst>
   </p:cSld>
   <p:clrMapOvr>
     <a:masterClrMapping/>
@@ -1068,18 +1072,12 @@
           <a:p>
             <a:fld id="{3CFA0038-7055-434C-B6C4-B8C69565C600}" type="slidenum">
               <a:rPr lang="en-US" smtClean="0"/>
-              <a:t>4</a:t>
             </a:fld>
             <a:endParaRPr lang="en-US" dirty="0"/>
           </a:p>
         </p:txBody>
       </p:sp>
     </p:spTree>
-    <p:extLst>
-      <p:ext uri="{BB962C8B-B14F-4D97-AF65-F5344CB8AC3E}">
-        <p14:creationId xmlns:p14="http://schemas.microsoft.com/office/powerpoint/2010/main" val="2304535319"/>
-      </p:ext>
-    </p:extLst>
   </p:cSld>
   <p:clrMapOvr>
     <a:masterClrMapping/>
@@ -1152,18 +1150,12 @@
           <a:p>
             <a:fld id="{3CFA0038-7055-434C-B6C4-B8C69565C600}" type="slidenum">
               <a:rPr lang="en-US" smtClean="0"/>
-              <a:t>5</a:t>
             </a:fld>
             <a:endParaRPr lang="en-US" dirty="0"/>
           </a:p>
         </p:txBody>
       </p:sp>
     </p:spTree>
-    <p:extLst>
-      <p:ext uri="{BB962C8B-B14F-4D97-AF65-F5344CB8AC3E}">
-        <p14:creationId xmlns:p14="http://schemas.microsoft.com/office/powerpoint/2010/main" val="2878238633"/>
-      </p:ext>
-    </p:extLst>
   </p:cSld>
   <p:clrMapOvr>
     <a:masterClrMapping/>
@@ -1236,18 +1228,12 @@
           <a:p>
             <a:fld id="{3CFA0038-7055-434C-B6C4-B8C69565C600}" type="slidenum">
               <a:rPr lang="en-US" smtClean="0"/>
-              <a:t>6</a:t>
             </a:fld>
             <a:endParaRPr lang="en-US" dirty="0"/>
           </a:p>
         </p:txBody>
       </p:sp>
     </p:spTree>
-    <p:extLst>
-      <p:ext uri="{BB962C8B-B14F-4D97-AF65-F5344CB8AC3E}">
-        <p14:creationId xmlns:p14="http://schemas.microsoft.com/office/powerpoint/2010/main" val="3911809988"/>
-      </p:ext>
-    </p:extLst>
   </p:cSld>
   <p:clrMapOvr>
     <a:masterClrMapping/>
@@ -1320,18 +1306,12 @@
           <a:p>
             <a:fld id="{3CFA0038-7055-434C-B6C4-B8C69565C600}" type="slidenum">
               <a:rPr lang="en-US" smtClean="0"/>
-              <a:t>7</a:t>
             </a:fld>
             <a:endParaRPr lang="en-US" dirty="0"/>
           </a:p>
         </p:txBody>
       </p:sp>
     </p:spTree>
-    <p:extLst>
-      <p:ext uri="{BB962C8B-B14F-4D97-AF65-F5344CB8AC3E}">
-        <p14:creationId xmlns:p14="http://schemas.microsoft.com/office/powerpoint/2010/main" val="4057960463"/>
-      </p:ext>
-    </p:extLst>
   </p:cSld>
   <p:clrMapOvr>
     <a:masterClrMapping/>
@@ -1404,18 +1384,12 @@
           <a:p>
             <a:fld id="{3CFA0038-7055-434C-B6C4-B8C69565C600}" type="slidenum">
               <a:rPr lang="en-US" smtClean="0"/>
-              <a:t>8</a:t>
             </a:fld>
             <a:endParaRPr lang="en-US" dirty="0"/>
           </a:p>
         </p:txBody>
       </p:sp>
     </p:spTree>
-    <p:extLst>
-      <p:ext uri="{BB962C8B-B14F-4D97-AF65-F5344CB8AC3E}">
-        <p14:creationId xmlns:p14="http://schemas.microsoft.com/office/powerpoint/2010/main" val="3758145115"/>
-      </p:ext>
-    </p:extLst>
   </p:cSld>
   <p:clrMapOvr>
     <a:masterClrMapping/>
@@ -1488,18 +1462,12 @@
           <a:p>
             <a:fld id="{3CFA0038-7055-434C-B6C4-B8C69565C600}" type="slidenum">
               <a:rPr lang="en-US" smtClean="0"/>
-              <a:t>9</a:t>
             </a:fld>
             <a:endParaRPr lang="en-US" dirty="0"/>
           </a:p>
         </p:txBody>
       </p:sp>
     </p:spTree>
-    <p:extLst>
-      <p:ext uri="{BB962C8B-B14F-4D97-AF65-F5344CB8AC3E}">
-        <p14:creationId xmlns:p14="http://schemas.microsoft.com/office/powerpoint/2010/main" val="135572119"/>
-      </p:ext>
-    </p:extLst>
   </p:cSld>
   <p:clrMapOvr>
     <a:masterClrMapping/>
@@ -1526,13 +1494,7 @@
       </p:grpSpPr>
       <p:sp>
         <p:nvSpPr>
-          <p:cNvPr id="9" name="Rectangle 8">
-            <a:extLst>
-              <a:ext uri="{FF2B5EF4-FFF2-40B4-BE49-F238E27FC236}">
-                <a16:creationId xmlns:a16="http://schemas.microsoft.com/office/drawing/2014/main" id="{38CBA09E-664D-42AC-81A8-E6756A655750}"/>
-              </a:ext>
-            </a:extLst>
-          </p:cNvPr>
+          <p:cNvPr id="9" name="Rectangle 8"/>
           <p:cNvSpPr/>
           <p:nvPr userDrawn="1"/>
         </p:nvSpPr>
@@ -1578,13 +1540,7 @@
       </p:sp>
       <p:sp>
         <p:nvSpPr>
-          <p:cNvPr id="12" name="Picture Placeholder 11">
-            <a:extLst>
-              <a:ext uri="{FF2B5EF4-FFF2-40B4-BE49-F238E27FC236}">
-                <a16:creationId xmlns:a16="http://schemas.microsoft.com/office/drawing/2014/main" id="{82CAE461-C0B1-40CE-96C7-BF817A2EA315}"/>
-              </a:ext>
-            </a:extLst>
-          </p:cNvPr>
+          <p:cNvPr id="12" name="Picture Placeholder 11"/>
           <p:cNvSpPr>
             <a:spLocks noGrp="1"/>
           </p:cNvSpPr>
@@ -1681,13 +1637,7 @@
       </p:sp>
       <p:sp>
         <p:nvSpPr>
-          <p:cNvPr id="6" name="Title 1">
-            <a:extLst>
-              <a:ext uri="{FF2B5EF4-FFF2-40B4-BE49-F238E27FC236}">
-                <a16:creationId xmlns:a16="http://schemas.microsoft.com/office/drawing/2014/main" id="{AA99C074-A230-B944-8FEA-870A76765C60}"/>
-              </a:ext>
-            </a:extLst>
-          </p:cNvPr>
+          <p:cNvPr id="6" name="Title 1"/>
           <p:cNvSpPr>
             <a:spLocks noGrp="1"/>
           </p:cNvSpPr>
@@ -1720,18 +1670,13 @@
               <a:rPr lang="en-US" dirty="0"/>
               <a:t>CLICK TO ADD TITLE</a:t>
             </a:r>
-          </a:p>
-        </p:txBody>
-      </p:sp>
-      <p:sp>
-        <p:nvSpPr>
-          <p:cNvPr id="13" name="Text Placeholder 12">
-            <a:extLst>
-              <a:ext uri="{FF2B5EF4-FFF2-40B4-BE49-F238E27FC236}">
-                <a16:creationId xmlns:a16="http://schemas.microsoft.com/office/drawing/2014/main" id="{1221857D-ECFA-4D4D-91DF-E36500791501}"/>
-              </a:ext>
-            </a:extLst>
-          </p:cNvPr>
+            <a:endParaRPr lang="en-US" dirty="0"/>
+          </a:p>
+        </p:txBody>
+      </p:sp>
+      <p:sp>
+        <p:nvSpPr>
+          <p:cNvPr id="13" name="Text Placeholder 12"/>
           <p:cNvSpPr>
             <a:spLocks noGrp="1"/>
           </p:cNvSpPr>
@@ -1767,18 +1712,13 @@
               <a:rPr lang="en-US" dirty="0"/>
               <a:t>SUBTITLE GOES HERE</a:t>
             </a:r>
-          </a:p>
-        </p:txBody>
-      </p:sp>
-      <p:sp>
-        <p:nvSpPr>
-          <p:cNvPr id="5" name="Shape 62">
-            <a:extLst>
-              <a:ext uri="{FF2B5EF4-FFF2-40B4-BE49-F238E27FC236}">
-                <a16:creationId xmlns:a16="http://schemas.microsoft.com/office/drawing/2014/main" id="{E1A23DB6-E067-4A30-8C4B-98B452428518}"/>
-              </a:ext>
-            </a:extLst>
-          </p:cNvPr>
+            <a:endParaRPr lang="en-US" dirty="0"/>
+          </a:p>
+        </p:txBody>
+      </p:sp>
+      <p:sp>
+        <p:nvSpPr>
+          <p:cNvPr id="5" name="Shape 62"/>
           <p:cNvSpPr/>
           <p:nvPr userDrawn="1"/>
         </p:nvSpPr>
@@ -1817,11 +1757,6 @@
         </p:txBody>
       </p:sp>
     </p:spTree>
-    <p:extLst>
-      <p:ext uri="{BB962C8B-B14F-4D97-AF65-F5344CB8AC3E}">
-        <p14:creationId xmlns:p14="http://schemas.microsoft.com/office/powerpoint/2010/main" val="1399467695"/>
-      </p:ext>
-    </p:extLst>
   </p:cSld>
   <p:clrMapOvr>
     <a:masterClrMapping/>
@@ -1856,13 +1791,7 @@
       </p:grpSpPr>
       <p:sp>
         <p:nvSpPr>
-          <p:cNvPr id="2" name="Title 1">
-            <a:extLst>
-              <a:ext uri="{FF2B5EF4-FFF2-40B4-BE49-F238E27FC236}">
-                <a16:creationId xmlns:a16="http://schemas.microsoft.com/office/drawing/2014/main" id="{408AC775-D0E4-4AE8-B104-8AF0CC99549B}"/>
-              </a:ext>
-            </a:extLst>
-          </p:cNvPr>
+          <p:cNvPr id="2" name="Title 1"/>
           <p:cNvSpPr>
             <a:spLocks noGrp="1"/>
           </p:cNvSpPr>
@@ -1897,18 +1826,13 @@
               <a:rPr lang="en-US" noProof="0"/>
               <a:t>Agenda</a:t>
             </a:r>
-          </a:p>
-        </p:txBody>
-      </p:sp>
-      <p:sp>
-        <p:nvSpPr>
-          <p:cNvPr id="29" name="Picture Placeholder 28">
-            <a:extLst>
-              <a:ext uri="{FF2B5EF4-FFF2-40B4-BE49-F238E27FC236}">
-                <a16:creationId xmlns:a16="http://schemas.microsoft.com/office/drawing/2014/main" id="{AA648B5A-E380-4E42-882E-71EBF6838E22}"/>
-              </a:ext>
-            </a:extLst>
-          </p:cNvPr>
+            <a:endParaRPr lang="en-US" noProof="0"/>
+          </a:p>
+        </p:txBody>
+      </p:sp>
+      <p:sp>
+        <p:nvSpPr>
+          <p:cNvPr id="29" name="Picture Placeholder 28"/>
           <p:cNvSpPr>
             <a:spLocks noGrp="1"/>
           </p:cNvSpPr>
@@ -1942,13 +1866,7 @@
       </p:sp>
       <p:sp>
         <p:nvSpPr>
-          <p:cNvPr id="32" name="Text Placeholder 30">
-            <a:extLst>
-              <a:ext uri="{FF2B5EF4-FFF2-40B4-BE49-F238E27FC236}">
-                <a16:creationId xmlns:a16="http://schemas.microsoft.com/office/drawing/2014/main" id="{A0A47E85-3BCA-460F-8AB1-52D89AC152B5}"/>
-              </a:ext>
-            </a:extLst>
-          </p:cNvPr>
+          <p:cNvPr id="32" name="Text Placeholder 30"/>
           <p:cNvSpPr>
             <a:spLocks noGrp="1"/>
           </p:cNvSpPr>
@@ -1995,18 +1913,13 @@
               <a:rPr lang="en-US" noProof="0"/>
               <a:t>text styles</a:t>
             </a:r>
-          </a:p>
-        </p:txBody>
-      </p:sp>
-      <p:sp>
-        <p:nvSpPr>
-          <p:cNvPr id="33" name="Text Placeholder 30">
-            <a:extLst>
-              <a:ext uri="{FF2B5EF4-FFF2-40B4-BE49-F238E27FC236}">
-                <a16:creationId xmlns:a16="http://schemas.microsoft.com/office/drawing/2014/main" id="{D357C748-EEC9-489A-BCC6-CA3A91E3F2AD}"/>
-              </a:ext>
-            </a:extLst>
-          </p:cNvPr>
+            <a:endParaRPr lang="en-US" noProof="0"/>
+          </a:p>
+        </p:txBody>
+      </p:sp>
+      <p:sp>
+        <p:nvSpPr>
+          <p:cNvPr id="33" name="Text Placeholder 30"/>
           <p:cNvSpPr>
             <a:spLocks noGrp="1"/>
           </p:cNvSpPr>
@@ -2056,18 +1969,13 @@
               <a:rPr lang="en-US" noProof="0"/>
               <a:t>text styles</a:t>
             </a:r>
-          </a:p>
-        </p:txBody>
-      </p:sp>
-      <p:sp>
-        <p:nvSpPr>
-          <p:cNvPr id="34" name="Text Placeholder 30">
-            <a:extLst>
-              <a:ext uri="{FF2B5EF4-FFF2-40B4-BE49-F238E27FC236}">
-                <a16:creationId xmlns:a16="http://schemas.microsoft.com/office/drawing/2014/main" id="{59136E3C-98E8-457D-ABD1-BA278DBB491B}"/>
-              </a:ext>
-            </a:extLst>
-          </p:cNvPr>
+            <a:endParaRPr lang="en-US" noProof="0"/>
+          </a:p>
+        </p:txBody>
+      </p:sp>
+      <p:sp>
+        <p:nvSpPr>
+          <p:cNvPr id="34" name="Text Placeholder 30"/>
           <p:cNvSpPr>
             <a:spLocks noGrp="1"/>
           </p:cNvSpPr>
@@ -2117,18 +2025,13 @@
               <a:rPr lang="en-US" noProof="0"/>
               <a:t>text styles</a:t>
             </a:r>
-          </a:p>
-        </p:txBody>
-      </p:sp>
-      <p:sp>
-        <p:nvSpPr>
-          <p:cNvPr id="35" name="Text Placeholder 30">
-            <a:extLst>
-              <a:ext uri="{FF2B5EF4-FFF2-40B4-BE49-F238E27FC236}">
-                <a16:creationId xmlns:a16="http://schemas.microsoft.com/office/drawing/2014/main" id="{3F9938E0-7CFD-4C1C-88B0-388D25B8B1B8}"/>
-              </a:ext>
-            </a:extLst>
-          </p:cNvPr>
+            <a:endParaRPr lang="en-US" noProof="0"/>
+          </a:p>
+        </p:txBody>
+      </p:sp>
+      <p:sp>
+        <p:nvSpPr>
+          <p:cNvPr id="35" name="Text Placeholder 30"/>
           <p:cNvSpPr>
             <a:spLocks noGrp="1"/>
           </p:cNvSpPr>
@@ -2178,18 +2081,13 @@
               <a:rPr lang="en-US" noProof="0"/>
               <a:t>text styles</a:t>
             </a:r>
-          </a:p>
-        </p:txBody>
-      </p:sp>
-      <p:sp>
-        <p:nvSpPr>
-          <p:cNvPr id="36" name="Text Placeholder 30">
-            <a:extLst>
-              <a:ext uri="{FF2B5EF4-FFF2-40B4-BE49-F238E27FC236}">
-                <a16:creationId xmlns:a16="http://schemas.microsoft.com/office/drawing/2014/main" id="{D274E9A2-3272-442A-A247-A383255C45F7}"/>
-              </a:ext>
-            </a:extLst>
-          </p:cNvPr>
+            <a:endParaRPr lang="en-US" noProof="0"/>
+          </a:p>
+        </p:txBody>
+      </p:sp>
+      <p:sp>
+        <p:nvSpPr>
+          <p:cNvPr id="36" name="Text Placeholder 30"/>
           <p:cNvSpPr>
             <a:spLocks noGrp="1"/>
           </p:cNvSpPr>
@@ -2239,18 +2137,13 @@
               <a:rPr lang="en-US" noProof="0"/>
               <a:t>text styles</a:t>
             </a:r>
-          </a:p>
-        </p:txBody>
-      </p:sp>
-      <p:sp>
-        <p:nvSpPr>
-          <p:cNvPr id="37" name="Text Placeholder 30">
-            <a:extLst>
-              <a:ext uri="{FF2B5EF4-FFF2-40B4-BE49-F238E27FC236}">
-                <a16:creationId xmlns:a16="http://schemas.microsoft.com/office/drawing/2014/main" id="{2D435A30-7C8E-4847-B027-91CBFA159229}"/>
-              </a:ext>
-            </a:extLst>
-          </p:cNvPr>
+            <a:endParaRPr lang="en-US" noProof="0"/>
+          </a:p>
+        </p:txBody>
+      </p:sp>
+      <p:sp>
+        <p:nvSpPr>
+          <p:cNvPr id="37" name="Text Placeholder 30"/>
           <p:cNvSpPr>
             <a:spLocks noGrp="1"/>
           </p:cNvSpPr>
@@ -2290,18 +2183,13 @@
               <a:rPr lang="en-US" noProof="0"/>
               <a:t>1</a:t>
             </a:r>
-          </a:p>
-        </p:txBody>
-      </p:sp>
-      <p:sp>
-        <p:nvSpPr>
-          <p:cNvPr id="38" name="Text Placeholder 30">
-            <a:extLst>
-              <a:ext uri="{FF2B5EF4-FFF2-40B4-BE49-F238E27FC236}">
-                <a16:creationId xmlns:a16="http://schemas.microsoft.com/office/drawing/2014/main" id="{819BB324-34C6-4FF7-8780-D294AC6EC5AC}"/>
-              </a:ext>
-            </a:extLst>
-          </p:cNvPr>
+            <a:endParaRPr lang="en-US" noProof="0"/>
+          </a:p>
+        </p:txBody>
+      </p:sp>
+      <p:sp>
+        <p:nvSpPr>
+          <p:cNvPr id="38" name="Text Placeholder 30"/>
           <p:cNvSpPr>
             <a:spLocks noGrp="1"/>
           </p:cNvSpPr>
@@ -2341,18 +2229,13 @@
               <a:rPr lang="en-US" noProof="0"/>
               <a:t>2</a:t>
             </a:r>
-          </a:p>
-        </p:txBody>
-      </p:sp>
-      <p:sp>
-        <p:nvSpPr>
-          <p:cNvPr id="39" name="Text Placeholder 30">
-            <a:extLst>
-              <a:ext uri="{FF2B5EF4-FFF2-40B4-BE49-F238E27FC236}">
-                <a16:creationId xmlns:a16="http://schemas.microsoft.com/office/drawing/2014/main" id="{43B3C496-FB0A-4924-A341-696D17E2D9C5}"/>
-              </a:ext>
-            </a:extLst>
-          </p:cNvPr>
+            <a:endParaRPr lang="en-US" noProof="0"/>
+          </a:p>
+        </p:txBody>
+      </p:sp>
+      <p:sp>
+        <p:nvSpPr>
+          <p:cNvPr id="39" name="Text Placeholder 30"/>
           <p:cNvSpPr>
             <a:spLocks noGrp="1"/>
           </p:cNvSpPr>
@@ -2392,18 +2275,13 @@
               <a:rPr lang="en-US" noProof="0"/>
               <a:t>3</a:t>
             </a:r>
-          </a:p>
-        </p:txBody>
-      </p:sp>
-      <p:sp>
-        <p:nvSpPr>
-          <p:cNvPr id="40" name="Text Placeholder 30">
-            <a:extLst>
-              <a:ext uri="{FF2B5EF4-FFF2-40B4-BE49-F238E27FC236}">
-                <a16:creationId xmlns:a16="http://schemas.microsoft.com/office/drawing/2014/main" id="{FEACD5FF-800E-4BB0-82F3-2E0AEF1215D5}"/>
-              </a:ext>
-            </a:extLst>
-          </p:cNvPr>
+            <a:endParaRPr lang="en-US" noProof="0"/>
+          </a:p>
+        </p:txBody>
+      </p:sp>
+      <p:sp>
+        <p:nvSpPr>
+          <p:cNvPr id="40" name="Text Placeholder 30"/>
           <p:cNvSpPr>
             <a:spLocks noGrp="1"/>
           </p:cNvSpPr>
@@ -2443,18 +2321,13 @@
               <a:rPr lang="en-US" noProof="0"/>
               <a:t>4</a:t>
             </a:r>
-          </a:p>
-        </p:txBody>
-      </p:sp>
-      <p:sp>
-        <p:nvSpPr>
-          <p:cNvPr id="41" name="Text Placeholder 30">
-            <a:extLst>
-              <a:ext uri="{FF2B5EF4-FFF2-40B4-BE49-F238E27FC236}">
-                <a16:creationId xmlns:a16="http://schemas.microsoft.com/office/drawing/2014/main" id="{58B97284-E1BE-4DCD-9CC1-C441D1A8573A}"/>
-              </a:ext>
-            </a:extLst>
-          </p:cNvPr>
+            <a:endParaRPr lang="en-US" noProof="0"/>
+          </a:p>
+        </p:txBody>
+      </p:sp>
+      <p:sp>
+        <p:nvSpPr>
+          <p:cNvPr id="41" name="Text Placeholder 30"/>
           <p:cNvSpPr>
             <a:spLocks noGrp="1"/>
           </p:cNvSpPr>
@@ -2494,18 +2367,13 @@
               <a:rPr lang="en-US" noProof="0"/>
               <a:t>5</a:t>
             </a:r>
-          </a:p>
-        </p:txBody>
-      </p:sp>
-      <p:sp>
-        <p:nvSpPr>
-          <p:cNvPr id="42" name="Shape 62">
-            <a:extLst>
-              <a:ext uri="{FF2B5EF4-FFF2-40B4-BE49-F238E27FC236}">
-                <a16:creationId xmlns:a16="http://schemas.microsoft.com/office/drawing/2014/main" id="{79517603-8FAC-41C9-B5BE-3F8BA7D93CE6}"/>
-              </a:ext>
-            </a:extLst>
-          </p:cNvPr>
+            <a:endParaRPr lang="en-US" noProof="0"/>
+          </a:p>
+        </p:txBody>
+      </p:sp>
+      <p:sp>
+        <p:nvSpPr>
+          <p:cNvPr id="42" name="Shape 62"/>
           <p:cNvSpPr/>
           <p:nvPr userDrawn="1"/>
         </p:nvSpPr>
@@ -2544,11 +2412,6 @@
         </p:txBody>
       </p:sp>
     </p:spTree>
-    <p:extLst>
-      <p:ext uri="{BB962C8B-B14F-4D97-AF65-F5344CB8AC3E}">
-        <p14:creationId xmlns:p14="http://schemas.microsoft.com/office/powerpoint/2010/main" val="4283145808"/>
-      </p:ext>
-    </p:extLst>
   </p:cSld>
   <p:clrMapOvr>
     <a:masterClrMapping/>
@@ -2575,13 +2438,7 @@
       </p:grpSpPr>
       <p:sp>
         <p:nvSpPr>
-          <p:cNvPr id="2" name="Title 1">
-            <a:extLst>
-              <a:ext uri="{FF2B5EF4-FFF2-40B4-BE49-F238E27FC236}">
-                <a16:creationId xmlns:a16="http://schemas.microsoft.com/office/drawing/2014/main" id="{110731EC-67BA-493B-B1C7-6258DD2B6042}"/>
-              </a:ext>
-            </a:extLst>
-          </p:cNvPr>
+          <p:cNvPr id="2" name="Title 1"/>
           <p:cNvSpPr>
             <a:spLocks noGrp="1"/>
           </p:cNvSpPr>
@@ -2615,13 +2472,7 @@
       </p:sp>
       <p:sp>
         <p:nvSpPr>
-          <p:cNvPr id="5" name="Picture Placeholder 4">
-            <a:extLst>
-              <a:ext uri="{FF2B5EF4-FFF2-40B4-BE49-F238E27FC236}">
-                <a16:creationId xmlns:a16="http://schemas.microsoft.com/office/drawing/2014/main" id="{BE84B7CE-D997-4F92-BD9D-3F9DE2782EF8}"/>
-              </a:ext>
-            </a:extLst>
-          </p:cNvPr>
+          <p:cNvPr id="5" name="Picture Placeholder 4"/>
           <p:cNvSpPr>
             <a:spLocks noGrp="1"/>
           </p:cNvSpPr>
@@ -2655,13 +2506,7 @@
       </p:sp>
       <p:sp>
         <p:nvSpPr>
-          <p:cNvPr id="7" name="Text Placeholder 6">
-            <a:extLst>
-              <a:ext uri="{FF2B5EF4-FFF2-40B4-BE49-F238E27FC236}">
-                <a16:creationId xmlns:a16="http://schemas.microsoft.com/office/drawing/2014/main" id="{233D39E2-2188-4621-B115-A912A057E8AC}"/>
-              </a:ext>
-            </a:extLst>
-          </p:cNvPr>
+          <p:cNvPr id="7" name="Text Placeholder 6"/>
           <p:cNvSpPr>
             <a:spLocks noGrp="1"/>
           </p:cNvSpPr>
@@ -2697,18 +2542,13 @@
               <a:rPr lang="en-US"/>
               <a:t>Click to edit Master text styles</a:t>
             </a:r>
-          </a:p>
-        </p:txBody>
-      </p:sp>
-      <p:sp>
-        <p:nvSpPr>
-          <p:cNvPr id="8" name="Text Placeholder 6">
-            <a:extLst>
-              <a:ext uri="{FF2B5EF4-FFF2-40B4-BE49-F238E27FC236}">
-                <a16:creationId xmlns:a16="http://schemas.microsoft.com/office/drawing/2014/main" id="{75D558A5-D3BF-4DB7-928F-A20868F3C37D}"/>
-              </a:ext>
-            </a:extLst>
-          </p:cNvPr>
+            <a:endParaRPr lang="en-US"/>
+          </a:p>
+        </p:txBody>
+      </p:sp>
+      <p:sp>
+        <p:nvSpPr>
+          <p:cNvPr id="8" name="Text Placeholder 6"/>
           <p:cNvSpPr>
             <a:spLocks noGrp="1"/>
           </p:cNvSpPr>
@@ -2741,15 +2581,11 @@
               <a:rPr lang="en-US"/>
               <a:t>Click to edit Master text styles</a:t>
             </a:r>
+            <a:endParaRPr lang="en-US"/>
           </a:p>
         </p:txBody>
       </p:sp>
     </p:spTree>
-    <p:extLst>
-      <p:ext uri="{BB962C8B-B14F-4D97-AF65-F5344CB8AC3E}">
-        <p14:creationId xmlns:p14="http://schemas.microsoft.com/office/powerpoint/2010/main" val="1984934213"/>
-      </p:ext>
-    </p:extLst>
   </p:cSld>
   <p:clrMapOvr>
     <a:masterClrMapping/>
@@ -2776,13 +2612,7 @@
       </p:grpSpPr>
       <p:sp>
         <p:nvSpPr>
-          <p:cNvPr id="2" name="Title 1">
-            <a:extLst>
-              <a:ext uri="{FF2B5EF4-FFF2-40B4-BE49-F238E27FC236}">
-                <a16:creationId xmlns:a16="http://schemas.microsoft.com/office/drawing/2014/main" id="{110731EC-67BA-493B-B1C7-6258DD2B6042}"/>
-              </a:ext>
-            </a:extLst>
-          </p:cNvPr>
+          <p:cNvPr id="2" name="Title 1"/>
           <p:cNvSpPr>
             <a:spLocks noGrp="1"/>
           </p:cNvSpPr>
@@ -2818,13 +2648,7 @@
       </p:sp>
       <p:sp>
         <p:nvSpPr>
-          <p:cNvPr id="5" name="Picture Placeholder 4">
-            <a:extLst>
-              <a:ext uri="{FF2B5EF4-FFF2-40B4-BE49-F238E27FC236}">
-                <a16:creationId xmlns:a16="http://schemas.microsoft.com/office/drawing/2014/main" id="{BE84B7CE-D997-4F92-BD9D-3F9DE2782EF8}"/>
-              </a:ext>
-            </a:extLst>
-          </p:cNvPr>
+          <p:cNvPr id="5" name="Picture Placeholder 4"/>
           <p:cNvSpPr>
             <a:spLocks noGrp="1"/>
           </p:cNvSpPr>
@@ -2858,13 +2682,7 @@
       </p:sp>
       <p:sp>
         <p:nvSpPr>
-          <p:cNvPr id="8" name="Text Placeholder 6">
-            <a:extLst>
-              <a:ext uri="{FF2B5EF4-FFF2-40B4-BE49-F238E27FC236}">
-                <a16:creationId xmlns:a16="http://schemas.microsoft.com/office/drawing/2014/main" id="{75D558A5-D3BF-4DB7-928F-A20868F3C37D}"/>
-              </a:ext>
-            </a:extLst>
-          </p:cNvPr>
+          <p:cNvPr id="8" name="Text Placeholder 6"/>
           <p:cNvSpPr>
             <a:spLocks noGrp="1"/>
           </p:cNvSpPr>
@@ -2897,18 +2715,13 @@
               <a:rPr lang="en-US" dirty="0"/>
               <a:t>Click to add title here</a:t>
             </a:r>
-          </a:p>
-        </p:txBody>
-      </p:sp>
-      <p:sp>
-        <p:nvSpPr>
-          <p:cNvPr id="9" name="Text Placeholder 6">
-            <a:extLst>
-              <a:ext uri="{FF2B5EF4-FFF2-40B4-BE49-F238E27FC236}">
-                <a16:creationId xmlns:a16="http://schemas.microsoft.com/office/drawing/2014/main" id="{92EBEB66-5E12-4FD8-AC09-10C992CA7CFE}"/>
-              </a:ext>
-            </a:extLst>
-          </p:cNvPr>
+            <a:endParaRPr lang="en-US" dirty="0"/>
+          </a:p>
+        </p:txBody>
+      </p:sp>
+      <p:sp>
+        <p:nvSpPr>
+          <p:cNvPr id="9" name="Text Placeholder 6"/>
           <p:cNvSpPr>
             <a:spLocks noGrp="1"/>
           </p:cNvSpPr>
@@ -2941,18 +2754,13 @@
               <a:rPr lang="en-US" dirty="0"/>
               <a:t>Click to add title here</a:t>
             </a:r>
-          </a:p>
-        </p:txBody>
-      </p:sp>
-      <p:sp>
-        <p:nvSpPr>
-          <p:cNvPr id="4" name="Text Placeholder 3">
-            <a:extLst>
-              <a:ext uri="{FF2B5EF4-FFF2-40B4-BE49-F238E27FC236}">
-                <a16:creationId xmlns:a16="http://schemas.microsoft.com/office/drawing/2014/main" id="{9B53E20B-DD70-4AFB-9D9B-17969F880C06}"/>
-              </a:ext>
-            </a:extLst>
-          </p:cNvPr>
+            <a:endParaRPr lang="en-US" dirty="0"/>
+          </a:p>
+        </p:txBody>
+      </p:sp>
+      <p:sp>
+        <p:nvSpPr>
+          <p:cNvPr id="4" name="Text Placeholder 3"/>
           <p:cNvSpPr>
             <a:spLocks noGrp="1"/>
           </p:cNvSpPr>
@@ -3003,6 +2811,7 @@
               <a:rPr lang="en-US"/>
               <a:t>Click to edit Master text styles</a:t>
             </a:r>
+            <a:endParaRPr lang="en-US"/>
           </a:p>
           <a:p>
             <a:pPr lvl="1"/>
@@ -3010,6 +2819,7 @@
               <a:rPr lang="en-US"/>
               <a:t>Second level</a:t>
             </a:r>
+            <a:endParaRPr lang="en-US"/>
           </a:p>
           <a:p>
             <a:pPr lvl="2"/>
@@ -3017,6 +2827,7 @@
               <a:rPr lang="en-US"/>
               <a:t>Third level</a:t>
             </a:r>
+            <a:endParaRPr lang="en-US"/>
           </a:p>
           <a:p>
             <a:pPr lvl="3"/>
@@ -3024,6 +2835,7 @@
               <a:rPr lang="en-US"/>
               <a:t>Fourth level</a:t>
             </a:r>
+            <a:endParaRPr lang="en-US"/>
           </a:p>
           <a:p>
             <a:pPr lvl="4"/>
@@ -3037,13 +2849,7 @@
       </p:sp>
       <p:sp>
         <p:nvSpPr>
-          <p:cNvPr id="10" name="Text Placeholder 3">
-            <a:extLst>
-              <a:ext uri="{FF2B5EF4-FFF2-40B4-BE49-F238E27FC236}">
-                <a16:creationId xmlns:a16="http://schemas.microsoft.com/office/drawing/2014/main" id="{37EBF543-63D2-4169-AB73-3F4BD242FA61}"/>
-              </a:ext>
-            </a:extLst>
-          </p:cNvPr>
+          <p:cNvPr id="10" name="Text Placeholder 3"/>
           <p:cNvSpPr>
             <a:spLocks noGrp="1"/>
           </p:cNvSpPr>
@@ -3094,6 +2900,7 @@
               <a:rPr lang="en-US"/>
               <a:t>Click to edit Master text styles</a:t>
             </a:r>
+            <a:endParaRPr lang="en-US"/>
           </a:p>
           <a:p>
             <a:pPr lvl="1"/>
@@ -3101,6 +2908,7 @@
               <a:rPr lang="en-US"/>
               <a:t>Second level</a:t>
             </a:r>
+            <a:endParaRPr lang="en-US"/>
           </a:p>
           <a:p>
             <a:pPr lvl="2"/>
@@ -3108,6 +2916,7 @@
               <a:rPr lang="en-US"/>
               <a:t>Third level</a:t>
             </a:r>
+            <a:endParaRPr lang="en-US"/>
           </a:p>
           <a:p>
             <a:pPr lvl="3"/>
@@ -3115,6 +2924,7 @@
               <a:rPr lang="en-US"/>
               <a:t>Fourth level</a:t>
             </a:r>
+            <a:endParaRPr lang="en-US"/>
           </a:p>
           <a:p>
             <a:pPr lvl="4"/>
@@ -3127,11 +2937,6 @@
         </p:txBody>
       </p:sp>
     </p:spTree>
-    <p:extLst>
-      <p:ext uri="{BB962C8B-B14F-4D97-AF65-F5344CB8AC3E}">
-        <p14:creationId xmlns:p14="http://schemas.microsoft.com/office/powerpoint/2010/main" val="4114414102"/>
-      </p:ext>
-    </p:extLst>
   </p:cSld>
   <p:clrMapOvr>
     <a:masterClrMapping/>
@@ -3158,13 +2963,7 @@
       </p:grpSpPr>
       <p:sp>
         <p:nvSpPr>
-          <p:cNvPr id="2" name="Title 1">
-            <a:extLst>
-              <a:ext uri="{FF2B5EF4-FFF2-40B4-BE49-F238E27FC236}">
-                <a16:creationId xmlns:a16="http://schemas.microsoft.com/office/drawing/2014/main" id="{110731EC-67BA-493B-B1C7-6258DD2B6042}"/>
-              </a:ext>
-            </a:extLst>
-          </p:cNvPr>
+          <p:cNvPr id="2" name="Title 1"/>
           <p:cNvSpPr>
             <a:spLocks noGrp="1"/>
           </p:cNvSpPr>
@@ -3200,13 +2999,7 @@
       </p:sp>
       <p:sp>
         <p:nvSpPr>
-          <p:cNvPr id="5" name="Picture Placeholder 4">
-            <a:extLst>
-              <a:ext uri="{FF2B5EF4-FFF2-40B4-BE49-F238E27FC236}">
-                <a16:creationId xmlns:a16="http://schemas.microsoft.com/office/drawing/2014/main" id="{BE84B7CE-D997-4F92-BD9D-3F9DE2782EF8}"/>
-              </a:ext>
-            </a:extLst>
-          </p:cNvPr>
+          <p:cNvPr id="5" name="Picture Placeholder 4"/>
           <p:cNvSpPr>
             <a:spLocks noGrp="1"/>
           </p:cNvSpPr>
@@ -3240,13 +3033,7 @@
       </p:sp>
       <p:sp>
         <p:nvSpPr>
-          <p:cNvPr id="8" name="Text Placeholder 6">
-            <a:extLst>
-              <a:ext uri="{FF2B5EF4-FFF2-40B4-BE49-F238E27FC236}">
-                <a16:creationId xmlns:a16="http://schemas.microsoft.com/office/drawing/2014/main" id="{75D558A5-D3BF-4DB7-928F-A20868F3C37D}"/>
-              </a:ext>
-            </a:extLst>
-          </p:cNvPr>
+          <p:cNvPr id="8" name="Text Placeholder 6"/>
           <p:cNvSpPr>
             <a:spLocks noGrp="1"/>
           </p:cNvSpPr>
@@ -3279,18 +3066,13 @@
               <a:rPr lang="en-US" dirty="0"/>
               <a:t>Click to add title here</a:t>
             </a:r>
-          </a:p>
-        </p:txBody>
-      </p:sp>
-      <p:sp>
-        <p:nvSpPr>
-          <p:cNvPr id="9" name="Text Placeholder 6">
-            <a:extLst>
-              <a:ext uri="{FF2B5EF4-FFF2-40B4-BE49-F238E27FC236}">
-                <a16:creationId xmlns:a16="http://schemas.microsoft.com/office/drawing/2014/main" id="{92EBEB66-5E12-4FD8-AC09-10C992CA7CFE}"/>
-              </a:ext>
-            </a:extLst>
-          </p:cNvPr>
+            <a:endParaRPr lang="en-US" dirty="0"/>
+          </a:p>
+        </p:txBody>
+      </p:sp>
+      <p:sp>
+        <p:nvSpPr>
+          <p:cNvPr id="9" name="Text Placeholder 6"/>
           <p:cNvSpPr>
             <a:spLocks noGrp="1"/>
           </p:cNvSpPr>
@@ -3323,18 +3105,13 @@
               <a:rPr lang="en-US" dirty="0"/>
               <a:t>Click to add title here</a:t>
             </a:r>
-          </a:p>
-        </p:txBody>
-      </p:sp>
-      <p:sp>
-        <p:nvSpPr>
-          <p:cNvPr id="4" name="Text Placeholder 3">
-            <a:extLst>
-              <a:ext uri="{FF2B5EF4-FFF2-40B4-BE49-F238E27FC236}">
-                <a16:creationId xmlns:a16="http://schemas.microsoft.com/office/drawing/2014/main" id="{9B53E20B-DD70-4AFB-9D9B-17969F880C06}"/>
-              </a:ext>
-            </a:extLst>
-          </p:cNvPr>
+            <a:endParaRPr lang="en-US" dirty="0"/>
+          </a:p>
+        </p:txBody>
+      </p:sp>
+      <p:sp>
+        <p:nvSpPr>
+          <p:cNvPr id="4" name="Text Placeholder 3"/>
           <p:cNvSpPr>
             <a:spLocks noGrp="1"/>
           </p:cNvSpPr>
@@ -3385,6 +3162,7 @@
               <a:rPr lang="en-US"/>
               <a:t>Click to edit Master text styles</a:t>
             </a:r>
+            <a:endParaRPr lang="en-US"/>
           </a:p>
           <a:p>
             <a:pPr lvl="1"/>
@@ -3392,6 +3170,7 @@
               <a:rPr lang="en-US"/>
               <a:t>Second level</a:t>
             </a:r>
+            <a:endParaRPr lang="en-US"/>
           </a:p>
           <a:p>
             <a:pPr lvl="2"/>
@@ -3399,6 +3178,7 @@
               <a:rPr lang="en-US"/>
               <a:t>Third level</a:t>
             </a:r>
+            <a:endParaRPr lang="en-US"/>
           </a:p>
           <a:p>
             <a:pPr lvl="3"/>
@@ -3406,6 +3186,7 @@
               <a:rPr lang="en-US"/>
               <a:t>Fourth level</a:t>
             </a:r>
+            <a:endParaRPr lang="en-US"/>
           </a:p>
           <a:p>
             <a:pPr lvl="4"/>
@@ -3419,13 +3200,7 @@
       </p:sp>
       <p:sp>
         <p:nvSpPr>
-          <p:cNvPr id="10" name="Text Placeholder 3">
-            <a:extLst>
-              <a:ext uri="{FF2B5EF4-FFF2-40B4-BE49-F238E27FC236}">
-                <a16:creationId xmlns:a16="http://schemas.microsoft.com/office/drawing/2014/main" id="{37EBF543-63D2-4169-AB73-3F4BD242FA61}"/>
-              </a:ext>
-            </a:extLst>
-          </p:cNvPr>
+          <p:cNvPr id="10" name="Text Placeholder 3"/>
           <p:cNvSpPr>
             <a:spLocks noGrp="1"/>
           </p:cNvSpPr>
@@ -3476,6 +3251,7 @@
               <a:rPr lang="en-US"/>
               <a:t>Click to edit Master text styles</a:t>
             </a:r>
+            <a:endParaRPr lang="en-US"/>
           </a:p>
           <a:p>
             <a:pPr lvl="1"/>
@@ -3483,6 +3259,7 @@
               <a:rPr lang="en-US"/>
               <a:t>Second level</a:t>
             </a:r>
+            <a:endParaRPr lang="en-US"/>
           </a:p>
           <a:p>
             <a:pPr lvl="2"/>
@@ -3490,6 +3267,7 @@
               <a:rPr lang="en-US"/>
               <a:t>Third level</a:t>
             </a:r>
+            <a:endParaRPr lang="en-US"/>
           </a:p>
           <a:p>
             <a:pPr lvl="3"/>
@@ -3497,6 +3275,7 @@
               <a:rPr lang="en-US"/>
               <a:t>Fourth level</a:t>
             </a:r>
+            <a:endParaRPr lang="en-US"/>
           </a:p>
           <a:p>
             <a:pPr lvl="4"/>
@@ -3509,11 +3288,6 @@
         </p:txBody>
       </p:sp>
     </p:spTree>
-    <p:extLst>
-      <p:ext uri="{BB962C8B-B14F-4D97-AF65-F5344CB8AC3E}">
-        <p14:creationId xmlns:p14="http://schemas.microsoft.com/office/powerpoint/2010/main" val="2616603400"/>
-      </p:ext>
-    </p:extLst>
   </p:cSld>
   <p:clrMapOvr>
     <a:masterClrMapping/>
@@ -3540,13 +3314,7 @@
       </p:grpSpPr>
       <p:sp>
         <p:nvSpPr>
-          <p:cNvPr id="2" name="Title 1">
-            <a:extLst>
-              <a:ext uri="{FF2B5EF4-FFF2-40B4-BE49-F238E27FC236}">
-                <a16:creationId xmlns:a16="http://schemas.microsoft.com/office/drawing/2014/main" id="{110731EC-67BA-493B-B1C7-6258DD2B6042}"/>
-              </a:ext>
-            </a:extLst>
-          </p:cNvPr>
+          <p:cNvPr id="2" name="Title 1"/>
           <p:cNvSpPr>
             <a:spLocks noGrp="1"/>
           </p:cNvSpPr>
@@ -3585,13 +3353,7 @@
       </p:sp>
       <p:sp>
         <p:nvSpPr>
-          <p:cNvPr id="8" name="Text Placeholder 6">
-            <a:extLst>
-              <a:ext uri="{FF2B5EF4-FFF2-40B4-BE49-F238E27FC236}">
-                <a16:creationId xmlns:a16="http://schemas.microsoft.com/office/drawing/2014/main" id="{75D558A5-D3BF-4DB7-928F-A20868F3C37D}"/>
-              </a:ext>
-            </a:extLst>
-          </p:cNvPr>
+          <p:cNvPr id="8" name="Text Placeholder 6"/>
           <p:cNvSpPr>
             <a:spLocks noGrp="1"/>
           </p:cNvSpPr>
@@ -3624,18 +3386,13 @@
               <a:rPr lang="en-US" dirty="0"/>
               <a:t>Click to add title here</a:t>
             </a:r>
-          </a:p>
-        </p:txBody>
-      </p:sp>
-      <p:sp>
-        <p:nvSpPr>
-          <p:cNvPr id="9" name="Text Placeholder 6">
-            <a:extLst>
-              <a:ext uri="{FF2B5EF4-FFF2-40B4-BE49-F238E27FC236}">
-                <a16:creationId xmlns:a16="http://schemas.microsoft.com/office/drawing/2014/main" id="{92EBEB66-5E12-4FD8-AC09-10C992CA7CFE}"/>
-              </a:ext>
-            </a:extLst>
-          </p:cNvPr>
+            <a:endParaRPr lang="en-US" dirty="0"/>
+          </a:p>
+        </p:txBody>
+      </p:sp>
+      <p:sp>
+        <p:nvSpPr>
+          <p:cNvPr id="9" name="Text Placeholder 6"/>
           <p:cNvSpPr>
             <a:spLocks noGrp="1"/>
           </p:cNvSpPr>
@@ -3668,18 +3425,13 @@
               <a:rPr lang="en-US" dirty="0"/>
               <a:t>Click to add title here</a:t>
             </a:r>
-          </a:p>
-        </p:txBody>
-      </p:sp>
-      <p:sp>
-        <p:nvSpPr>
-          <p:cNvPr id="4" name="Text Placeholder 3">
-            <a:extLst>
-              <a:ext uri="{FF2B5EF4-FFF2-40B4-BE49-F238E27FC236}">
-                <a16:creationId xmlns:a16="http://schemas.microsoft.com/office/drawing/2014/main" id="{9B53E20B-DD70-4AFB-9D9B-17969F880C06}"/>
-              </a:ext>
-            </a:extLst>
-          </p:cNvPr>
+            <a:endParaRPr lang="en-US" dirty="0"/>
+          </a:p>
+        </p:txBody>
+      </p:sp>
+      <p:sp>
+        <p:nvSpPr>
+          <p:cNvPr id="4" name="Text Placeholder 3"/>
           <p:cNvSpPr>
             <a:spLocks noGrp="1"/>
           </p:cNvSpPr>
@@ -3730,6 +3482,7 @@
               <a:rPr lang="en-US"/>
               <a:t>Click to edit Master text styles</a:t>
             </a:r>
+            <a:endParaRPr lang="en-US"/>
           </a:p>
           <a:p>
             <a:pPr lvl="1"/>
@@ -3737,6 +3490,7 @@
               <a:rPr lang="en-US"/>
               <a:t>Second level</a:t>
             </a:r>
+            <a:endParaRPr lang="en-US"/>
           </a:p>
           <a:p>
             <a:pPr lvl="2"/>
@@ -3744,6 +3498,7 @@
               <a:rPr lang="en-US"/>
               <a:t>Third level</a:t>
             </a:r>
+            <a:endParaRPr lang="en-US"/>
           </a:p>
           <a:p>
             <a:pPr lvl="3"/>
@@ -3751,6 +3506,7 @@
               <a:rPr lang="en-US"/>
               <a:t>Fourth level</a:t>
             </a:r>
+            <a:endParaRPr lang="en-US"/>
           </a:p>
           <a:p>
             <a:pPr lvl="4"/>
@@ -3764,13 +3520,7 @@
       </p:sp>
       <p:sp>
         <p:nvSpPr>
-          <p:cNvPr id="10" name="Text Placeholder 3">
-            <a:extLst>
-              <a:ext uri="{FF2B5EF4-FFF2-40B4-BE49-F238E27FC236}">
-                <a16:creationId xmlns:a16="http://schemas.microsoft.com/office/drawing/2014/main" id="{37EBF543-63D2-4169-AB73-3F4BD242FA61}"/>
-              </a:ext>
-            </a:extLst>
-          </p:cNvPr>
+          <p:cNvPr id="10" name="Text Placeholder 3"/>
           <p:cNvSpPr>
             <a:spLocks noGrp="1"/>
           </p:cNvSpPr>
@@ -3821,6 +3571,7 @@
               <a:rPr lang="en-US"/>
               <a:t>Click to edit Master text styles</a:t>
             </a:r>
+            <a:endParaRPr lang="en-US"/>
           </a:p>
           <a:p>
             <a:pPr lvl="1"/>
@@ -3828,6 +3579,7 @@
               <a:rPr lang="en-US"/>
               <a:t>Second level</a:t>
             </a:r>
+            <a:endParaRPr lang="en-US"/>
           </a:p>
           <a:p>
             <a:pPr lvl="2"/>
@@ -3835,6 +3587,7 @@
               <a:rPr lang="en-US"/>
               <a:t>Third level</a:t>
             </a:r>
+            <a:endParaRPr lang="en-US"/>
           </a:p>
           <a:p>
             <a:pPr lvl="3"/>
@@ -3842,6 +3595,7 @@
               <a:rPr lang="en-US"/>
               <a:t>Fourth level</a:t>
             </a:r>
+            <a:endParaRPr lang="en-US"/>
           </a:p>
           <a:p>
             <a:pPr lvl="4"/>
@@ -3854,11 +3608,6 @@
         </p:txBody>
       </p:sp>
     </p:spTree>
-    <p:extLst>
-      <p:ext uri="{BB962C8B-B14F-4D97-AF65-F5344CB8AC3E}">
-        <p14:creationId xmlns:p14="http://schemas.microsoft.com/office/powerpoint/2010/main" val="3155064344"/>
-      </p:ext>
-    </p:extLst>
   </p:cSld>
   <p:clrMapOvr>
     <a:masterClrMapping/>
@@ -3885,13 +3634,7 @@
       </p:grpSpPr>
       <p:sp>
         <p:nvSpPr>
-          <p:cNvPr id="2" name="Title 1">
-            <a:extLst>
-              <a:ext uri="{FF2B5EF4-FFF2-40B4-BE49-F238E27FC236}">
-                <a16:creationId xmlns:a16="http://schemas.microsoft.com/office/drawing/2014/main" id="{110731EC-67BA-493B-B1C7-6258DD2B6042}"/>
-              </a:ext>
-            </a:extLst>
-          </p:cNvPr>
+          <p:cNvPr id="2" name="Title 1"/>
           <p:cNvSpPr>
             <a:spLocks noGrp="1"/>
           </p:cNvSpPr>
@@ -3932,18 +3675,13 @@
               <a:rPr lang="en-US" dirty="0"/>
               <a:t>style</a:t>
             </a:r>
-          </a:p>
-        </p:txBody>
-      </p:sp>
-      <p:sp>
-        <p:nvSpPr>
-          <p:cNvPr id="8" name="Text Placeholder 6">
-            <a:extLst>
-              <a:ext uri="{FF2B5EF4-FFF2-40B4-BE49-F238E27FC236}">
-                <a16:creationId xmlns:a16="http://schemas.microsoft.com/office/drawing/2014/main" id="{75D558A5-D3BF-4DB7-928F-A20868F3C37D}"/>
-              </a:ext>
-            </a:extLst>
-          </p:cNvPr>
+            <a:endParaRPr lang="en-US" dirty="0"/>
+          </a:p>
+        </p:txBody>
+      </p:sp>
+      <p:sp>
+        <p:nvSpPr>
+          <p:cNvPr id="8" name="Text Placeholder 6"/>
           <p:cNvSpPr>
             <a:spLocks noGrp="1"/>
           </p:cNvSpPr>
@@ -3976,18 +3714,13 @@
               <a:rPr lang="en-US" dirty="0"/>
               <a:t>Click to add title here</a:t>
             </a:r>
-          </a:p>
-        </p:txBody>
-      </p:sp>
-      <p:sp>
-        <p:nvSpPr>
-          <p:cNvPr id="9" name="Text Placeholder 6">
-            <a:extLst>
-              <a:ext uri="{FF2B5EF4-FFF2-40B4-BE49-F238E27FC236}">
-                <a16:creationId xmlns:a16="http://schemas.microsoft.com/office/drawing/2014/main" id="{92EBEB66-5E12-4FD8-AC09-10C992CA7CFE}"/>
-              </a:ext>
-            </a:extLst>
-          </p:cNvPr>
+            <a:endParaRPr lang="en-US" dirty="0"/>
+          </a:p>
+        </p:txBody>
+      </p:sp>
+      <p:sp>
+        <p:nvSpPr>
+          <p:cNvPr id="9" name="Text Placeholder 6"/>
           <p:cNvSpPr>
             <a:spLocks noGrp="1"/>
           </p:cNvSpPr>
@@ -4019,18 +3752,13 @@
               <a:rPr lang="en-US" dirty="0"/>
               <a:t>Click to add title here</a:t>
             </a:r>
-          </a:p>
-        </p:txBody>
-      </p:sp>
-      <p:sp>
-        <p:nvSpPr>
-          <p:cNvPr id="4" name="Text Placeholder 3">
-            <a:extLst>
-              <a:ext uri="{FF2B5EF4-FFF2-40B4-BE49-F238E27FC236}">
-                <a16:creationId xmlns:a16="http://schemas.microsoft.com/office/drawing/2014/main" id="{9B53E20B-DD70-4AFB-9D9B-17969F880C06}"/>
-              </a:ext>
-            </a:extLst>
-          </p:cNvPr>
+            <a:endParaRPr lang="en-US" dirty="0"/>
+          </a:p>
+        </p:txBody>
+      </p:sp>
+      <p:sp>
+        <p:nvSpPr>
+          <p:cNvPr id="4" name="Text Placeholder 3"/>
           <p:cNvSpPr>
             <a:spLocks noGrp="1"/>
           </p:cNvSpPr>
@@ -4081,6 +3809,7 @@
               <a:rPr lang="en-US"/>
               <a:t>Click to edit Master text styles</a:t>
             </a:r>
+            <a:endParaRPr lang="en-US"/>
           </a:p>
           <a:p>
             <a:pPr lvl="1"/>
@@ -4088,6 +3817,7 @@
               <a:rPr lang="en-US"/>
               <a:t>Second level</a:t>
             </a:r>
+            <a:endParaRPr lang="en-US"/>
           </a:p>
           <a:p>
             <a:pPr lvl="2"/>
@@ -4095,6 +3825,7 @@
               <a:rPr lang="en-US"/>
               <a:t>Third level</a:t>
             </a:r>
+            <a:endParaRPr lang="en-US"/>
           </a:p>
           <a:p>
             <a:pPr lvl="3"/>
@@ -4102,6 +3833,7 @@
               <a:rPr lang="en-US"/>
               <a:t>Fourth level</a:t>
             </a:r>
+            <a:endParaRPr lang="en-US"/>
           </a:p>
           <a:p>
             <a:pPr lvl="4"/>
@@ -4115,13 +3847,7 @@
       </p:sp>
       <p:sp>
         <p:nvSpPr>
-          <p:cNvPr id="10" name="Text Placeholder 3">
-            <a:extLst>
-              <a:ext uri="{FF2B5EF4-FFF2-40B4-BE49-F238E27FC236}">
-                <a16:creationId xmlns:a16="http://schemas.microsoft.com/office/drawing/2014/main" id="{37EBF543-63D2-4169-AB73-3F4BD242FA61}"/>
-              </a:ext>
-            </a:extLst>
-          </p:cNvPr>
+          <p:cNvPr id="10" name="Text Placeholder 3"/>
           <p:cNvSpPr>
             <a:spLocks noGrp="1"/>
           </p:cNvSpPr>
@@ -4172,6 +3898,7 @@
               <a:rPr lang="en-US"/>
               <a:t>Click to edit Master text styles</a:t>
             </a:r>
+            <a:endParaRPr lang="en-US"/>
           </a:p>
           <a:p>
             <a:pPr lvl="1"/>
@@ -4179,6 +3906,7 @@
               <a:rPr lang="en-US"/>
               <a:t>Second level</a:t>
             </a:r>
+            <a:endParaRPr lang="en-US"/>
           </a:p>
           <a:p>
             <a:pPr lvl="2"/>
@@ -4186,6 +3914,7 @@
               <a:rPr lang="en-US"/>
               <a:t>Third level</a:t>
             </a:r>
+            <a:endParaRPr lang="en-US"/>
           </a:p>
           <a:p>
             <a:pPr lvl="3"/>
@@ -4193,6 +3922,7 @@
               <a:rPr lang="en-US"/>
               <a:t>Fourth level</a:t>
             </a:r>
+            <a:endParaRPr lang="en-US"/>
           </a:p>
           <a:p>
             <a:pPr lvl="4"/>
@@ -4206,13 +3936,7 @@
       </p:sp>
       <p:sp>
         <p:nvSpPr>
-          <p:cNvPr id="7" name="Shape 62">
-            <a:extLst>
-              <a:ext uri="{FF2B5EF4-FFF2-40B4-BE49-F238E27FC236}">
-                <a16:creationId xmlns:a16="http://schemas.microsoft.com/office/drawing/2014/main" id="{22325F4A-8191-45D3-B031-5847B1E4B3AA}"/>
-              </a:ext>
-            </a:extLst>
-          </p:cNvPr>
+          <p:cNvPr id="7" name="Shape 62"/>
           <p:cNvSpPr/>
           <p:nvPr userDrawn="1"/>
         </p:nvSpPr>
@@ -4252,13 +3976,7 @@
       </p:sp>
       <p:sp>
         <p:nvSpPr>
-          <p:cNvPr id="3" name="Rectangle 2">
-            <a:extLst>
-              <a:ext uri="{FF2B5EF4-FFF2-40B4-BE49-F238E27FC236}">
-                <a16:creationId xmlns:a16="http://schemas.microsoft.com/office/drawing/2014/main" id="{60EEF041-4EFF-410A-AFB4-25A65B462B2D}"/>
-              </a:ext>
-            </a:extLst>
-          </p:cNvPr>
+          <p:cNvPr id="3" name="Rectangle 2"/>
           <p:cNvSpPr/>
           <p:nvPr userDrawn="1"/>
         </p:nvSpPr>
@@ -4305,11 +4023,6 @@
         </p:txBody>
       </p:sp>
     </p:spTree>
-    <p:extLst>
-      <p:ext uri="{BB962C8B-B14F-4D97-AF65-F5344CB8AC3E}">
-        <p14:creationId xmlns:p14="http://schemas.microsoft.com/office/powerpoint/2010/main" val="3904490670"/>
-      </p:ext>
-    </p:extLst>
   </p:cSld>
   <p:clrMapOvr>
     <a:masterClrMapping/>
@@ -4336,13 +4049,7 @@
       </p:grpSpPr>
       <p:sp>
         <p:nvSpPr>
-          <p:cNvPr id="2" name="Title 1">
-            <a:extLst>
-              <a:ext uri="{FF2B5EF4-FFF2-40B4-BE49-F238E27FC236}">
-                <a16:creationId xmlns:a16="http://schemas.microsoft.com/office/drawing/2014/main" id="{110731EC-67BA-493B-B1C7-6258DD2B6042}"/>
-              </a:ext>
-            </a:extLst>
-          </p:cNvPr>
+          <p:cNvPr id="2" name="Title 1"/>
           <p:cNvSpPr>
             <a:spLocks noGrp="1"/>
           </p:cNvSpPr>
@@ -4380,21 +4087,14 @@
               <a:rPr lang="en-US" dirty="0"/>
               <a:t>Master title style</a:t>
             </a:r>
-          </a:p>
-        </p:txBody>
-      </p:sp>
-      <p:sp>
-        <p:nvSpPr>
-          <p:cNvPr id="11" name="Title 1">
-            <a:extLst>
-              <a:ext uri="{FF2B5EF4-FFF2-40B4-BE49-F238E27FC236}">
-                <a16:creationId xmlns:a16="http://schemas.microsoft.com/office/drawing/2014/main" id="{FC8F08DC-8736-4BFE-8B72-8DD4184DEBE1}"/>
-              </a:ext>
-            </a:extLst>
-          </p:cNvPr>
-          <p:cNvSpPr txBox="1">
-            <a:spLocks/>
-          </p:cNvSpPr>
+            <a:endParaRPr lang="en-US" dirty="0"/>
+          </a:p>
+        </p:txBody>
+      </p:sp>
+      <p:sp>
+        <p:nvSpPr>
+          <p:cNvPr id="11" name="Title 1"/>
+          <p:cNvSpPr txBox="1"/>
           <p:nvPr userDrawn="1"/>
         </p:nvSpPr>
         <p:spPr>
@@ -4442,13 +4142,7 @@
       </p:sp>
       <p:sp>
         <p:nvSpPr>
-          <p:cNvPr id="8" name="Text Placeholder 6">
-            <a:extLst>
-              <a:ext uri="{FF2B5EF4-FFF2-40B4-BE49-F238E27FC236}">
-                <a16:creationId xmlns:a16="http://schemas.microsoft.com/office/drawing/2014/main" id="{75D558A5-D3BF-4DB7-928F-A20868F3C37D}"/>
-              </a:ext>
-            </a:extLst>
-          </p:cNvPr>
+          <p:cNvPr id="8" name="Text Placeholder 6"/>
           <p:cNvSpPr>
             <a:spLocks noGrp="1"/>
           </p:cNvSpPr>
@@ -4481,18 +4175,13 @@
               <a:rPr lang="en-US" dirty="0"/>
               <a:t>Click to add title here</a:t>
             </a:r>
-          </a:p>
-        </p:txBody>
-      </p:sp>
-      <p:sp>
-        <p:nvSpPr>
-          <p:cNvPr id="9" name="Text Placeholder 6">
-            <a:extLst>
-              <a:ext uri="{FF2B5EF4-FFF2-40B4-BE49-F238E27FC236}">
-                <a16:creationId xmlns:a16="http://schemas.microsoft.com/office/drawing/2014/main" id="{92EBEB66-5E12-4FD8-AC09-10C992CA7CFE}"/>
-              </a:ext>
-            </a:extLst>
-          </p:cNvPr>
+            <a:endParaRPr lang="en-US" dirty="0"/>
+          </a:p>
+        </p:txBody>
+      </p:sp>
+      <p:sp>
+        <p:nvSpPr>
+          <p:cNvPr id="9" name="Text Placeholder 6"/>
           <p:cNvSpPr>
             <a:spLocks noGrp="1"/>
           </p:cNvSpPr>
@@ -4524,18 +4213,13 @@
               <a:rPr lang="en-US" dirty="0"/>
               <a:t>Click to add title here</a:t>
             </a:r>
-          </a:p>
-        </p:txBody>
-      </p:sp>
-      <p:sp>
-        <p:nvSpPr>
-          <p:cNvPr id="4" name="Text Placeholder 3">
-            <a:extLst>
-              <a:ext uri="{FF2B5EF4-FFF2-40B4-BE49-F238E27FC236}">
-                <a16:creationId xmlns:a16="http://schemas.microsoft.com/office/drawing/2014/main" id="{9B53E20B-DD70-4AFB-9D9B-17969F880C06}"/>
-              </a:ext>
-            </a:extLst>
-          </p:cNvPr>
+            <a:endParaRPr lang="en-US" dirty="0"/>
+          </a:p>
+        </p:txBody>
+      </p:sp>
+      <p:sp>
+        <p:nvSpPr>
+          <p:cNvPr id="4" name="Text Placeholder 3"/>
           <p:cNvSpPr>
             <a:spLocks noGrp="1"/>
           </p:cNvSpPr>
@@ -4586,6 +4270,7 @@
               <a:rPr lang="en-US"/>
               <a:t>Click to edit Master text styles</a:t>
             </a:r>
+            <a:endParaRPr lang="en-US"/>
           </a:p>
           <a:p>
             <a:pPr lvl="1"/>
@@ -4593,6 +4278,7 @@
               <a:rPr lang="en-US"/>
               <a:t>Second level</a:t>
             </a:r>
+            <a:endParaRPr lang="en-US"/>
           </a:p>
           <a:p>
             <a:pPr lvl="2"/>
@@ -4600,6 +4286,7 @@
               <a:rPr lang="en-US"/>
               <a:t>Third level</a:t>
             </a:r>
+            <a:endParaRPr lang="en-US"/>
           </a:p>
           <a:p>
             <a:pPr lvl="3"/>
@@ -4607,6 +4294,7 @@
               <a:rPr lang="en-US"/>
               <a:t>Fourth level</a:t>
             </a:r>
+            <a:endParaRPr lang="en-US"/>
           </a:p>
           <a:p>
             <a:pPr lvl="4"/>
@@ -4620,13 +4308,7 @@
       </p:sp>
       <p:sp>
         <p:nvSpPr>
-          <p:cNvPr id="10" name="Text Placeholder 3">
-            <a:extLst>
-              <a:ext uri="{FF2B5EF4-FFF2-40B4-BE49-F238E27FC236}">
-                <a16:creationId xmlns:a16="http://schemas.microsoft.com/office/drawing/2014/main" id="{37EBF543-63D2-4169-AB73-3F4BD242FA61}"/>
-              </a:ext>
-            </a:extLst>
-          </p:cNvPr>
+          <p:cNvPr id="10" name="Text Placeholder 3"/>
           <p:cNvSpPr>
             <a:spLocks noGrp="1"/>
           </p:cNvSpPr>
@@ -4677,6 +4359,7 @@
               <a:rPr lang="en-US"/>
               <a:t>Click to edit Master text styles</a:t>
             </a:r>
+            <a:endParaRPr lang="en-US"/>
           </a:p>
           <a:p>
             <a:pPr lvl="1"/>
@@ -4684,6 +4367,7 @@
               <a:rPr lang="en-US"/>
               <a:t>Second level</a:t>
             </a:r>
+            <a:endParaRPr lang="en-US"/>
           </a:p>
           <a:p>
             <a:pPr lvl="2"/>
@@ -4691,6 +4375,7 @@
               <a:rPr lang="en-US"/>
               <a:t>Third level</a:t>
             </a:r>
+            <a:endParaRPr lang="en-US"/>
           </a:p>
           <a:p>
             <a:pPr lvl="3"/>
@@ -4698,6 +4383,7 @@
               <a:rPr lang="en-US"/>
               <a:t>Fourth level</a:t>
             </a:r>
+            <a:endParaRPr lang="en-US"/>
           </a:p>
           <a:p>
             <a:pPr lvl="4"/>
@@ -4711,13 +4397,7 @@
       </p:sp>
       <p:sp>
         <p:nvSpPr>
-          <p:cNvPr id="12" name="Shape 62">
-            <a:extLst>
-              <a:ext uri="{FF2B5EF4-FFF2-40B4-BE49-F238E27FC236}">
-                <a16:creationId xmlns:a16="http://schemas.microsoft.com/office/drawing/2014/main" id="{DADD8B14-6C18-4FC5-89FD-62D525A444DB}"/>
-              </a:ext>
-            </a:extLst>
-          </p:cNvPr>
+          <p:cNvPr id="12" name="Shape 62"/>
           <p:cNvSpPr/>
           <p:nvPr userDrawn="1"/>
         </p:nvSpPr>
@@ -4757,13 +4437,7 @@
       </p:sp>
       <p:sp>
         <p:nvSpPr>
-          <p:cNvPr id="6" name="Picture Placeholder 5">
-            <a:extLst>
-              <a:ext uri="{FF2B5EF4-FFF2-40B4-BE49-F238E27FC236}">
-                <a16:creationId xmlns:a16="http://schemas.microsoft.com/office/drawing/2014/main" id="{09156155-C47D-47A0-A08D-DCAC4D742D3F}"/>
-              </a:ext>
-            </a:extLst>
-          </p:cNvPr>
+          <p:cNvPr id="6" name="Picture Placeholder 5"/>
           <p:cNvSpPr>
             <a:spLocks noGrp="1"/>
           </p:cNvSpPr>
@@ -4796,11 +4470,6 @@
         </p:txBody>
       </p:sp>
     </p:spTree>
-    <p:extLst>
-      <p:ext uri="{BB962C8B-B14F-4D97-AF65-F5344CB8AC3E}">
-        <p14:creationId xmlns:p14="http://schemas.microsoft.com/office/powerpoint/2010/main" val="1007210472"/>
-      </p:ext>
-    </p:extLst>
   </p:cSld>
   <p:clrMapOvr>
     <a:masterClrMapping/>
@@ -4827,13 +4496,7 @@
       </p:grpSpPr>
       <p:sp>
         <p:nvSpPr>
-          <p:cNvPr id="2" name="Title 1">
-            <a:extLst>
-              <a:ext uri="{FF2B5EF4-FFF2-40B4-BE49-F238E27FC236}">
-                <a16:creationId xmlns:a16="http://schemas.microsoft.com/office/drawing/2014/main" id="{110731EC-67BA-493B-B1C7-6258DD2B6042}"/>
-              </a:ext>
-            </a:extLst>
-          </p:cNvPr>
+          <p:cNvPr id="2" name="Title 1"/>
           <p:cNvSpPr>
             <a:spLocks noGrp="1"/>
           </p:cNvSpPr>
@@ -4869,13 +4532,7 @@
       </p:sp>
       <p:sp>
         <p:nvSpPr>
-          <p:cNvPr id="5" name="Picture Placeholder 4">
-            <a:extLst>
-              <a:ext uri="{FF2B5EF4-FFF2-40B4-BE49-F238E27FC236}">
-                <a16:creationId xmlns:a16="http://schemas.microsoft.com/office/drawing/2014/main" id="{BE84B7CE-D997-4F92-BD9D-3F9DE2782EF8}"/>
-              </a:ext>
-            </a:extLst>
-          </p:cNvPr>
+          <p:cNvPr id="5" name="Picture Placeholder 4"/>
           <p:cNvSpPr>
             <a:spLocks noGrp="1"/>
           </p:cNvSpPr>
@@ -4909,13 +4566,7 @@
       </p:sp>
       <p:sp>
         <p:nvSpPr>
-          <p:cNvPr id="7" name="Text Placeholder 6">
-            <a:extLst>
-              <a:ext uri="{FF2B5EF4-FFF2-40B4-BE49-F238E27FC236}">
-                <a16:creationId xmlns:a16="http://schemas.microsoft.com/office/drawing/2014/main" id="{233D39E2-2188-4621-B115-A912A057E8AC}"/>
-              </a:ext>
-            </a:extLst>
-          </p:cNvPr>
+          <p:cNvPr id="7" name="Text Placeholder 6"/>
           <p:cNvSpPr>
             <a:spLocks noGrp="1"/>
           </p:cNvSpPr>
@@ -4951,18 +4602,13 @@
               <a:rPr lang="en-US"/>
               <a:t>Click to edit Master text styles</a:t>
             </a:r>
-          </a:p>
-        </p:txBody>
-      </p:sp>
-      <p:sp>
-        <p:nvSpPr>
-          <p:cNvPr id="8" name="Text Placeholder 6">
-            <a:extLst>
-              <a:ext uri="{FF2B5EF4-FFF2-40B4-BE49-F238E27FC236}">
-                <a16:creationId xmlns:a16="http://schemas.microsoft.com/office/drawing/2014/main" id="{75D558A5-D3BF-4DB7-928F-A20868F3C37D}"/>
-              </a:ext>
-            </a:extLst>
-          </p:cNvPr>
+            <a:endParaRPr lang="en-US"/>
+          </a:p>
+        </p:txBody>
+      </p:sp>
+      <p:sp>
+        <p:nvSpPr>
+          <p:cNvPr id="8" name="Text Placeholder 6"/>
           <p:cNvSpPr>
             <a:spLocks noGrp="1"/>
           </p:cNvSpPr>
@@ -4995,18 +4641,13 @@
               <a:rPr lang="en-US" dirty="0"/>
               <a:t>Click to add title here</a:t>
             </a:r>
-          </a:p>
-        </p:txBody>
-      </p:sp>
-      <p:sp>
-        <p:nvSpPr>
-          <p:cNvPr id="6" name="Text Placeholder 6">
-            <a:extLst>
-              <a:ext uri="{FF2B5EF4-FFF2-40B4-BE49-F238E27FC236}">
-                <a16:creationId xmlns:a16="http://schemas.microsoft.com/office/drawing/2014/main" id="{B2C5FA2F-DD81-4A72-AB26-A4C663724F42}"/>
-              </a:ext>
-            </a:extLst>
-          </p:cNvPr>
+            <a:endParaRPr lang="en-US" dirty="0"/>
+          </a:p>
+        </p:txBody>
+      </p:sp>
+      <p:sp>
+        <p:nvSpPr>
+          <p:cNvPr id="6" name="Text Placeholder 6"/>
           <p:cNvSpPr>
             <a:spLocks noGrp="1"/>
           </p:cNvSpPr>
@@ -5042,18 +4683,13 @@
               <a:rPr lang="en-US"/>
               <a:t>Click to edit Master text styles</a:t>
             </a:r>
-          </a:p>
-        </p:txBody>
-      </p:sp>
-      <p:sp>
-        <p:nvSpPr>
-          <p:cNvPr id="9" name="Text Placeholder 6">
-            <a:extLst>
-              <a:ext uri="{FF2B5EF4-FFF2-40B4-BE49-F238E27FC236}">
-                <a16:creationId xmlns:a16="http://schemas.microsoft.com/office/drawing/2014/main" id="{92EBEB66-5E12-4FD8-AC09-10C992CA7CFE}"/>
-              </a:ext>
-            </a:extLst>
-          </p:cNvPr>
+            <a:endParaRPr lang="en-US"/>
+          </a:p>
+        </p:txBody>
+      </p:sp>
+      <p:sp>
+        <p:nvSpPr>
+          <p:cNvPr id="9" name="Text Placeholder 6"/>
           <p:cNvSpPr>
             <a:spLocks noGrp="1"/>
           </p:cNvSpPr>
@@ -5086,15 +4722,11 @@
               <a:rPr lang="en-US" dirty="0"/>
               <a:t>Click to add title here</a:t>
             </a:r>
+            <a:endParaRPr lang="en-US" dirty="0"/>
           </a:p>
         </p:txBody>
       </p:sp>
     </p:spTree>
-    <p:extLst>
-      <p:ext uri="{BB962C8B-B14F-4D97-AF65-F5344CB8AC3E}">
-        <p14:creationId xmlns:p14="http://schemas.microsoft.com/office/powerpoint/2010/main" val="3970810597"/>
-      </p:ext>
-    </p:extLst>
   </p:cSld>
   <p:clrMapOvr>
     <a:masterClrMapping/>
@@ -5121,13 +4753,7 @@
       </p:grpSpPr>
       <p:sp>
         <p:nvSpPr>
-          <p:cNvPr id="5" name="Picture Placeholder 4">
-            <a:extLst>
-              <a:ext uri="{FF2B5EF4-FFF2-40B4-BE49-F238E27FC236}">
-                <a16:creationId xmlns:a16="http://schemas.microsoft.com/office/drawing/2014/main" id="{BE84B7CE-D997-4F92-BD9D-3F9DE2782EF8}"/>
-              </a:ext>
-            </a:extLst>
-          </p:cNvPr>
+          <p:cNvPr id="5" name="Picture Placeholder 4"/>
           <p:cNvSpPr>
             <a:spLocks noGrp="1"/>
           </p:cNvSpPr>
@@ -5161,13 +4787,7 @@
       </p:sp>
       <p:sp>
         <p:nvSpPr>
-          <p:cNvPr id="7" name="Text Placeholder 6">
-            <a:extLst>
-              <a:ext uri="{FF2B5EF4-FFF2-40B4-BE49-F238E27FC236}">
-                <a16:creationId xmlns:a16="http://schemas.microsoft.com/office/drawing/2014/main" id="{233D39E2-2188-4621-B115-A912A057E8AC}"/>
-              </a:ext>
-            </a:extLst>
-          </p:cNvPr>
+          <p:cNvPr id="7" name="Text Placeholder 6"/>
           <p:cNvSpPr>
             <a:spLocks noGrp="1"/>
           </p:cNvSpPr>
@@ -5209,18 +4829,13 @@
               <a:rPr lang="en-US"/>
               <a:t>Click to edit Master text styles</a:t>
             </a:r>
-          </a:p>
-        </p:txBody>
-      </p:sp>
-      <p:sp>
-        <p:nvSpPr>
-          <p:cNvPr id="2" name="Title 1">
-            <a:extLst>
-              <a:ext uri="{FF2B5EF4-FFF2-40B4-BE49-F238E27FC236}">
-                <a16:creationId xmlns:a16="http://schemas.microsoft.com/office/drawing/2014/main" id="{110731EC-67BA-493B-B1C7-6258DD2B6042}"/>
-              </a:ext>
-            </a:extLst>
-          </p:cNvPr>
+            <a:endParaRPr lang="en-US"/>
+          </a:p>
+        </p:txBody>
+      </p:sp>
+      <p:sp>
+        <p:nvSpPr>
+          <p:cNvPr id="2" name="Title 1"/>
           <p:cNvSpPr>
             <a:spLocks noGrp="1"/>
           </p:cNvSpPr>
@@ -5255,18 +4870,13 @@
               <a:rPr lang="en-US" dirty="0"/>
               <a:t>Add Title</a:t>
             </a:r>
-          </a:p>
-        </p:txBody>
-      </p:sp>
-      <p:sp>
-        <p:nvSpPr>
-          <p:cNvPr id="6" name="Shape 62">
-            <a:extLst>
-              <a:ext uri="{FF2B5EF4-FFF2-40B4-BE49-F238E27FC236}">
-                <a16:creationId xmlns:a16="http://schemas.microsoft.com/office/drawing/2014/main" id="{9EDA533D-03E6-4B64-A81C-A6F9E3301AB5}"/>
-              </a:ext>
-            </a:extLst>
-          </p:cNvPr>
+            <a:endParaRPr lang="en-US" dirty="0"/>
+          </a:p>
+        </p:txBody>
+      </p:sp>
+      <p:sp>
+        <p:nvSpPr>
+          <p:cNvPr id="6" name="Shape 62"/>
           <p:cNvSpPr/>
           <p:nvPr userDrawn="1"/>
         </p:nvSpPr>
@@ -5305,11 +4915,6 @@
         </p:txBody>
       </p:sp>
     </p:spTree>
-    <p:extLst>
-      <p:ext uri="{BB962C8B-B14F-4D97-AF65-F5344CB8AC3E}">
-        <p14:creationId xmlns:p14="http://schemas.microsoft.com/office/powerpoint/2010/main" val="3217407422"/>
-      </p:ext>
-    </p:extLst>
   </p:cSld>
   <p:clrMapOvr>
     <a:masterClrMapping/>
@@ -5336,13 +4941,7 @@
       </p:grpSpPr>
       <p:sp>
         <p:nvSpPr>
-          <p:cNvPr id="7" name="Text Placeholder 6">
-            <a:extLst>
-              <a:ext uri="{FF2B5EF4-FFF2-40B4-BE49-F238E27FC236}">
-                <a16:creationId xmlns:a16="http://schemas.microsoft.com/office/drawing/2014/main" id="{233D39E2-2188-4621-B115-A912A057E8AC}"/>
-              </a:ext>
-            </a:extLst>
-          </p:cNvPr>
+          <p:cNvPr id="7" name="Text Placeholder 6"/>
           <p:cNvSpPr>
             <a:spLocks noGrp="1"/>
           </p:cNvSpPr>
@@ -5384,18 +4983,13 @@
               <a:rPr lang="en-US"/>
               <a:t>Click to edit Master text styles</a:t>
             </a:r>
-          </a:p>
-        </p:txBody>
-      </p:sp>
-      <p:sp>
-        <p:nvSpPr>
-          <p:cNvPr id="2" name="Title 1">
-            <a:extLst>
-              <a:ext uri="{FF2B5EF4-FFF2-40B4-BE49-F238E27FC236}">
-                <a16:creationId xmlns:a16="http://schemas.microsoft.com/office/drawing/2014/main" id="{110731EC-67BA-493B-B1C7-6258DD2B6042}"/>
-              </a:ext>
-            </a:extLst>
-          </p:cNvPr>
+            <a:endParaRPr lang="en-US"/>
+          </a:p>
+        </p:txBody>
+      </p:sp>
+      <p:sp>
+        <p:nvSpPr>
+          <p:cNvPr id="2" name="Title 1"/>
           <p:cNvSpPr>
             <a:spLocks noGrp="1"/>
           </p:cNvSpPr>
@@ -5423,18 +5017,13 @@
               <a:rPr lang="en-US" dirty="0"/>
               <a:t>Click to Add Title</a:t>
             </a:r>
-          </a:p>
-        </p:txBody>
-      </p:sp>
-      <p:sp>
-        <p:nvSpPr>
-          <p:cNvPr id="5" name="Picture Placeholder 4">
-            <a:extLst>
-              <a:ext uri="{FF2B5EF4-FFF2-40B4-BE49-F238E27FC236}">
-                <a16:creationId xmlns:a16="http://schemas.microsoft.com/office/drawing/2014/main" id="{BE84B7CE-D997-4F92-BD9D-3F9DE2782EF8}"/>
-              </a:ext>
-            </a:extLst>
-          </p:cNvPr>
+            <a:endParaRPr lang="en-US" dirty="0"/>
+          </a:p>
+        </p:txBody>
+      </p:sp>
+      <p:sp>
+        <p:nvSpPr>
+          <p:cNvPr id="5" name="Picture Placeholder 4"/>
           <p:cNvSpPr>
             <a:spLocks noGrp="1"/>
           </p:cNvSpPr>
@@ -5472,11 +5061,6 @@
         </p:txBody>
       </p:sp>
     </p:spTree>
-    <p:extLst>
-      <p:ext uri="{BB962C8B-B14F-4D97-AF65-F5344CB8AC3E}">
-        <p14:creationId xmlns:p14="http://schemas.microsoft.com/office/powerpoint/2010/main" val="997227147"/>
-      </p:ext>
-    </p:extLst>
   </p:cSld>
   <p:clrMapOvr>
     <a:masterClrMapping/>
@@ -5503,13 +5087,7 @@
       </p:grpSpPr>
       <p:sp>
         <p:nvSpPr>
-          <p:cNvPr id="9" name="Rectangle 8">
-            <a:extLst>
-              <a:ext uri="{FF2B5EF4-FFF2-40B4-BE49-F238E27FC236}">
-                <a16:creationId xmlns:a16="http://schemas.microsoft.com/office/drawing/2014/main" id="{38CBA09E-664D-42AC-81A8-E6756A655750}"/>
-              </a:ext>
-            </a:extLst>
-          </p:cNvPr>
+          <p:cNvPr id="9" name="Rectangle 8"/>
           <p:cNvSpPr/>
           <p:nvPr userDrawn="1"/>
         </p:nvSpPr>
@@ -5555,13 +5133,7 @@
       </p:sp>
       <p:sp>
         <p:nvSpPr>
-          <p:cNvPr id="12" name="Picture Placeholder 11">
-            <a:extLst>
-              <a:ext uri="{FF2B5EF4-FFF2-40B4-BE49-F238E27FC236}">
-                <a16:creationId xmlns:a16="http://schemas.microsoft.com/office/drawing/2014/main" id="{82CAE461-C0B1-40CE-96C7-BF817A2EA315}"/>
-              </a:ext>
-            </a:extLst>
-          </p:cNvPr>
+          <p:cNvPr id="12" name="Picture Placeholder 11"/>
           <p:cNvSpPr>
             <a:spLocks noGrp="1"/>
           </p:cNvSpPr>
@@ -5658,13 +5230,7 @@
       </p:sp>
       <p:sp>
         <p:nvSpPr>
-          <p:cNvPr id="6" name="Title 1">
-            <a:extLst>
-              <a:ext uri="{FF2B5EF4-FFF2-40B4-BE49-F238E27FC236}">
-                <a16:creationId xmlns:a16="http://schemas.microsoft.com/office/drawing/2014/main" id="{AA99C074-A230-B944-8FEA-870A76765C60}"/>
-              </a:ext>
-            </a:extLst>
-          </p:cNvPr>
+          <p:cNvPr id="6" name="Title 1"/>
           <p:cNvSpPr>
             <a:spLocks noGrp="1"/>
           </p:cNvSpPr>
@@ -5697,18 +5263,13 @@
               <a:rPr lang="en-US" dirty="0"/>
               <a:t>THANK YOU</a:t>
             </a:r>
-          </a:p>
-        </p:txBody>
-      </p:sp>
-      <p:sp>
-        <p:nvSpPr>
-          <p:cNvPr id="13" name="Text Placeholder 12">
-            <a:extLst>
-              <a:ext uri="{FF2B5EF4-FFF2-40B4-BE49-F238E27FC236}">
-                <a16:creationId xmlns:a16="http://schemas.microsoft.com/office/drawing/2014/main" id="{1221857D-ECFA-4D4D-91DF-E36500791501}"/>
-              </a:ext>
-            </a:extLst>
-          </p:cNvPr>
+            <a:endParaRPr lang="en-US" dirty="0"/>
+          </a:p>
+        </p:txBody>
+      </p:sp>
+      <p:sp>
+        <p:nvSpPr>
+          <p:cNvPr id="13" name="Text Placeholder 12"/>
           <p:cNvSpPr>
             <a:spLocks noGrp="1"/>
           </p:cNvSpPr>
@@ -5744,18 +5305,13 @@
               <a:rPr lang="en-US" dirty="0"/>
               <a:t>WWW.WEBSITENAME.COM</a:t>
             </a:r>
-          </a:p>
-        </p:txBody>
-      </p:sp>
-      <p:sp>
-        <p:nvSpPr>
-          <p:cNvPr id="5" name="Shape 62">
-            <a:extLst>
-              <a:ext uri="{FF2B5EF4-FFF2-40B4-BE49-F238E27FC236}">
-                <a16:creationId xmlns:a16="http://schemas.microsoft.com/office/drawing/2014/main" id="{E1A23DB6-E067-4A30-8C4B-98B452428518}"/>
-              </a:ext>
-            </a:extLst>
-          </p:cNvPr>
+            <a:endParaRPr lang="en-US" dirty="0"/>
+          </a:p>
+        </p:txBody>
+      </p:sp>
+      <p:sp>
+        <p:nvSpPr>
+          <p:cNvPr id="5" name="Shape 62"/>
           <p:cNvSpPr/>
           <p:nvPr userDrawn="1"/>
         </p:nvSpPr>
@@ -5794,11 +5350,6 @@
         </p:txBody>
       </p:sp>
     </p:spTree>
-    <p:extLst>
-      <p:ext uri="{BB962C8B-B14F-4D97-AF65-F5344CB8AC3E}">
-        <p14:creationId xmlns:p14="http://schemas.microsoft.com/office/powerpoint/2010/main" val="3091658351"/>
-      </p:ext>
-    </p:extLst>
   </p:cSld>
   <p:clrMapOvr>
     <a:masterClrMapping/>
@@ -5825,13 +5376,7 @@
       </p:grpSpPr>
       <p:sp>
         <p:nvSpPr>
-          <p:cNvPr id="7" name="Text Placeholder 6">
-            <a:extLst>
-              <a:ext uri="{FF2B5EF4-FFF2-40B4-BE49-F238E27FC236}">
-                <a16:creationId xmlns:a16="http://schemas.microsoft.com/office/drawing/2014/main" id="{233D39E2-2188-4621-B115-A912A057E8AC}"/>
-              </a:ext>
-            </a:extLst>
-          </p:cNvPr>
+          <p:cNvPr id="7" name="Text Placeholder 6"/>
           <p:cNvSpPr>
             <a:spLocks noGrp="1"/>
           </p:cNvSpPr>
@@ -5871,18 +5416,13 @@
               <a:rPr lang="en-US"/>
               <a:t>Click to edit Master text styles</a:t>
             </a:r>
-          </a:p>
-        </p:txBody>
-      </p:sp>
-      <p:sp>
-        <p:nvSpPr>
-          <p:cNvPr id="2" name="Title 1">
-            <a:extLst>
-              <a:ext uri="{FF2B5EF4-FFF2-40B4-BE49-F238E27FC236}">
-                <a16:creationId xmlns:a16="http://schemas.microsoft.com/office/drawing/2014/main" id="{110731EC-67BA-493B-B1C7-6258DD2B6042}"/>
-              </a:ext>
-            </a:extLst>
-          </p:cNvPr>
+            <a:endParaRPr lang="en-US"/>
+          </a:p>
+        </p:txBody>
+      </p:sp>
+      <p:sp>
+        <p:nvSpPr>
+          <p:cNvPr id="2" name="Title 1"/>
           <p:cNvSpPr>
             <a:spLocks noGrp="1"/>
           </p:cNvSpPr>
@@ -5910,18 +5450,13 @@
               <a:rPr lang="en-US" dirty="0"/>
               <a:t>Click to Add Title</a:t>
             </a:r>
-          </a:p>
-        </p:txBody>
-      </p:sp>
-      <p:sp>
-        <p:nvSpPr>
-          <p:cNvPr id="5" name="Picture Placeholder 4">
-            <a:extLst>
-              <a:ext uri="{FF2B5EF4-FFF2-40B4-BE49-F238E27FC236}">
-                <a16:creationId xmlns:a16="http://schemas.microsoft.com/office/drawing/2014/main" id="{BE84B7CE-D997-4F92-BD9D-3F9DE2782EF8}"/>
-              </a:ext>
-            </a:extLst>
-          </p:cNvPr>
+            <a:endParaRPr lang="en-US" dirty="0"/>
+          </a:p>
+        </p:txBody>
+      </p:sp>
+      <p:sp>
+        <p:nvSpPr>
+          <p:cNvPr id="5" name="Picture Placeholder 4"/>
           <p:cNvSpPr>
             <a:spLocks noGrp="1"/>
           </p:cNvSpPr>
@@ -5959,11 +5494,6 @@
         </p:txBody>
       </p:sp>
     </p:spTree>
-    <p:extLst>
-      <p:ext uri="{BB962C8B-B14F-4D97-AF65-F5344CB8AC3E}">
-        <p14:creationId xmlns:p14="http://schemas.microsoft.com/office/powerpoint/2010/main" val="583128200"/>
-      </p:ext>
-    </p:extLst>
   </p:cSld>
   <p:clrMapOvr>
     <a:masterClrMapping/>
@@ -5990,13 +5520,7 @@
       </p:grpSpPr>
       <p:sp>
         <p:nvSpPr>
-          <p:cNvPr id="5" name="Picture Placeholder 4">
-            <a:extLst>
-              <a:ext uri="{FF2B5EF4-FFF2-40B4-BE49-F238E27FC236}">
-                <a16:creationId xmlns:a16="http://schemas.microsoft.com/office/drawing/2014/main" id="{BE84B7CE-D997-4F92-BD9D-3F9DE2782EF8}"/>
-              </a:ext>
-            </a:extLst>
-          </p:cNvPr>
+          <p:cNvPr id="5" name="Picture Placeholder 4"/>
           <p:cNvSpPr>
             <a:spLocks noGrp="1"/>
           </p:cNvSpPr>
@@ -6030,13 +5554,7 @@
       </p:sp>
       <p:sp>
         <p:nvSpPr>
-          <p:cNvPr id="2" name="Title 1">
-            <a:extLst>
-              <a:ext uri="{FF2B5EF4-FFF2-40B4-BE49-F238E27FC236}">
-                <a16:creationId xmlns:a16="http://schemas.microsoft.com/office/drawing/2014/main" id="{110731EC-67BA-493B-B1C7-6258DD2B6042}"/>
-              </a:ext>
-            </a:extLst>
-          </p:cNvPr>
+          <p:cNvPr id="2" name="Title 1"/>
           <p:cNvSpPr>
             <a:spLocks noGrp="1"/>
           </p:cNvSpPr>
@@ -6071,18 +5589,13 @@
               <a:rPr lang="en-US" dirty="0"/>
               <a:t>Add Title</a:t>
             </a:r>
-          </a:p>
-        </p:txBody>
-      </p:sp>
-      <p:sp>
-        <p:nvSpPr>
-          <p:cNvPr id="6" name="Shape 62">
-            <a:extLst>
-              <a:ext uri="{FF2B5EF4-FFF2-40B4-BE49-F238E27FC236}">
-                <a16:creationId xmlns:a16="http://schemas.microsoft.com/office/drawing/2014/main" id="{9EDA533D-03E6-4B64-A81C-A6F9E3301AB5}"/>
-              </a:ext>
-            </a:extLst>
-          </p:cNvPr>
+            <a:endParaRPr lang="en-US" dirty="0"/>
+          </a:p>
+        </p:txBody>
+      </p:sp>
+      <p:sp>
+        <p:nvSpPr>
+          <p:cNvPr id="6" name="Shape 62"/>
           <p:cNvSpPr/>
           <p:nvPr userDrawn="1"/>
         </p:nvSpPr>
@@ -6122,13 +5635,7 @@
       </p:sp>
       <p:sp>
         <p:nvSpPr>
-          <p:cNvPr id="3" name="Rectangle 2">
-            <a:extLst>
-              <a:ext uri="{FF2B5EF4-FFF2-40B4-BE49-F238E27FC236}">
-                <a16:creationId xmlns:a16="http://schemas.microsoft.com/office/drawing/2014/main" id="{9DF8596F-E730-47C4-86C3-F4A9B3F78268}"/>
-              </a:ext>
-            </a:extLst>
-          </p:cNvPr>
+          <p:cNvPr id="3" name="Rectangle 2"/>
           <p:cNvSpPr/>
           <p:nvPr userDrawn="1"/>
         </p:nvSpPr>
@@ -6172,13 +5679,7 @@
       </p:sp>
       <p:sp>
         <p:nvSpPr>
-          <p:cNvPr id="8" name="Text Placeholder 6">
-            <a:extLst>
-              <a:ext uri="{FF2B5EF4-FFF2-40B4-BE49-F238E27FC236}">
-                <a16:creationId xmlns:a16="http://schemas.microsoft.com/office/drawing/2014/main" id="{2E0AB4DF-4264-4631-9A72-72B25F9BEED8}"/>
-              </a:ext>
-            </a:extLst>
-          </p:cNvPr>
+          <p:cNvPr id="8" name="Text Placeholder 6"/>
           <p:cNvSpPr>
             <a:spLocks noGrp="1"/>
           </p:cNvSpPr>
@@ -6214,18 +5715,13 @@
               <a:rPr lang="en-US" dirty="0"/>
               <a:t>Click to add title here</a:t>
             </a:r>
-          </a:p>
-        </p:txBody>
-      </p:sp>
-      <p:sp>
-        <p:nvSpPr>
-          <p:cNvPr id="9" name="Text Placeholder 3">
-            <a:extLst>
-              <a:ext uri="{FF2B5EF4-FFF2-40B4-BE49-F238E27FC236}">
-                <a16:creationId xmlns:a16="http://schemas.microsoft.com/office/drawing/2014/main" id="{0E3F0CD0-D764-45BB-9798-E9046593B3AC}"/>
-              </a:ext>
-            </a:extLst>
-          </p:cNvPr>
+            <a:endParaRPr lang="en-US" dirty="0"/>
+          </a:p>
+        </p:txBody>
+      </p:sp>
+      <p:sp>
+        <p:nvSpPr>
+          <p:cNvPr id="9" name="Text Placeholder 3"/>
           <p:cNvSpPr>
             <a:spLocks noGrp="1"/>
           </p:cNvSpPr>
@@ -6277,15 +5773,11 @@
               <a:rPr lang="en-US"/>
               <a:t>Click to edit Master text styles</a:t>
             </a:r>
+            <a:endParaRPr lang="en-US"/>
           </a:p>
         </p:txBody>
       </p:sp>
     </p:spTree>
-    <p:extLst>
-      <p:ext uri="{BB962C8B-B14F-4D97-AF65-F5344CB8AC3E}">
-        <p14:creationId xmlns:p14="http://schemas.microsoft.com/office/powerpoint/2010/main" val="3336362204"/>
-      </p:ext>
-    </p:extLst>
   </p:cSld>
   <p:clrMapOvr>
     <a:masterClrMapping/>
@@ -6312,13 +5804,7 @@
       </p:grpSpPr>
       <p:sp>
         <p:nvSpPr>
-          <p:cNvPr id="5" name="Picture Placeholder 4">
-            <a:extLst>
-              <a:ext uri="{FF2B5EF4-FFF2-40B4-BE49-F238E27FC236}">
-                <a16:creationId xmlns:a16="http://schemas.microsoft.com/office/drawing/2014/main" id="{9B9B3BD2-24FF-4E30-B0DA-4DCD6E57D9FC}"/>
-              </a:ext>
-            </a:extLst>
-          </p:cNvPr>
+          <p:cNvPr id="5" name="Picture Placeholder 4"/>
           <p:cNvSpPr>
             <a:spLocks noGrp="1"/>
           </p:cNvSpPr>
@@ -6346,13 +5832,7 @@
       </p:sp>
       <p:sp>
         <p:nvSpPr>
-          <p:cNvPr id="2" name="Title 1">
-            <a:extLst>
-              <a:ext uri="{FF2B5EF4-FFF2-40B4-BE49-F238E27FC236}">
-                <a16:creationId xmlns:a16="http://schemas.microsoft.com/office/drawing/2014/main" id="{C7F92C0C-7E68-45AE-8824-6858C6874760}"/>
-              </a:ext>
-            </a:extLst>
-          </p:cNvPr>
+          <p:cNvPr id="2" name="Title 1"/>
           <p:cNvSpPr>
             <a:spLocks noGrp="1"/>
           </p:cNvSpPr>
@@ -6392,15 +5872,11 @@
               <a:rPr lang="en-US" dirty="0"/>
               <a:t>Master title style</a:t>
             </a:r>
+            <a:endParaRPr lang="en-US" dirty="0"/>
           </a:p>
         </p:txBody>
       </p:sp>
     </p:spTree>
-    <p:extLst>
-      <p:ext uri="{BB962C8B-B14F-4D97-AF65-F5344CB8AC3E}">
-        <p14:creationId xmlns:p14="http://schemas.microsoft.com/office/powerpoint/2010/main" val="953602389"/>
-      </p:ext>
-    </p:extLst>
   </p:cSld>
   <p:clrMapOvr>
     <a:masterClrMapping/>
@@ -6427,13 +5903,7 @@
       </p:grpSpPr>
       <p:sp>
         <p:nvSpPr>
-          <p:cNvPr id="5" name="Picture Placeholder 4">
-            <a:extLst>
-              <a:ext uri="{FF2B5EF4-FFF2-40B4-BE49-F238E27FC236}">
-                <a16:creationId xmlns:a16="http://schemas.microsoft.com/office/drawing/2014/main" id="{9B9B3BD2-24FF-4E30-B0DA-4DCD6E57D9FC}"/>
-              </a:ext>
-            </a:extLst>
-          </p:cNvPr>
+          <p:cNvPr id="5" name="Picture Placeholder 4"/>
           <p:cNvSpPr>
             <a:spLocks noGrp="1"/>
           </p:cNvSpPr>
@@ -6461,13 +5931,7 @@
       </p:sp>
       <p:sp>
         <p:nvSpPr>
-          <p:cNvPr id="4" name="Text Placeholder 3">
-            <a:extLst>
-              <a:ext uri="{FF2B5EF4-FFF2-40B4-BE49-F238E27FC236}">
-                <a16:creationId xmlns:a16="http://schemas.microsoft.com/office/drawing/2014/main" id="{049A10FA-D831-43AB-9DF1-EDB14480E3E1}"/>
-              </a:ext>
-            </a:extLst>
-          </p:cNvPr>
+          <p:cNvPr id="4" name="Text Placeholder 3"/>
           <p:cNvSpPr>
             <a:spLocks noGrp="1"/>
           </p:cNvSpPr>
@@ -6503,15 +5967,11 @@
               <a:rPr lang="en-US" dirty="0"/>
               <a:t>Slide Title</a:t>
             </a:r>
+            <a:endParaRPr lang="en-US" dirty="0"/>
           </a:p>
         </p:txBody>
       </p:sp>
     </p:spTree>
-    <p:extLst>
-      <p:ext uri="{BB962C8B-B14F-4D97-AF65-F5344CB8AC3E}">
-        <p14:creationId xmlns:p14="http://schemas.microsoft.com/office/powerpoint/2010/main" val="2632027135"/>
-      </p:ext>
-    </p:extLst>
   </p:cSld>
   <p:clrMapOvr>
     <a:masterClrMapping/>
@@ -6538,13 +5998,7 @@
       </p:grpSpPr>
       <p:sp>
         <p:nvSpPr>
-          <p:cNvPr id="4" name="Picture Placeholder 4">
-            <a:extLst>
-              <a:ext uri="{FF2B5EF4-FFF2-40B4-BE49-F238E27FC236}">
-                <a16:creationId xmlns:a16="http://schemas.microsoft.com/office/drawing/2014/main" id="{8DE1C71F-8DD3-4FFB-B233-CF08AE5260F8}"/>
-              </a:ext>
-            </a:extLst>
-          </p:cNvPr>
+          <p:cNvPr id="4" name="Picture Placeholder 4"/>
           <p:cNvSpPr>
             <a:spLocks noGrp="1"/>
           </p:cNvSpPr>
@@ -6572,13 +6026,7 @@
       </p:sp>
       <p:sp>
         <p:nvSpPr>
-          <p:cNvPr id="3" name="Title 4">
-            <a:extLst>
-              <a:ext uri="{FF2B5EF4-FFF2-40B4-BE49-F238E27FC236}">
-                <a16:creationId xmlns:a16="http://schemas.microsoft.com/office/drawing/2014/main" id="{7FBD120B-8377-4641-9618-9DD682652CAA}"/>
-              </a:ext>
-            </a:extLst>
-          </p:cNvPr>
+          <p:cNvPr id="3" name="Title 4"/>
           <p:cNvSpPr>
             <a:spLocks noGrp="1"/>
           </p:cNvSpPr>
@@ -6616,11 +6064,6 @@
         </p:txBody>
       </p:sp>
     </p:spTree>
-    <p:extLst>
-      <p:ext uri="{BB962C8B-B14F-4D97-AF65-F5344CB8AC3E}">
-        <p14:creationId xmlns:p14="http://schemas.microsoft.com/office/powerpoint/2010/main" val="4259740263"/>
-      </p:ext>
-    </p:extLst>
   </p:cSld>
   <p:clrMapOvr>
     <a:masterClrMapping/>
@@ -6647,13 +6090,7 @@
       </p:grpSpPr>
       <p:sp>
         <p:nvSpPr>
-          <p:cNvPr id="4" name="Picture Placeholder 4">
-            <a:extLst>
-              <a:ext uri="{FF2B5EF4-FFF2-40B4-BE49-F238E27FC236}">
-                <a16:creationId xmlns:a16="http://schemas.microsoft.com/office/drawing/2014/main" id="{8DE1C71F-8DD3-4FFB-B233-CF08AE5260F8}"/>
-              </a:ext>
-            </a:extLst>
-          </p:cNvPr>
+          <p:cNvPr id="4" name="Picture Placeholder 4"/>
           <p:cNvSpPr>
             <a:spLocks noGrp="1"/>
           </p:cNvSpPr>
@@ -6680,11 +6117,6 @@
         </p:txBody>
       </p:sp>
     </p:spTree>
-    <p:extLst>
-      <p:ext uri="{BB962C8B-B14F-4D97-AF65-F5344CB8AC3E}">
-        <p14:creationId xmlns:p14="http://schemas.microsoft.com/office/powerpoint/2010/main" val="2955941731"/>
-      </p:ext>
-    </p:extLst>
   </p:cSld>
   <p:clrMapOvr>
     <a:masterClrMapping/>
@@ -6711,13 +6143,7 @@
       </p:grpSpPr>
       <p:sp>
         <p:nvSpPr>
-          <p:cNvPr id="4" name="Picture Placeholder 4">
-            <a:extLst>
-              <a:ext uri="{FF2B5EF4-FFF2-40B4-BE49-F238E27FC236}">
-                <a16:creationId xmlns:a16="http://schemas.microsoft.com/office/drawing/2014/main" id="{8DE1C71F-8DD3-4FFB-B233-CF08AE5260F8}"/>
-              </a:ext>
-            </a:extLst>
-          </p:cNvPr>
+          <p:cNvPr id="4" name="Picture Placeholder 4"/>
           <p:cNvSpPr>
             <a:spLocks noGrp="1"/>
           </p:cNvSpPr>
@@ -6745,13 +6171,7 @@
       </p:sp>
       <p:sp>
         <p:nvSpPr>
-          <p:cNvPr id="3" name="Title 4">
-            <a:extLst>
-              <a:ext uri="{FF2B5EF4-FFF2-40B4-BE49-F238E27FC236}">
-                <a16:creationId xmlns:a16="http://schemas.microsoft.com/office/drawing/2014/main" id="{8DF09845-7890-4D10-A53B-2A4D05316878}"/>
-              </a:ext>
-            </a:extLst>
-          </p:cNvPr>
+          <p:cNvPr id="3" name="Title 4"/>
           <p:cNvSpPr>
             <a:spLocks noGrp="1"/>
           </p:cNvSpPr>
@@ -6787,11 +6207,6 @@
         </p:txBody>
       </p:sp>
     </p:spTree>
-    <p:extLst>
-      <p:ext uri="{BB962C8B-B14F-4D97-AF65-F5344CB8AC3E}">
-        <p14:creationId xmlns:p14="http://schemas.microsoft.com/office/powerpoint/2010/main" val="366147277"/>
-      </p:ext>
-    </p:extLst>
   </p:cSld>
   <p:clrMapOvr>
     <a:masterClrMapping/>
@@ -6818,13 +6233,7 @@
       </p:grpSpPr>
       <p:sp>
         <p:nvSpPr>
-          <p:cNvPr id="4" name="Picture Placeholder 4">
-            <a:extLst>
-              <a:ext uri="{FF2B5EF4-FFF2-40B4-BE49-F238E27FC236}">
-                <a16:creationId xmlns:a16="http://schemas.microsoft.com/office/drawing/2014/main" id="{8DE1C71F-8DD3-4FFB-B233-CF08AE5260F8}"/>
-              </a:ext>
-            </a:extLst>
-          </p:cNvPr>
+          <p:cNvPr id="4" name="Picture Placeholder 4"/>
           <p:cNvSpPr>
             <a:spLocks noGrp="1"/>
           </p:cNvSpPr>
@@ -6851,11 +6260,6 @@
         </p:txBody>
       </p:sp>
     </p:spTree>
-    <p:extLst>
-      <p:ext uri="{BB962C8B-B14F-4D97-AF65-F5344CB8AC3E}">
-        <p14:creationId xmlns:p14="http://schemas.microsoft.com/office/powerpoint/2010/main" val="2125954109"/>
-      </p:ext>
-    </p:extLst>
   </p:cSld>
   <p:clrMapOvr>
     <a:masterClrMapping/>
@@ -6882,13 +6286,7 @@
       </p:grpSpPr>
       <p:sp>
         <p:nvSpPr>
-          <p:cNvPr id="4" name="Picture Placeholder 4">
-            <a:extLst>
-              <a:ext uri="{FF2B5EF4-FFF2-40B4-BE49-F238E27FC236}">
-                <a16:creationId xmlns:a16="http://schemas.microsoft.com/office/drawing/2014/main" id="{8DE1C71F-8DD3-4FFB-B233-CF08AE5260F8}"/>
-              </a:ext>
-            </a:extLst>
-          </p:cNvPr>
+          <p:cNvPr id="4" name="Picture Placeholder 4"/>
           <p:cNvSpPr>
             <a:spLocks noGrp="1"/>
           </p:cNvSpPr>
@@ -6916,13 +6314,7 @@
       </p:sp>
       <p:sp>
         <p:nvSpPr>
-          <p:cNvPr id="3" name="Title 4">
-            <a:extLst>
-              <a:ext uri="{FF2B5EF4-FFF2-40B4-BE49-F238E27FC236}">
-                <a16:creationId xmlns:a16="http://schemas.microsoft.com/office/drawing/2014/main" id="{7EBB9618-FC05-4C85-8241-A1EFCE8127AD}"/>
-              </a:ext>
-            </a:extLst>
-          </p:cNvPr>
+          <p:cNvPr id="3" name="Title 4"/>
           <p:cNvSpPr>
             <a:spLocks noGrp="1"/>
           </p:cNvSpPr>
@@ -6958,11 +6350,6 @@
         </p:txBody>
       </p:sp>
     </p:spTree>
-    <p:extLst>
-      <p:ext uri="{BB962C8B-B14F-4D97-AF65-F5344CB8AC3E}">
-        <p14:creationId xmlns:p14="http://schemas.microsoft.com/office/powerpoint/2010/main" val="2713661146"/>
-      </p:ext>
-    </p:extLst>
   </p:cSld>
   <p:clrMapOvr>
     <a:masterClrMapping/>
@@ -6989,13 +6376,7 @@
       </p:grpSpPr>
       <p:sp>
         <p:nvSpPr>
-          <p:cNvPr id="4" name="Picture Placeholder 4">
-            <a:extLst>
-              <a:ext uri="{FF2B5EF4-FFF2-40B4-BE49-F238E27FC236}">
-                <a16:creationId xmlns:a16="http://schemas.microsoft.com/office/drawing/2014/main" id="{8DE1C71F-8DD3-4FFB-B233-CF08AE5260F8}"/>
-              </a:ext>
-            </a:extLst>
-          </p:cNvPr>
+          <p:cNvPr id="4" name="Picture Placeholder 4"/>
           <p:cNvSpPr>
             <a:spLocks noGrp="1"/>
           </p:cNvSpPr>
@@ -7022,11 +6403,6 @@
         </p:txBody>
       </p:sp>
     </p:spTree>
-    <p:extLst>
-      <p:ext uri="{BB962C8B-B14F-4D97-AF65-F5344CB8AC3E}">
-        <p14:creationId xmlns:p14="http://schemas.microsoft.com/office/powerpoint/2010/main" val="3908988418"/>
-      </p:ext>
-    </p:extLst>
   </p:cSld>
   <p:clrMapOvr>
     <a:masterClrMapping/>
@@ -7061,13 +6437,7 @@
       </p:grpSpPr>
       <p:sp>
         <p:nvSpPr>
-          <p:cNvPr id="9" name="Rectangle 8">
-            <a:extLst>
-              <a:ext uri="{FF2B5EF4-FFF2-40B4-BE49-F238E27FC236}">
-                <a16:creationId xmlns:a16="http://schemas.microsoft.com/office/drawing/2014/main" id="{38CBA09E-664D-42AC-81A8-E6756A655750}"/>
-              </a:ext>
-            </a:extLst>
-          </p:cNvPr>
+          <p:cNvPr id="9" name="Rectangle 8"/>
           <p:cNvSpPr/>
           <p:nvPr userDrawn="1"/>
         </p:nvSpPr>
@@ -7111,13 +6481,7 @@
       </p:sp>
       <p:sp>
         <p:nvSpPr>
-          <p:cNvPr id="12" name="Picture Placeholder 11">
-            <a:extLst>
-              <a:ext uri="{FF2B5EF4-FFF2-40B4-BE49-F238E27FC236}">
-                <a16:creationId xmlns:a16="http://schemas.microsoft.com/office/drawing/2014/main" id="{82CAE461-C0B1-40CE-96C7-BF817A2EA315}"/>
-              </a:ext>
-            </a:extLst>
-          </p:cNvPr>
+          <p:cNvPr id="12" name="Picture Placeholder 11"/>
           <p:cNvSpPr>
             <a:spLocks noGrp="1"/>
           </p:cNvSpPr>
@@ -7214,13 +6578,7 @@
       </p:sp>
       <p:sp>
         <p:nvSpPr>
-          <p:cNvPr id="6" name="Title 1">
-            <a:extLst>
-              <a:ext uri="{FF2B5EF4-FFF2-40B4-BE49-F238E27FC236}">
-                <a16:creationId xmlns:a16="http://schemas.microsoft.com/office/drawing/2014/main" id="{AA99C074-A230-B944-8FEA-870A76765C60}"/>
-              </a:ext>
-            </a:extLst>
-          </p:cNvPr>
+          <p:cNvPr id="6" name="Title 1"/>
           <p:cNvSpPr>
             <a:spLocks noGrp="1"/>
           </p:cNvSpPr>
@@ -7253,18 +6611,13 @@
               <a:rPr lang="en-US" dirty="0"/>
               <a:t>CLICK TO ADD TITLE</a:t>
             </a:r>
-          </a:p>
-        </p:txBody>
-      </p:sp>
-      <p:sp>
-        <p:nvSpPr>
-          <p:cNvPr id="13" name="Text Placeholder 12">
-            <a:extLst>
-              <a:ext uri="{FF2B5EF4-FFF2-40B4-BE49-F238E27FC236}">
-                <a16:creationId xmlns:a16="http://schemas.microsoft.com/office/drawing/2014/main" id="{1221857D-ECFA-4D4D-91DF-E36500791501}"/>
-              </a:ext>
-            </a:extLst>
-          </p:cNvPr>
+            <a:endParaRPr lang="en-US" dirty="0"/>
+          </a:p>
+        </p:txBody>
+      </p:sp>
+      <p:sp>
+        <p:nvSpPr>
+          <p:cNvPr id="13" name="Text Placeholder 12"/>
           <p:cNvSpPr>
             <a:spLocks noGrp="1"/>
           </p:cNvSpPr>
@@ -7300,18 +6653,13 @@
               <a:rPr lang="en-US" dirty="0"/>
               <a:t>SUBTITLE GOES HERE</a:t>
             </a:r>
-          </a:p>
-        </p:txBody>
-      </p:sp>
-      <p:sp>
-        <p:nvSpPr>
-          <p:cNvPr id="5" name="Shape 62">
-            <a:extLst>
-              <a:ext uri="{FF2B5EF4-FFF2-40B4-BE49-F238E27FC236}">
-                <a16:creationId xmlns:a16="http://schemas.microsoft.com/office/drawing/2014/main" id="{E1A23DB6-E067-4A30-8C4B-98B452428518}"/>
-              </a:ext>
-            </a:extLst>
-          </p:cNvPr>
+            <a:endParaRPr lang="en-US" dirty="0"/>
+          </a:p>
+        </p:txBody>
+      </p:sp>
+      <p:sp>
+        <p:nvSpPr>
+          <p:cNvPr id="5" name="Shape 62"/>
           <p:cNvSpPr/>
           <p:nvPr userDrawn="1"/>
         </p:nvSpPr>
@@ -7350,11 +6698,6 @@
         </p:txBody>
       </p:sp>
     </p:spTree>
-    <p:extLst>
-      <p:ext uri="{BB962C8B-B14F-4D97-AF65-F5344CB8AC3E}">
-        <p14:creationId xmlns:p14="http://schemas.microsoft.com/office/powerpoint/2010/main" val="1558850005"/>
-      </p:ext>
-    </p:extLst>
   </p:cSld>
   <p:clrMapOvr>
     <a:masterClrMapping/>
@@ -7381,13 +6724,7 @@
       </p:grpSpPr>
       <p:sp>
         <p:nvSpPr>
-          <p:cNvPr id="4" name="Picture Placeholder 4">
-            <a:extLst>
-              <a:ext uri="{FF2B5EF4-FFF2-40B4-BE49-F238E27FC236}">
-                <a16:creationId xmlns:a16="http://schemas.microsoft.com/office/drawing/2014/main" id="{8DE1C71F-8DD3-4FFB-B233-CF08AE5260F8}"/>
-              </a:ext>
-            </a:extLst>
-          </p:cNvPr>
+          <p:cNvPr id="4" name="Picture Placeholder 4"/>
           <p:cNvSpPr>
             <a:spLocks noGrp="1"/>
           </p:cNvSpPr>
@@ -7418,13 +6755,7 @@
       </p:sp>
       <p:sp>
         <p:nvSpPr>
-          <p:cNvPr id="3" name="Title 4">
-            <a:extLst>
-              <a:ext uri="{FF2B5EF4-FFF2-40B4-BE49-F238E27FC236}">
-                <a16:creationId xmlns:a16="http://schemas.microsoft.com/office/drawing/2014/main" id="{F595BB60-922F-4254-AD20-DEA3FA4B75C4}"/>
-              </a:ext>
-            </a:extLst>
-          </p:cNvPr>
+          <p:cNvPr id="3" name="Title 4"/>
           <p:cNvSpPr>
             <a:spLocks noGrp="1"/>
           </p:cNvSpPr>
@@ -7460,11 +6791,6 @@
         </p:txBody>
       </p:sp>
     </p:spTree>
-    <p:extLst>
-      <p:ext uri="{BB962C8B-B14F-4D97-AF65-F5344CB8AC3E}">
-        <p14:creationId xmlns:p14="http://schemas.microsoft.com/office/powerpoint/2010/main" val="2323465704"/>
-      </p:ext>
-    </p:extLst>
   </p:cSld>
   <p:clrMapOvr>
     <a:masterClrMapping/>
@@ -7491,13 +6817,7 @@
       </p:grpSpPr>
       <p:sp>
         <p:nvSpPr>
-          <p:cNvPr id="4" name="Picture Placeholder 4">
-            <a:extLst>
-              <a:ext uri="{FF2B5EF4-FFF2-40B4-BE49-F238E27FC236}">
-                <a16:creationId xmlns:a16="http://schemas.microsoft.com/office/drawing/2014/main" id="{8DE1C71F-8DD3-4FFB-B233-CF08AE5260F8}"/>
-              </a:ext>
-            </a:extLst>
-          </p:cNvPr>
+          <p:cNvPr id="4" name="Picture Placeholder 4"/>
           <p:cNvSpPr>
             <a:spLocks noGrp="1"/>
           </p:cNvSpPr>
@@ -7527,11 +6847,6 @@
         </p:txBody>
       </p:sp>
     </p:spTree>
-    <p:extLst>
-      <p:ext uri="{BB962C8B-B14F-4D97-AF65-F5344CB8AC3E}">
-        <p14:creationId xmlns:p14="http://schemas.microsoft.com/office/powerpoint/2010/main" val="2562267706"/>
-      </p:ext>
-    </p:extLst>
   </p:cSld>
   <p:clrMapOvr>
     <a:masterClrMapping/>
@@ -7566,13 +6881,7 @@
       </p:grpSpPr>
       <p:sp>
         <p:nvSpPr>
-          <p:cNvPr id="16" name="Rectangle 15">
-            <a:extLst>
-              <a:ext uri="{FF2B5EF4-FFF2-40B4-BE49-F238E27FC236}">
-                <a16:creationId xmlns:a16="http://schemas.microsoft.com/office/drawing/2014/main" id="{E0729B41-53A1-4BDC-BF75-A9E553C70D89}"/>
-              </a:ext>
-            </a:extLst>
-          </p:cNvPr>
+          <p:cNvPr id="16" name="Rectangle 15"/>
           <p:cNvSpPr/>
           <p:nvPr userDrawn="1"/>
         </p:nvSpPr>
@@ -7618,13 +6927,7 @@
       </p:sp>
       <p:sp>
         <p:nvSpPr>
-          <p:cNvPr id="2" name="Title 1">
-            <a:extLst>
-              <a:ext uri="{FF2B5EF4-FFF2-40B4-BE49-F238E27FC236}">
-                <a16:creationId xmlns:a16="http://schemas.microsoft.com/office/drawing/2014/main" id="{D7C2A57E-453E-4CB0-8392-79C88345290A}"/>
-              </a:ext>
-            </a:extLst>
-          </p:cNvPr>
+          <p:cNvPr id="2" name="Title 1"/>
           <p:cNvSpPr>
             <a:spLocks noGrp="1"/>
           </p:cNvSpPr>
@@ -7657,18 +6960,13 @@
               <a:rPr lang="en-US" dirty="0"/>
               <a:t>Section Header</a:t>
             </a:r>
-          </a:p>
-        </p:txBody>
-      </p:sp>
-      <p:sp>
-        <p:nvSpPr>
-          <p:cNvPr id="4" name="Text Placeholder 3">
-            <a:extLst>
-              <a:ext uri="{FF2B5EF4-FFF2-40B4-BE49-F238E27FC236}">
-                <a16:creationId xmlns:a16="http://schemas.microsoft.com/office/drawing/2014/main" id="{D3710961-EE19-42C5-8B1B-B6C986226248}"/>
-              </a:ext>
-            </a:extLst>
-          </p:cNvPr>
+            <a:endParaRPr lang="en-US" dirty="0"/>
+          </a:p>
+        </p:txBody>
+      </p:sp>
+      <p:sp>
+        <p:nvSpPr>
+          <p:cNvPr id="4" name="Text Placeholder 3"/>
           <p:cNvSpPr>
             <a:spLocks noGrp="1"/>
           </p:cNvSpPr>
@@ -7706,15 +7004,11 @@
               <a:rPr lang="en-US" dirty="0"/>
               <a:t>1</a:t>
             </a:r>
+            <a:endParaRPr lang="en-US" dirty="0"/>
           </a:p>
         </p:txBody>
       </p:sp>
     </p:spTree>
-    <p:extLst>
-      <p:ext uri="{BB962C8B-B14F-4D97-AF65-F5344CB8AC3E}">
-        <p14:creationId xmlns:p14="http://schemas.microsoft.com/office/powerpoint/2010/main" val="294804328"/>
-      </p:ext>
-    </p:extLst>
   </p:cSld>
   <p:clrMapOvr>
     <a:masterClrMapping/>
@@ -7749,13 +7043,7 @@
       </p:grpSpPr>
       <p:sp>
         <p:nvSpPr>
-          <p:cNvPr id="16" name="Rectangle 15">
-            <a:extLst>
-              <a:ext uri="{FF2B5EF4-FFF2-40B4-BE49-F238E27FC236}">
-                <a16:creationId xmlns:a16="http://schemas.microsoft.com/office/drawing/2014/main" id="{E0729B41-53A1-4BDC-BF75-A9E553C70D89}"/>
-              </a:ext>
-            </a:extLst>
-          </p:cNvPr>
+          <p:cNvPr id="16" name="Rectangle 15"/>
           <p:cNvSpPr/>
           <p:nvPr userDrawn="1"/>
         </p:nvSpPr>
@@ -7801,13 +7089,7 @@
       </p:sp>
       <p:sp>
         <p:nvSpPr>
-          <p:cNvPr id="2" name="Title 1">
-            <a:extLst>
-              <a:ext uri="{FF2B5EF4-FFF2-40B4-BE49-F238E27FC236}">
-                <a16:creationId xmlns:a16="http://schemas.microsoft.com/office/drawing/2014/main" id="{D7C2A57E-453E-4CB0-8392-79C88345290A}"/>
-              </a:ext>
-            </a:extLst>
-          </p:cNvPr>
+          <p:cNvPr id="2" name="Title 1"/>
           <p:cNvSpPr>
             <a:spLocks noGrp="1"/>
           </p:cNvSpPr>
@@ -7847,18 +7129,13 @@
               <a:rPr lang="en-US" dirty="0"/>
               <a:t>Header</a:t>
             </a:r>
-          </a:p>
-        </p:txBody>
-      </p:sp>
-      <p:sp>
-        <p:nvSpPr>
-          <p:cNvPr id="18" name="Text Placeholder 3">
-            <a:extLst>
-              <a:ext uri="{FF2B5EF4-FFF2-40B4-BE49-F238E27FC236}">
-                <a16:creationId xmlns:a16="http://schemas.microsoft.com/office/drawing/2014/main" id="{6E820AC0-D6D8-48F9-9D9F-A17400A404BB}"/>
-              </a:ext>
-            </a:extLst>
-          </p:cNvPr>
+            <a:endParaRPr lang="en-US" dirty="0"/>
+          </a:p>
+        </p:txBody>
+      </p:sp>
+      <p:sp>
+        <p:nvSpPr>
+          <p:cNvPr id="18" name="Text Placeholder 3"/>
           <p:cNvSpPr>
             <a:spLocks noGrp="1"/>
           </p:cNvSpPr>
@@ -7896,15 +7173,11 @@
               <a:rPr lang="en-US" dirty="0"/>
               <a:t>2</a:t>
             </a:r>
+            <a:endParaRPr lang="en-US" dirty="0"/>
           </a:p>
         </p:txBody>
       </p:sp>
     </p:spTree>
-    <p:extLst>
-      <p:ext uri="{BB962C8B-B14F-4D97-AF65-F5344CB8AC3E}">
-        <p14:creationId xmlns:p14="http://schemas.microsoft.com/office/powerpoint/2010/main" val="1171768878"/>
-      </p:ext>
-    </p:extLst>
   </p:cSld>
   <p:clrMapOvr>
     <a:masterClrMapping/>
@@ -7939,13 +7212,7 @@
       </p:grpSpPr>
       <p:sp>
         <p:nvSpPr>
-          <p:cNvPr id="16" name="Rectangle 15">
-            <a:extLst>
-              <a:ext uri="{FF2B5EF4-FFF2-40B4-BE49-F238E27FC236}">
-                <a16:creationId xmlns:a16="http://schemas.microsoft.com/office/drawing/2014/main" id="{E0729B41-53A1-4BDC-BF75-A9E553C70D89}"/>
-              </a:ext>
-            </a:extLst>
-          </p:cNvPr>
+          <p:cNvPr id="16" name="Rectangle 15"/>
           <p:cNvSpPr/>
           <p:nvPr userDrawn="1"/>
         </p:nvSpPr>
@@ -7991,13 +7258,7 @@
       </p:sp>
       <p:sp>
         <p:nvSpPr>
-          <p:cNvPr id="2" name="Title 1">
-            <a:extLst>
-              <a:ext uri="{FF2B5EF4-FFF2-40B4-BE49-F238E27FC236}">
-                <a16:creationId xmlns:a16="http://schemas.microsoft.com/office/drawing/2014/main" id="{D7C2A57E-453E-4CB0-8392-79C88345290A}"/>
-              </a:ext>
-            </a:extLst>
-          </p:cNvPr>
+          <p:cNvPr id="2" name="Title 1"/>
           <p:cNvSpPr>
             <a:spLocks noGrp="1"/>
           </p:cNvSpPr>
@@ -8030,18 +7291,13 @@
               <a:rPr lang="en-US" dirty="0"/>
               <a:t>Section Header</a:t>
             </a:r>
-          </a:p>
-        </p:txBody>
-      </p:sp>
-      <p:sp>
-        <p:nvSpPr>
-          <p:cNvPr id="18" name="Text Placeholder 3">
-            <a:extLst>
-              <a:ext uri="{FF2B5EF4-FFF2-40B4-BE49-F238E27FC236}">
-                <a16:creationId xmlns:a16="http://schemas.microsoft.com/office/drawing/2014/main" id="{88BD7D8D-4534-4674-90CD-5444E7502E2A}"/>
-              </a:ext>
-            </a:extLst>
-          </p:cNvPr>
+            <a:endParaRPr lang="en-US" dirty="0"/>
+          </a:p>
+        </p:txBody>
+      </p:sp>
+      <p:sp>
+        <p:nvSpPr>
+          <p:cNvPr id="18" name="Text Placeholder 3"/>
           <p:cNvSpPr>
             <a:spLocks noGrp="1"/>
           </p:cNvSpPr>
@@ -8080,15 +7336,11 @@
               <a:rPr lang="en-US" dirty="0"/>
               <a:t>#</a:t>
             </a:r>
+            <a:endParaRPr lang="en-US" dirty="0"/>
           </a:p>
         </p:txBody>
       </p:sp>
     </p:spTree>
-    <p:extLst>
-      <p:ext uri="{BB962C8B-B14F-4D97-AF65-F5344CB8AC3E}">
-        <p14:creationId xmlns:p14="http://schemas.microsoft.com/office/powerpoint/2010/main" val="4249687939"/>
-      </p:ext>
-    </p:extLst>
   </p:cSld>
   <p:clrMapOvr>
     <a:masterClrMapping/>
@@ -8123,13 +7375,7 @@
       </p:grpSpPr>
       <p:sp>
         <p:nvSpPr>
-          <p:cNvPr id="18" name="Text Placeholder 3">
-            <a:extLst>
-              <a:ext uri="{FF2B5EF4-FFF2-40B4-BE49-F238E27FC236}">
-                <a16:creationId xmlns:a16="http://schemas.microsoft.com/office/drawing/2014/main" id="{FC75DEA4-0A76-480D-A95E-49B8E0DD9749}"/>
-              </a:ext>
-            </a:extLst>
-          </p:cNvPr>
+          <p:cNvPr id="18" name="Text Placeholder 3"/>
           <p:cNvSpPr>
             <a:spLocks noGrp="1"/>
           </p:cNvSpPr>
@@ -8167,18 +7413,13 @@
               <a:rPr lang="en-US" dirty="0"/>
               <a:t>#</a:t>
             </a:r>
-          </a:p>
-        </p:txBody>
-      </p:sp>
-      <p:sp>
-        <p:nvSpPr>
-          <p:cNvPr id="16" name="Rectangle 15">
-            <a:extLst>
-              <a:ext uri="{FF2B5EF4-FFF2-40B4-BE49-F238E27FC236}">
-                <a16:creationId xmlns:a16="http://schemas.microsoft.com/office/drawing/2014/main" id="{E0729B41-53A1-4BDC-BF75-A9E553C70D89}"/>
-              </a:ext>
-            </a:extLst>
-          </p:cNvPr>
+            <a:endParaRPr lang="en-US" dirty="0"/>
+          </a:p>
+        </p:txBody>
+      </p:sp>
+      <p:sp>
+        <p:nvSpPr>
+          <p:cNvPr id="16" name="Rectangle 15"/>
           <p:cNvSpPr/>
           <p:nvPr userDrawn="1"/>
         </p:nvSpPr>
@@ -8224,13 +7465,7 @@
       </p:sp>
       <p:sp>
         <p:nvSpPr>
-          <p:cNvPr id="2" name="Title 1">
-            <a:extLst>
-              <a:ext uri="{FF2B5EF4-FFF2-40B4-BE49-F238E27FC236}">
-                <a16:creationId xmlns:a16="http://schemas.microsoft.com/office/drawing/2014/main" id="{D7C2A57E-453E-4CB0-8392-79C88345290A}"/>
-              </a:ext>
-            </a:extLst>
-          </p:cNvPr>
+          <p:cNvPr id="2" name="Title 1"/>
           <p:cNvSpPr>
             <a:spLocks noGrp="1"/>
           </p:cNvSpPr>
@@ -8263,15 +7498,11 @@
               <a:rPr lang="en-US" dirty="0"/>
               <a:t>Section Header</a:t>
             </a:r>
+            <a:endParaRPr lang="en-US" dirty="0"/>
           </a:p>
         </p:txBody>
       </p:sp>
     </p:spTree>
-    <p:extLst>
-      <p:ext uri="{BB962C8B-B14F-4D97-AF65-F5344CB8AC3E}">
-        <p14:creationId xmlns:p14="http://schemas.microsoft.com/office/powerpoint/2010/main" val="1793532110"/>
-      </p:ext>
-    </p:extLst>
   </p:cSld>
   <p:clrMapOvr>
     <a:masterClrMapping/>
@@ -8306,13 +7537,7 @@
       </p:grpSpPr>
       <p:sp>
         <p:nvSpPr>
-          <p:cNvPr id="16" name="Rectangle 15">
-            <a:extLst>
-              <a:ext uri="{FF2B5EF4-FFF2-40B4-BE49-F238E27FC236}">
-                <a16:creationId xmlns:a16="http://schemas.microsoft.com/office/drawing/2014/main" id="{E0729B41-53A1-4BDC-BF75-A9E553C70D89}"/>
-              </a:ext>
-            </a:extLst>
-          </p:cNvPr>
+          <p:cNvPr id="16" name="Rectangle 15"/>
           <p:cNvSpPr/>
           <p:nvPr userDrawn="1"/>
         </p:nvSpPr>
@@ -8358,13 +7583,7 @@
       </p:sp>
       <p:sp>
         <p:nvSpPr>
-          <p:cNvPr id="2" name="Title 1">
-            <a:extLst>
-              <a:ext uri="{FF2B5EF4-FFF2-40B4-BE49-F238E27FC236}">
-                <a16:creationId xmlns:a16="http://schemas.microsoft.com/office/drawing/2014/main" id="{D7C2A57E-453E-4CB0-8392-79C88345290A}"/>
-              </a:ext>
-            </a:extLst>
-          </p:cNvPr>
+          <p:cNvPr id="2" name="Title 1"/>
           <p:cNvSpPr>
             <a:spLocks noGrp="1"/>
           </p:cNvSpPr>
@@ -8397,18 +7616,13 @@
               <a:rPr lang="en-US" dirty="0"/>
               <a:t>Section Header</a:t>
             </a:r>
-          </a:p>
-        </p:txBody>
-      </p:sp>
-      <p:sp>
-        <p:nvSpPr>
-          <p:cNvPr id="19" name="Text Placeholder 3">
-            <a:extLst>
-              <a:ext uri="{FF2B5EF4-FFF2-40B4-BE49-F238E27FC236}">
-                <a16:creationId xmlns:a16="http://schemas.microsoft.com/office/drawing/2014/main" id="{7A110188-91CF-42CE-9B0F-643DB15F9D8E}"/>
-              </a:ext>
-            </a:extLst>
-          </p:cNvPr>
+            <a:endParaRPr lang="en-US" dirty="0"/>
+          </a:p>
+        </p:txBody>
+      </p:sp>
+      <p:sp>
+        <p:nvSpPr>
+          <p:cNvPr id="19" name="Text Placeholder 3"/>
           <p:cNvSpPr>
             <a:spLocks noGrp="1"/>
           </p:cNvSpPr>
@@ -8444,15 +7658,11 @@
               <a:rPr lang="en-US" dirty="0"/>
               <a:t>#</a:t>
             </a:r>
+            <a:endParaRPr lang="en-US" dirty="0"/>
           </a:p>
         </p:txBody>
       </p:sp>
     </p:spTree>
-    <p:extLst>
-      <p:ext uri="{BB962C8B-B14F-4D97-AF65-F5344CB8AC3E}">
-        <p14:creationId xmlns:p14="http://schemas.microsoft.com/office/powerpoint/2010/main" val="3763052421"/>
-      </p:ext>
-    </p:extLst>
   </p:cSld>
   <p:clrMapOvr>
     <a:masterClrMapping/>
@@ -8478,11 +7688,6 @@
         </a:xfrm>
       </p:grpSpPr>
     </p:spTree>
-    <p:extLst>
-      <p:ext uri="{BB962C8B-B14F-4D97-AF65-F5344CB8AC3E}">
-        <p14:creationId xmlns:p14="http://schemas.microsoft.com/office/powerpoint/2010/main" val="734979161"/>
-      </p:ext>
-    </p:extLst>
   </p:cSld>
   <p:clrMapOvr>
     <a:masterClrMapping/>
@@ -8509,13 +7714,7 @@
       </p:grpSpPr>
       <p:sp>
         <p:nvSpPr>
-          <p:cNvPr id="7" name="Rectangle 6">
-            <a:extLst>
-              <a:ext uri="{FF2B5EF4-FFF2-40B4-BE49-F238E27FC236}">
-                <a16:creationId xmlns:a16="http://schemas.microsoft.com/office/drawing/2014/main" id="{BC0DB138-926E-4EF2-BFC2-93D610E35703}"/>
-              </a:ext>
-            </a:extLst>
-          </p:cNvPr>
+          <p:cNvPr id="7" name="Rectangle 6"/>
           <p:cNvSpPr/>
           <p:nvPr userDrawn="1"/>
         </p:nvSpPr>
@@ -8561,13 +7760,7 @@
       </p:sp>
       <p:sp>
         <p:nvSpPr>
-          <p:cNvPr id="10" name="Title 1">
-            <a:extLst>
-              <a:ext uri="{FF2B5EF4-FFF2-40B4-BE49-F238E27FC236}">
-                <a16:creationId xmlns:a16="http://schemas.microsoft.com/office/drawing/2014/main" id="{95B2C2DA-ADF3-D44B-8824-9B44E01F747F}"/>
-              </a:ext>
-            </a:extLst>
-          </p:cNvPr>
+          <p:cNvPr id="10" name="Title 1"/>
           <p:cNvSpPr>
             <a:spLocks noGrp="1"/>
           </p:cNvSpPr>
@@ -8595,18 +7788,13 @@
               <a:rPr lang="en-US" noProof="0"/>
               <a:t>Click to Add Slide Title Here</a:t>
             </a:r>
-          </a:p>
-        </p:txBody>
-      </p:sp>
-      <p:sp>
-        <p:nvSpPr>
-          <p:cNvPr id="17" name="Text Placeholder 11">
-            <a:extLst>
-              <a:ext uri="{FF2B5EF4-FFF2-40B4-BE49-F238E27FC236}">
-                <a16:creationId xmlns:a16="http://schemas.microsoft.com/office/drawing/2014/main" id="{6CAA743B-32D9-CE44-9E46-D38DB57EFACE}"/>
-              </a:ext>
-            </a:extLst>
-          </p:cNvPr>
+            <a:endParaRPr lang="en-US" noProof="0"/>
+          </a:p>
+        </p:txBody>
+      </p:sp>
+      <p:sp>
+        <p:nvSpPr>
+          <p:cNvPr id="17" name="Text Placeholder 11"/>
           <p:cNvSpPr>
             <a:spLocks noGrp="1"/>
           </p:cNvSpPr>
@@ -8668,18 +7856,13 @@
               <a:rPr lang="en-US" noProof="0"/>
               <a:t>SUBTITLE HERE</a:t>
             </a:r>
-          </a:p>
-        </p:txBody>
-      </p:sp>
-      <p:sp>
-        <p:nvSpPr>
-          <p:cNvPr id="5" name="Shape 62">
-            <a:extLst>
-              <a:ext uri="{FF2B5EF4-FFF2-40B4-BE49-F238E27FC236}">
-                <a16:creationId xmlns:a16="http://schemas.microsoft.com/office/drawing/2014/main" id="{00B58E1E-3AD1-467A-94AA-6578BE4756A3}"/>
-              </a:ext>
-            </a:extLst>
-          </p:cNvPr>
+            <a:endParaRPr lang="en-US" noProof="0"/>
+          </a:p>
+        </p:txBody>
+      </p:sp>
+      <p:sp>
+        <p:nvSpPr>
+          <p:cNvPr id="5" name="Shape 62"/>
           <p:cNvSpPr/>
           <p:nvPr userDrawn="1"/>
         </p:nvSpPr>
@@ -8719,13 +7902,7 @@
       </p:sp>
       <p:sp>
         <p:nvSpPr>
-          <p:cNvPr id="6" name="Picture Placeholder 5">
-            <a:extLst>
-              <a:ext uri="{FF2B5EF4-FFF2-40B4-BE49-F238E27FC236}">
-                <a16:creationId xmlns:a16="http://schemas.microsoft.com/office/drawing/2014/main" id="{8C7AA169-6546-4620-BD7B-7B36553C28F7}"/>
-              </a:ext>
-            </a:extLst>
-          </p:cNvPr>
+          <p:cNvPr id="6" name="Picture Placeholder 5"/>
           <p:cNvSpPr>
             <a:spLocks noGrp="1"/>
           </p:cNvSpPr>
@@ -8772,13 +7949,7 @@
       </p:sp>
       <p:sp>
         <p:nvSpPr>
-          <p:cNvPr id="11" name="Picture Placeholder 5">
-            <a:extLst>
-              <a:ext uri="{FF2B5EF4-FFF2-40B4-BE49-F238E27FC236}">
-                <a16:creationId xmlns:a16="http://schemas.microsoft.com/office/drawing/2014/main" id="{CE9C16DA-A24B-4516-BCC8-C747730478D8}"/>
-              </a:ext>
-            </a:extLst>
-          </p:cNvPr>
+          <p:cNvPr id="11" name="Picture Placeholder 5"/>
           <p:cNvSpPr>
             <a:spLocks noGrp="1"/>
           </p:cNvSpPr>
@@ -8826,13 +7997,7 @@
       </p:sp>
       <p:sp>
         <p:nvSpPr>
-          <p:cNvPr id="13" name="Picture Placeholder 5">
-            <a:extLst>
-              <a:ext uri="{FF2B5EF4-FFF2-40B4-BE49-F238E27FC236}">
-                <a16:creationId xmlns:a16="http://schemas.microsoft.com/office/drawing/2014/main" id="{A498122E-BB6F-4765-B85E-6410B9CE17AC}"/>
-              </a:ext>
-            </a:extLst>
-          </p:cNvPr>
+          <p:cNvPr id="13" name="Picture Placeholder 5"/>
           <p:cNvSpPr>
             <a:spLocks noGrp="1"/>
           </p:cNvSpPr>
@@ -8880,13 +8045,7 @@
       </p:sp>
       <p:sp>
         <p:nvSpPr>
-          <p:cNvPr id="14" name="Picture Placeholder 5">
-            <a:extLst>
-              <a:ext uri="{FF2B5EF4-FFF2-40B4-BE49-F238E27FC236}">
-                <a16:creationId xmlns:a16="http://schemas.microsoft.com/office/drawing/2014/main" id="{D19B2F25-5E98-4166-8476-BE599D16121D}"/>
-              </a:ext>
-            </a:extLst>
-          </p:cNvPr>
+          <p:cNvPr id="14" name="Picture Placeholder 5"/>
           <p:cNvSpPr>
             <a:spLocks noGrp="1"/>
           </p:cNvSpPr>
@@ -8934,13 +8093,7 @@
       </p:sp>
       <p:sp>
         <p:nvSpPr>
-          <p:cNvPr id="9" name="Text Placeholder 8">
-            <a:extLst>
-              <a:ext uri="{FF2B5EF4-FFF2-40B4-BE49-F238E27FC236}">
-                <a16:creationId xmlns:a16="http://schemas.microsoft.com/office/drawing/2014/main" id="{A985C547-771F-4BD4-ADA8-B270DC50BDBC}"/>
-              </a:ext>
-            </a:extLst>
-          </p:cNvPr>
+          <p:cNvPr id="9" name="Text Placeholder 8"/>
           <p:cNvSpPr>
             <a:spLocks noGrp="1"/>
           </p:cNvSpPr>
@@ -8972,18 +8125,13 @@
               <a:rPr lang="en-US" noProof="0"/>
               <a:t>Click to edit Master text styles</a:t>
             </a:r>
-          </a:p>
-        </p:txBody>
-      </p:sp>
-      <p:sp>
-        <p:nvSpPr>
-          <p:cNvPr id="16" name="Text Placeholder 8">
-            <a:extLst>
-              <a:ext uri="{FF2B5EF4-FFF2-40B4-BE49-F238E27FC236}">
-                <a16:creationId xmlns:a16="http://schemas.microsoft.com/office/drawing/2014/main" id="{5726DA1D-D34F-4505-9722-98586A88D858}"/>
-              </a:ext>
-            </a:extLst>
-          </p:cNvPr>
+            <a:endParaRPr lang="en-US" noProof="0"/>
+          </a:p>
+        </p:txBody>
+      </p:sp>
+      <p:sp>
+        <p:nvSpPr>
+          <p:cNvPr id="16" name="Text Placeholder 8"/>
           <p:cNvSpPr>
             <a:spLocks noGrp="1"/>
           </p:cNvSpPr>
@@ -9015,18 +8163,13 @@
               <a:rPr lang="en-US" noProof="0"/>
               <a:t>Click to edit Master text styles</a:t>
             </a:r>
-          </a:p>
-        </p:txBody>
-      </p:sp>
-      <p:sp>
-        <p:nvSpPr>
-          <p:cNvPr id="18" name="Text Placeholder 8">
-            <a:extLst>
-              <a:ext uri="{FF2B5EF4-FFF2-40B4-BE49-F238E27FC236}">
-                <a16:creationId xmlns:a16="http://schemas.microsoft.com/office/drawing/2014/main" id="{DA05F0E8-C4BA-4839-9D3B-C830E7398021}"/>
-              </a:ext>
-            </a:extLst>
-          </p:cNvPr>
+            <a:endParaRPr lang="en-US" noProof="0"/>
+          </a:p>
+        </p:txBody>
+      </p:sp>
+      <p:sp>
+        <p:nvSpPr>
+          <p:cNvPr id="18" name="Text Placeholder 8"/>
           <p:cNvSpPr>
             <a:spLocks noGrp="1"/>
           </p:cNvSpPr>
@@ -9058,18 +8201,13 @@
               <a:rPr lang="en-US" noProof="0"/>
               <a:t>Click to edit Master text styles</a:t>
             </a:r>
-          </a:p>
-        </p:txBody>
-      </p:sp>
-      <p:sp>
-        <p:nvSpPr>
-          <p:cNvPr id="19" name="Text Placeholder 8">
-            <a:extLst>
-              <a:ext uri="{FF2B5EF4-FFF2-40B4-BE49-F238E27FC236}">
-                <a16:creationId xmlns:a16="http://schemas.microsoft.com/office/drawing/2014/main" id="{3BDE5625-360A-435B-8812-2FFD30C937B1}"/>
-              </a:ext>
-            </a:extLst>
-          </p:cNvPr>
+            <a:endParaRPr lang="en-US" noProof="0"/>
+          </a:p>
+        </p:txBody>
+      </p:sp>
+      <p:sp>
+        <p:nvSpPr>
+          <p:cNvPr id="19" name="Text Placeholder 8"/>
           <p:cNvSpPr>
             <a:spLocks noGrp="1"/>
           </p:cNvSpPr>
@@ -9101,18 +8239,13 @@
               <a:rPr lang="en-US" noProof="0"/>
               <a:t>Click to edit Master text styles</a:t>
             </a:r>
-          </a:p>
-        </p:txBody>
-      </p:sp>
-      <p:sp>
-        <p:nvSpPr>
-          <p:cNvPr id="20" name="Text Placeholder 6">
-            <a:extLst>
-              <a:ext uri="{FF2B5EF4-FFF2-40B4-BE49-F238E27FC236}">
-                <a16:creationId xmlns:a16="http://schemas.microsoft.com/office/drawing/2014/main" id="{A4E9B315-244E-41A8-B655-63FCC22CCF4C}"/>
-              </a:ext>
-            </a:extLst>
-          </p:cNvPr>
+            <a:endParaRPr lang="en-US" noProof="0"/>
+          </a:p>
+        </p:txBody>
+      </p:sp>
+      <p:sp>
+        <p:nvSpPr>
+          <p:cNvPr id="20" name="Text Placeholder 6"/>
           <p:cNvSpPr>
             <a:spLocks noGrp="1"/>
           </p:cNvSpPr>
@@ -9148,35 +8281,15 @@
               <a:rPr lang="en-US" noProof="0"/>
               <a:t>Click to edit Master text styles</a:t>
             </a:r>
+            <a:endParaRPr lang="en-US" noProof="0"/>
           </a:p>
         </p:txBody>
       </p:sp>
     </p:spTree>
-    <p:extLst>
-      <p:ext uri="{BB962C8B-B14F-4D97-AF65-F5344CB8AC3E}">
-        <p14:creationId xmlns:p14="http://schemas.microsoft.com/office/powerpoint/2010/main" val="3836849831"/>
-      </p:ext>
-    </p:extLst>
   </p:cSld>
   <p:clrMapOvr>
     <a:masterClrMapping/>
   </p:clrMapOvr>
-  <p:extLst>
-    <p:ext uri="{DCECCB84-F9BA-43D5-87BE-67443E8EF086}">
-      <p15:sldGuideLst xmlns:p15="http://schemas.microsoft.com/office/powerpoint/2012/main">
-        <p15:guide id="1" orient="horz" pos="2160" userDrawn="1">
-          <p15:clr>
-            <a:srgbClr val="FBAE40"/>
-          </p15:clr>
-        </p15:guide>
-        <p15:guide id="2" pos="3864" userDrawn="1">
-          <p15:clr>
-            <a:srgbClr val="FBAE40"/>
-          </p15:clr>
-        </p15:guide>
-      </p15:sldGuideLst>
-    </p:ext>
-  </p:extLst>
 </p:sldLayout>
 </file>
 
@@ -9199,13 +8312,7 @@
       </p:grpSpPr>
       <p:sp>
         <p:nvSpPr>
-          <p:cNvPr id="7" name="Rectangle 6">
-            <a:extLst>
-              <a:ext uri="{FF2B5EF4-FFF2-40B4-BE49-F238E27FC236}">
-                <a16:creationId xmlns:a16="http://schemas.microsoft.com/office/drawing/2014/main" id="{BC0DB138-926E-4EF2-BFC2-93D610E35703}"/>
-              </a:ext>
-            </a:extLst>
-          </p:cNvPr>
+          <p:cNvPr id="7" name="Rectangle 6"/>
           <p:cNvSpPr/>
           <p:nvPr userDrawn="1"/>
         </p:nvSpPr>
@@ -9249,13 +8356,7 @@
       </p:sp>
       <p:sp>
         <p:nvSpPr>
-          <p:cNvPr id="10" name="Title 1">
-            <a:extLst>
-              <a:ext uri="{FF2B5EF4-FFF2-40B4-BE49-F238E27FC236}">
-                <a16:creationId xmlns:a16="http://schemas.microsoft.com/office/drawing/2014/main" id="{95B2C2DA-ADF3-D44B-8824-9B44E01F747F}"/>
-              </a:ext>
-            </a:extLst>
-          </p:cNvPr>
+          <p:cNvPr id="10" name="Title 1"/>
           <p:cNvSpPr>
             <a:spLocks noGrp="1"/>
           </p:cNvSpPr>
@@ -9283,18 +8384,13 @@
               <a:rPr lang="en-US" noProof="0"/>
               <a:t>Click to Add Slide Title Here</a:t>
             </a:r>
-          </a:p>
-        </p:txBody>
-      </p:sp>
-      <p:sp>
-        <p:nvSpPr>
-          <p:cNvPr id="17" name="Text Placeholder 11">
-            <a:extLst>
-              <a:ext uri="{FF2B5EF4-FFF2-40B4-BE49-F238E27FC236}">
-                <a16:creationId xmlns:a16="http://schemas.microsoft.com/office/drawing/2014/main" id="{6CAA743B-32D9-CE44-9E46-D38DB57EFACE}"/>
-              </a:ext>
-            </a:extLst>
-          </p:cNvPr>
+            <a:endParaRPr lang="en-US" noProof="0"/>
+          </a:p>
+        </p:txBody>
+      </p:sp>
+      <p:sp>
+        <p:nvSpPr>
+          <p:cNvPr id="17" name="Text Placeholder 11"/>
           <p:cNvSpPr>
             <a:spLocks noGrp="1"/>
           </p:cNvSpPr>
@@ -9356,18 +8452,13 @@
               <a:rPr lang="en-US" noProof="0"/>
               <a:t>SUBTITLE HERE</a:t>
             </a:r>
-          </a:p>
-        </p:txBody>
-      </p:sp>
-      <p:sp>
-        <p:nvSpPr>
-          <p:cNvPr id="5" name="Shape 62">
-            <a:extLst>
-              <a:ext uri="{FF2B5EF4-FFF2-40B4-BE49-F238E27FC236}">
-                <a16:creationId xmlns:a16="http://schemas.microsoft.com/office/drawing/2014/main" id="{00B58E1E-3AD1-467A-94AA-6578BE4756A3}"/>
-              </a:ext>
-            </a:extLst>
-          </p:cNvPr>
+            <a:endParaRPr lang="en-US" noProof="0"/>
+          </a:p>
+        </p:txBody>
+      </p:sp>
+      <p:sp>
+        <p:nvSpPr>
+          <p:cNvPr id="5" name="Shape 62"/>
           <p:cNvSpPr/>
           <p:nvPr userDrawn="1"/>
         </p:nvSpPr>
@@ -9407,13 +8498,7 @@
       </p:sp>
       <p:sp>
         <p:nvSpPr>
-          <p:cNvPr id="9" name="Text Placeholder 8">
-            <a:extLst>
-              <a:ext uri="{FF2B5EF4-FFF2-40B4-BE49-F238E27FC236}">
-                <a16:creationId xmlns:a16="http://schemas.microsoft.com/office/drawing/2014/main" id="{A985C547-771F-4BD4-ADA8-B270DC50BDBC}"/>
-              </a:ext>
-            </a:extLst>
-          </p:cNvPr>
+          <p:cNvPr id="9" name="Text Placeholder 8"/>
           <p:cNvSpPr>
             <a:spLocks noGrp="1"/>
           </p:cNvSpPr>
@@ -9443,18 +8528,13 @@
               <a:rPr lang="en-US" noProof="0"/>
               <a:t>Click to edit Master text styles</a:t>
             </a:r>
-          </a:p>
-        </p:txBody>
-      </p:sp>
-      <p:sp>
-        <p:nvSpPr>
-          <p:cNvPr id="16" name="Text Placeholder 8">
-            <a:extLst>
-              <a:ext uri="{FF2B5EF4-FFF2-40B4-BE49-F238E27FC236}">
-                <a16:creationId xmlns:a16="http://schemas.microsoft.com/office/drawing/2014/main" id="{5726DA1D-D34F-4505-9722-98586A88D858}"/>
-              </a:ext>
-            </a:extLst>
-          </p:cNvPr>
+            <a:endParaRPr lang="en-US" noProof="0"/>
+          </a:p>
+        </p:txBody>
+      </p:sp>
+      <p:sp>
+        <p:nvSpPr>
+          <p:cNvPr id="16" name="Text Placeholder 8"/>
           <p:cNvSpPr>
             <a:spLocks noGrp="1"/>
           </p:cNvSpPr>
@@ -9484,18 +8564,13 @@
               <a:rPr lang="en-US" noProof="0"/>
               <a:t>Click to edit Master text styles</a:t>
             </a:r>
-          </a:p>
-        </p:txBody>
-      </p:sp>
-      <p:sp>
-        <p:nvSpPr>
-          <p:cNvPr id="18" name="Text Placeholder 8">
-            <a:extLst>
-              <a:ext uri="{FF2B5EF4-FFF2-40B4-BE49-F238E27FC236}">
-                <a16:creationId xmlns:a16="http://schemas.microsoft.com/office/drawing/2014/main" id="{DA05F0E8-C4BA-4839-9D3B-C830E7398021}"/>
-              </a:ext>
-            </a:extLst>
-          </p:cNvPr>
+            <a:endParaRPr lang="en-US" noProof="0"/>
+          </a:p>
+        </p:txBody>
+      </p:sp>
+      <p:sp>
+        <p:nvSpPr>
+          <p:cNvPr id="18" name="Text Placeholder 8"/>
           <p:cNvSpPr>
             <a:spLocks noGrp="1"/>
           </p:cNvSpPr>
@@ -9525,18 +8600,13 @@
               <a:rPr lang="en-US" noProof="0"/>
               <a:t>Click to edit Master text styles</a:t>
             </a:r>
-          </a:p>
-        </p:txBody>
-      </p:sp>
-      <p:sp>
-        <p:nvSpPr>
-          <p:cNvPr id="19" name="Text Placeholder 8">
-            <a:extLst>
-              <a:ext uri="{FF2B5EF4-FFF2-40B4-BE49-F238E27FC236}">
-                <a16:creationId xmlns:a16="http://schemas.microsoft.com/office/drawing/2014/main" id="{3BDE5625-360A-435B-8812-2FFD30C937B1}"/>
-              </a:ext>
-            </a:extLst>
-          </p:cNvPr>
+            <a:endParaRPr lang="en-US" noProof="0"/>
+          </a:p>
+        </p:txBody>
+      </p:sp>
+      <p:sp>
+        <p:nvSpPr>
+          <p:cNvPr id="19" name="Text Placeholder 8"/>
           <p:cNvSpPr>
             <a:spLocks noGrp="1"/>
           </p:cNvSpPr>
@@ -9566,18 +8636,13 @@
               <a:rPr lang="en-US" noProof="0"/>
               <a:t>Click to edit Master text styles</a:t>
             </a:r>
-          </a:p>
-        </p:txBody>
-      </p:sp>
-      <p:sp>
-        <p:nvSpPr>
-          <p:cNvPr id="20" name="Text Placeholder 6">
-            <a:extLst>
-              <a:ext uri="{FF2B5EF4-FFF2-40B4-BE49-F238E27FC236}">
-                <a16:creationId xmlns:a16="http://schemas.microsoft.com/office/drawing/2014/main" id="{A4E9B315-244E-41A8-B655-63FCC22CCF4C}"/>
-              </a:ext>
-            </a:extLst>
-          </p:cNvPr>
+            <a:endParaRPr lang="en-US" noProof="0"/>
+          </a:p>
+        </p:txBody>
+      </p:sp>
+      <p:sp>
+        <p:nvSpPr>
+          <p:cNvPr id="20" name="Text Placeholder 6"/>
           <p:cNvSpPr>
             <a:spLocks noGrp="1"/>
           </p:cNvSpPr>
@@ -9613,18 +8678,13 @@
               <a:rPr lang="en-US" noProof="0"/>
               <a:t>Click to edit Master text styles</a:t>
             </a:r>
-          </a:p>
-        </p:txBody>
-      </p:sp>
-      <p:sp>
-        <p:nvSpPr>
-          <p:cNvPr id="15" name="Picture Placeholder 5">
-            <a:extLst>
-              <a:ext uri="{FF2B5EF4-FFF2-40B4-BE49-F238E27FC236}">
-                <a16:creationId xmlns:a16="http://schemas.microsoft.com/office/drawing/2014/main" id="{EADDC907-00BA-437D-8631-DCDAA19616AC}"/>
-              </a:ext>
-            </a:extLst>
-          </p:cNvPr>
+            <a:endParaRPr lang="en-US" noProof="0"/>
+          </a:p>
+        </p:txBody>
+      </p:sp>
+      <p:sp>
+        <p:nvSpPr>
+          <p:cNvPr id="15" name="Picture Placeholder 5"/>
           <p:cNvSpPr>
             <a:spLocks noGrp="1"/>
           </p:cNvSpPr>
@@ -9669,13 +8729,7 @@
       </p:sp>
       <p:sp>
         <p:nvSpPr>
-          <p:cNvPr id="21" name="Picture Placeholder 5">
-            <a:extLst>
-              <a:ext uri="{FF2B5EF4-FFF2-40B4-BE49-F238E27FC236}">
-                <a16:creationId xmlns:a16="http://schemas.microsoft.com/office/drawing/2014/main" id="{44A0EDB5-B80A-4225-9741-99690ADBCE8D}"/>
-              </a:ext>
-            </a:extLst>
-          </p:cNvPr>
+          <p:cNvPr id="21" name="Picture Placeholder 5"/>
           <p:cNvSpPr>
             <a:spLocks noGrp="1"/>
           </p:cNvSpPr>
@@ -9721,13 +8775,7 @@
       </p:sp>
       <p:sp>
         <p:nvSpPr>
-          <p:cNvPr id="22" name="Picture Placeholder 5">
-            <a:extLst>
-              <a:ext uri="{FF2B5EF4-FFF2-40B4-BE49-F238E27FC236}">
-                <a16:creationId xmlns:a16="http://schemas.microsoft.com/office/drawing/2014/main" id="{E5C18081-A6EE-421D-96AC-0A7FA46F744A}"/>
-              </a:ext>
-            </a:extLst>
-          </p:cNvPr>
+          <p:cNvPr id="22" name="Picture Placeholder 5"/>
           <p:cNvSpPr>
             <a:spLocks noGrp="1"/>
           </p:cNvSpPr>
@@ -9773,13 +8821,7 @@
       </p:sp>
       <p:sp>
         <p:nvSpPr>
-          <p:cNvPr id="23" name="Picture Placeholder 5">
-            <a:extLst>
-              <a:ext uri="{FF2B5EF4-FFF2-40B4-BE49-F238E27FC236}">
-                <a16:creationId xmlns:a16="http://schemas.microsoft.com/office/drawing/2014/main" id="{1D21CB0A-3210-4B51-85A0-5111AEBA214F}"/>
-              </a:ext>
-            </a:extLst>
-          </p:cNvPr>
+          <p:cNvPr id="23" name="Picture Placeholder 5"/>
           <p:cNvSpPr>
             <a:spLocks noGrp="1"/>
           </p:cNvSpPr>
@@ -9824,31 +8866,10 @@
         </p:txBody>
       </p:sp>
     </p:spTree>
-    <p:extLst>
-      <p:ext uri="{BB962C8B-B14F-4D97-AF65-F5344CB8AC3E}">
-        <p14:creationId xmlns:p14="http://schemas.microsoft.com/office/powerpoint/2010/main" val="4144426491"/>
-      </p:ext>
-    </p:extLst>
   </p:cSld>
   <p:clrMapOvr>
     <a:masterClrMapping/>
   </p:clrMapOvr>
-  <p:extLst>
-    <p:ext uri="{DCECCB84-F9BA-43D5-87BE-67443E8EF086}">
-      <p15:sldGuideLst xmlns:p15="http://schemas.microsoft.com/office/powerpoint/2012/main">
-        <p15:guide id="1" orient="horz" pos="2160">
-          <p15:clr>
-            <a:srgbClr val="FBAE40"/>
-          </p15:clr>
-        </p15:guide>
-        <p15:guide id="2" pos="5382" userDrawn="1">
-          <p15:clr>
-            <a:srgbClr val="FBAE40"/>
-          </p15:clr>
-        </p15:guide>
-      </p15:sldGuideLst>
-    </p:ext>
-  </p:extLst>
 </p:sldLayout>
 </file>
 
@@ -9879,13 +8900,7 @@
       </p:grpSpPr>
       <p:sp>
         <p:nvSpPr>
-          <p:cNvPr id="6" name="Title 1">
-            <a:extLst>
-              <a:ext uri="{FF2B5EF4-FFF2-40B4-BE49-F238E27FC236}">
-                <a16:creationId xmlns:a16="http://schemas.microsoft.com/office/drawing/2014/main" id="{AA99C074-A230-B944-8FEA-870A76765C60}"/>
-              </a:ext>
-            </a:extLst>
-          </p:cNvPr>
+          <p:cNvPr id="6" name="Title 1"/>
           <p:cNvSpPr>
             <a:spLocks noGrp="1"/>
           </p:cNvSpPr>
@@ -9918,18 +8933,13 @@
               <a:rPr lang="en-US" dirty="0"/>
               <a:t>CLICK TO ADD TITLE</a:t>
             </a:r>
-          </a:p>
-        </p:txBody>
-      </p:sp>
-      <p:sp>
-        <p:nvSpPr>
-          <p:cNvPr id="13" name="Text Placeholder 12">
-            <a:extLst>
-              <a:ext uri="{FF2B5EF4-FFF2-40B4-BE49-F238E27FC236}">
-                <a16:creationId xmlns:a16="http://schemas.microsoft.com/office/drawing/2014/main" id="{1221857D-ECFA-4D4D-91DF-E36500791501}"/>
-              </a:ext>
-            </a:extLst>
-          </p:cNvPr>
+            <a:endParaRPr lang="en-US" dirty="0"/>
+          </a:p>
+        </p:txBody>
+      </p:sp>
+      <p:sp>
+        <p:nvSpPr>
+          <p:cNvPr id="13" name="Text Placeholder 12"/>
           <p:cNvSpPr>
             <a:spLocks noGrp="1"/>
           </p:cNvSpPr>
@@ -9965,18 +8975,13 @@
               <a:rPr lang="en-US" dirty="0"/>
               <a:t>SUBTITLE GOES HERE</a:t>
             </a:r>
-          </a:p>
-        </p:txBody>
-      </p:sp>
-      <p:sp>
-        <p:nvSpPr>
-          <p:cNvPr id="5" name="Shape 62">
-            <a:extLst>
-              <a:ext uri="{FF2B5EF4-FFF2-40B4-BE49-F238E27FC236}">
-                <a16:creationId xmlns:a16="http://schemas.microsoft.com/office/drawing/2014/main" id="{E1A23DB6-E067-4A30-8C4B-98B452428518}"/>
-              </a:ext>
-            </a:extLst>
-          </p:cNvPr>
+            <a:endParaRPr lang="en-US" dirty="0"/>
+          </a:p>
+        </p:txBody>
+      </p:sp>
+      <p:sp>
+        <p:nvSpPr>
+          <p:cNvPr id="5" name="Shape 62"/>
           <p:cNvSpPr/>
           <p:nvPr userDrawn="1"/>
         </p:nvSpPr>
@@ -10016,13 +9021,7 @@
       </p:sp>
       <p:sp>
         <p:nvSpPr>
-          <p:cNvPr id="20" name="Picture Placeholder 4">
-            <a:extLst>
-              <a:ext uri="{FF2B5EF4-FFF2-40B4-BE49-F238E27FC236}">
-                <a16:creationId xmlns:a16="http://schemas.microsoft.com/office/drawing/2014/main" id="{99E7C9A1-D1C2-4923-B0AE-127044646A05}"/>
-              </a:ext>
-            </a:extLst>
-          </p:cNvPr>
+          <p:cNvPr id="20" name="Picture Placeholder 4"/>
           <p:cNvSpPr>
             <a:spLocks noGrp="1"/>
           </p:cNvSpPr>
@@ -10052,11 +9051,6 @@
         </p:txBody>
       </p:sp>
     </p:spTree>
-    <p:extLst>
-      <p:ext uri="{BB962C8B-B14F-4D97-AF65-F5344CB8AC3E}">
-        <p14:creationId xmlns:p14="http://schemas.microsoft.com/office/powerpoint/2010/main" val="853328504"/>
-      </p:ext>
-    </p:extLst>
   </p:cSld>
   <p:clrMapOvr>
     <a:masterClrMapping/>
@@ -10083,13 +9077,7 @@
       </p:grpSpPr>
       <p:sp>
         <p:nvSpPr>
-          <p:cNvPr id="3" name="Picture Placeholder 2">
-            <a:extLst>
-              <a:ext uri="{FF2B5EF4-FFF2-40B4-BE49-F238E27FC236}">
-                <a16:creationId xmlns:a16="http://schemas.microsoft.com/office/drawing/2014/main" id="{3834DECF-152F-4E39-AD49-1ADCE9F759DB}"/>
-              </a:ext>
-            </a:extLst>
-          </p:cNvPr>
+          <p:cNvPr id="3" name="Picture Placeholder 2"/>
           <p:cNvSpPr>
             <a:spLocks noGrp="1"/>
           </p:cNvSpPr>
@@ -10123,13 +9111,7 @@
       </p:sp>
       <p:sp>
         <p:nvSpPr>
-          <p:cNvPr id="10" name="Title 1">
-            <a:extLst>
-              <a:ext uri="{FF2B5EF4-FFF2-40B4-BE49-F238E27FC236}">
-                <a16:creationId xmlns:a16="http://schemas.microsoft.com/office/drawing/2014/main" id="{95B2C2DA-ADF3-D44B-8824-9B44E01F747F}"/>
-              </a:ext>
-            </a:extLst>
-          </p:cNvPr>
+          <p:cNvPr id="10" name="Title 1"/>
           <p:cNvSpPr>
             <a:spLocks noGrp="1"/>
           </p:cNvSpPr>
@@ -10166,18 +9148,13 @@
               <a:rPr lang="en-US" noProof="0"/>
               <a:t>Slide Title Here</a:t>
             </a:r>
-          </a:p>
-        </p:txBody>
-      </p:sp>
-      <p:sp>
-        <p:nvSpPr>
-          <p:cNvPr id="17" name="Text Placeholder 11">
-            <a:extLst>
-              <a:ext uri="{FF2B5EF4-FFF2-40B4-BE49-F238E27FC236}">
-                <a16:creationId xmlns:a16="http://schemas.microsoft.com/office/drawing/2014/main" id="{6CAA743B-32D9-CE44-9E46-D38DB57EFACE}"/>
-              </a:ext>
-            </a:extLst>
-          </p:cNvPr>
+            <a:endParaRPr lang="en-US" noProof="0"/>
+          </a:p>
+        </p:txBody>
+      </p:sp>
+      <p:sp>
+        <p:nvSpPr>
+          <p:cNvPr id="17" name="Text Placeholder 11"/>
           <p:cNvSpPr>
             <a:spLocks noGrp="1"/>
           </p:cNvSpPr>
@@ -10239,18 +9216,13 @@
               <a:rPr lang="en-US" noProof="0"/>
               <a:t>SUBTITLE HERE</a:t>
             </a:r>
-          </a:p>
-        </p:txBody>
-      </p:sp>
-      <p:sp>
-        <p:nvSpPr>
-          <p:cNvPr id="5" name="Shape 62">
-            <a:extLst>
-              <a:ext uri="{FF2B5EF4-FFF2-40B4-BE49-F238E27FC236}">
-                <a16:creationId xmlns:a16="http://schemas.microsoft.com/office/drawing/2014/main" id="{00B58E1E-3AD1-467A-94AA-6578BE4756A3}"/>
-              </a:ext>
-            </a:extLst>
-          </p:cNvPr>
+            <a:endParaRPr lang="en-US" noProof="0"/>
+          </a:p>
+        </p:txBody>
+      </p:sp>
+      <p:sp>
+        <p:nvSpPr>
+          <p:cNvPr id="5" name="Shape 62"/>
           <p:cNvSpPr/>
           <p:nvPr userDrawn="1"/>
         </p:nvSpPr>
@@ -10290,13 +9262,7 @@
       </p:sp>
       <p:sp>
         <p:nvSpPr>
-          <p:cNvPr id="9" name="Text Placeholder 8">
-            <a:extLst>
-              <a:ext uri="{FF2B5EF4-FFF2-40B4-BE49-F238E27FC236}">
-                <a16:creationId xmlns:a16="http://schemas.microsoft.com/office/drawing/2014/main" id="{A985C547-771F-4BD4-ADA8-B270DC50BDBC}"/>
-              </a:ext>
-            </a:extLst>
-          </p:cNvPr>
+          <p:cNvPr id="9" name="Text Placeholder 8"/>
           <p:cNvSpPr>
             <a:spLocks noGrp="1"/>
           </p:cNvSpPr>
@@ -10326,18 +9292,13 @@
               <a:rPr lang="en-US" noProof="0"/>
               <a:t>Click to edit Master text styles</a:t>
             </a:r>
-          </a:p>
-        </p:txBody>
-      </p:sp>
-      <p:sp>
-        <p:nvSpPr>
-          <p:cNvPr id="16" name="Text Placeholder 8">
-            <a:extLst>
-              <a:ext uri="{FF2B5EF4-FFF2-40B4-BE49-F238E27FC236}">
-                <a16:creationId xmlns:a16="http://schemas.microsoft.com/office/drawing/2014/main" id="{5726DA1D-D34F-4505-9722-98586A88D858}"/>
-              </a:ext>
-            </a:extLst>
-          </p:cNvPr>
+            <a:endParaRPr lang="en-US" noProof="0"/>
+          </a:p>
+        </p:txBody>
+      </p:sp>
+      <p:sp>
+        <p:nvSpPr>
+          <p:cNvPr id="16" name="Text Placeholder 8"/>
           <p:cNvSpPr>
             <a:spLocks noGrp="1"/>
           </p:cNvSpPr>
@@ -10367,18 +9328,13 @@
               <a:rPr lang="en-US" noProof="0"/>
               <a:t>Click to edit Master text styles</a:t>
             </a:r>
-          </a:p>
-        </p:txBody>
-      </p:sp>
-      <p:sp>
-        <p:nvSpPr>
-          <p:cNvPr id="18" name="Text Placeholder 8">
-            <a:extLst>
-              <a:ext uri="{FF2B5EF4-FFF2-40B4-BE49-F238E27FC236}">
-                <a16:creationId xmlns:a16="http://schemas.microsoft.com/office/drawing/2014/main" id="{DA05F0E8-C4BA-4839-9D3B-C830E7398021}"/>
-              </a:ext>
-            </a:extLst>
-          </p:cNvPr>
+            <a:endParaRPr lang="en-US" noProof="0"/>
+          </a:p>
+        </p:txBody>
+      </p:sp>
+      <p:sp>
+        <p:nvSpPr>
+          <p:cNvPr id="18" name="Text Placeholder 8"/>
           <p:cNvSpPr>
             <a:spLocks noGrp="1"/>
           </p:cNvSpPr>
@@ -10408,18 +9364,13 @@
               <a:rPr lang="en-US" noProof="0"/>
               <a:t>Click to edit Master text styles</a:t>
             </a:r>
-          </a:p>
-        </p:txBody>
-      </p:sp>
-      <p:sp>
-        <p:nvSpPr>
-          <p:cNvPr id="19" name="Text Placeholder 8">
-            <a:extLst>
-              <a:ext uri="{FF2B5EF4-FFF2-40B4-BE49-F238E27FC236}">
-                <a16:creationId xmlns:a16="http://schemas.microsoft.com/office/drawing/2014/main" id="{3BDE5625-360A-435B-8812-2FFD30C937B1}"/>
-              </a:ext>
-            </a:extLst>
-          </p:cNvPr>
+            <a:endParaRPr lang="en-US" noProof="0"/>
+          </a:p>
+        </p:txBody>
+      </p:sp>
+      <p:sp>
+        <p:nvSpPr>
+          <p:cNvPr id="19" name="Text Placeholder 8"/>
           <p:cNvSpPr>
             <a:spLocks noGrp="1"/>
           </p:cNvSpPr>
@@ -10449,18 +9400,13 @@
               <a:rPr lang="en-US" noProof="0"/>
               <a:t>Click to edit Master text styles</a:t>
             </a:r>
-          </a:p>
-        </p:txBody>
-      </p:sp>
-      <p:sp>
-        <p:nvSpPr>
-          <p:cNvPr id="15" name="Picture Placeholder 5">
-            <a:extLst>
-              <a:ext uri="{FF2B5EF4-FFF2-40B4-BE49-F238E27FC236}">
-                <a16:creationId xmlns:a16="http://schemas.microsoft.com/office/drawing/2014/main" id="{EADDC907-00BA-437D-8631-DCDAA19616AC}"/>
-              </a:ext>
-            </a:extLst>
-          </p:cNvPr>
+            <a:endParaRPr lang="en-US" noProof="0"/>
+          </a:p>
+        </p:txBody>
+      </p:sp>
+      <p:sp>
+        <p:nvSpPr>
+          <p:cNvPr id="15" name="Picture Placeholder 5"/>
           <p:cNvSpPr>
             <a:spLocks noGrp="1"/>
           </p:cNvSpPr>
@@ -10503,13 +9449,7 @@
       </p:sp>
       <p:sp>
         <p:nvSpPr>
-          <p:cNvPr id="21" name="Picture Placeholder 5">
-            <a:extLst>
-              <a:ext uri="{FF2B5EF4-FFF2-40B4-BE49-F238E27FC236}">
-                <a16:creationId xmlns:a16="http://schemas.microsoft.com/office/drawing/2014/main" id="{44A0EDB5-B80A-4225-9741-99690ADBCE8D}"/>
-              </a:ext>
-            </a:extLst>
-          </p:cNvPr>
+          <p:cNvPr id="21" name="Picture Placeholder 5"/>
           <p:cNvSpPr>
             <a:spLocks noGrp="1"/>
           </p:cNvSpPr>
@@ -10553,13 +9493,7 @@
       </p:sp>
       <p:sp>
         <p:nvSpPr>
-          <p:cNvPr id="22" name="Picture Placeholder 5">
-            <a:extLst>
-              <a:ext uri="{FF2B5EF4-FFF2-40B4-BE49-F238E27FC236}">
-                <a16:creationId xmlns:a16="http://schemas.microsoft.com/office/drawing/2014/main" id="{E5C18081-A6EE-421D-96AC-0A7FA46F744A}"/>
-              </a:ext>
-            </a:extLst>
-          </p:cNvPr>
+          <p:cNvPr id="22" name="Picture Placeholder 5"/>
           <p:cNvSpPr>
             <a:spLocks noGrp="1"/>
           </p:cNvSpPr>
@@ -10603,13 +9537,7 @@
       </p:sp>
       <p:sp>
         <p:nvSpPr>
-          <p:cNvPr id="23" name="Picture Placeholder 5">
-            <a:extLst>
-              <a:ext uri="{FF2B5EF4-FFF2-40B4-BE49-F238E27FC236}">
-                <a16:creationId xmlns:a16="http://schemas.microsoft.com/office/drawing/2014/main" id="{1D21CB0A-3210-4B51-85A0-5111AEBA214F}"/>
-              </a:ext>
-            </a:extLst>
-          </p:cNvPr>
+          <p:cNvPr id="23" name="Picture Placeholder 5"/>
           <p:cNvSpPr>
             <a:spLocks noGrp="1"/>
           </p:cNvSpPr>
@@ -10652,31 +9580,10 @@
         </p:txBody>
       </p:sp>
     </p:spTree>
-    <p:extLst>
-      <p:ext uri="{BB962C8B-B14F-4D97-AF65-F5344CB8AC3E}">
-        <p14:creationId xmlns:p14="http://schemas.microsoft.com/office/powerpoint/2010/main" val="2219225103"/>
-      </p:ext>
-    </p:extLst>
   </p:cSld>
   <p:clrMapOvr>
     <a:masterClrMapping/>
   </p:clrMapOvr>
-  <p:extLst>
-    <p:ext uri="{DCECCB84-F9BA-43D5-87BE-67443E8EF086}">
-      <p15:sldGuideLst xmlns:p15="http://schemas.microsoft.com/office/powerpoint/2012/main">
-        <p15:guide id="1" orient="horz" pos="2160">
-          <p15:clr>
-            <a:srgbClr val="FBAE40"/>
-          </p15:clr>
-        </p15:guide>
-        <p15:guide id="2" pos="3863">
-          <p15:clr>
-            <a:srgbClr val="FBAE40"/>
-          </p15:clr>
-        </p15:guide>
-      </p15:sldGuideLst>
-    </p:ext>
-  </p:extLst>
 </p:sldLayout>
 </file>
 
@@ -10699,13 +9606,7 @@
       </p:grpSpPr>
       <p:sp>
         <p:nvSpPr>
-          <p:cNvPr id="7" name="Rectangle 6">
-            <a:extLst>
-              <a:ext uri="{FF2B5EF4-FFF2-40B4-BE49-F238E27FC236}">
-                <a16:creationId xmlns:a16="http://schemas.microsoft.com/office/drawing/2014/main" id="{BC0DB138-926E-4EF2-BFC2-93D610E35703}"/>
-              </a:ext>
-            </a:extLst>
-          </p:cNvPr>
+          <p:cNvPr id="7" name="Rectangle 6"/>
           <p:cNvSpPr/>
           <p:nvPr userDrawn="1"/>
         </p:nvSpPr>
@@ -10749,13 +9650,7 @@
       </p:sp>
       <p:sp>
         <p:nvSpPr>
-          <p:cNvPr id="10" name="Title 1">
-            <a:extLst>
-              <a:ext uri="{FF2B5EF4-FFF2-40B4-BE49-F238E27FC236}">
-                <a16:creationId xmlns:a16="http://schemas.microsoft.com/office/drawing/2014/main" id="{95B2C2DA-ADF3-D44B-8824-9B44E01F747F}"/>
-              </a:ext>
-            </a:extLst>
-          </p:cNvPr>
+          <p:cNvPr id="10" name="Title 1"/>
           <p:cNvSpPr>
             <a:spLocks noGrp="1"/>
           </p:cNvSpPr>
@@ -10785,18 +9680,13 @@
               <a:rPr lang="en-US" noProof="0"/>
               <a:t>Click to Add Slide Title Here</a:t>
             </a:r>
-          </a:p>
-        </p:txBody>
-      </p:sp>
-      <p:sp>
-        <p:nvSpPr>
-          <p:cNvPr id="6" name="Picture Placeholder 5">
-            <a:extLst>
-              <a:ext uri="{FF2B5EF4-FFF2-40B4-BE49-F238E27FC236}">
-                <a16:creationId xmlns:a16="http://schemas.microsoft.com/office/drawing/2014/main" id="{8C7AA169-6546-4620-BD7B-7B36553C28F7}"/>
-              </a:ext>
-            </a:extLst>
-          </p:cNvPr>
+            <a:endParaRPr lang="en-US" noProof="0"/>
+          </a:p>
+        </p:txBody>
+      </p:sp>
+      <p:sp>
+        <p:nvSpPr>
+          <p:cNvPr id="6" name="Picture Placeholder 5"/>
           <p:cNvSpPr>
             <a:spLocks noGrp="1"/>
           </p:cNvSpPr>
@@ -10841,13 +9731,7 @@
       </p:sp>
       <p:sp>
         <p:nvSpPr>
-          <p:cNvPr id="11" name="Picture Placeholder 5">
-            <a:extLst>
-              <a:ext uri="{FF2B5EF4-FFF2-40B4-BE49-F238E27FC236}">
-                <a16:creationId xmlns:a16="http://schemas.microsoft.com/office/drawing/2014/main" id="{CE9C16DA-A24B-4516-BCC8-C747730478D8}"/>
-              </a:ext>
-            </a:extLst>
-          </p:cNvPr>
+          <p:cNvPr id="11" name="Picture Placeholder 5"/>
           <p:cNvSpPr>
             <a:spLocks noGrp="1"/>
           </p:cNvSpPr>
@@ -10893,13 +9777,7 @@
       </p:sp>
       <p:sp>
         <p:nvSpPr>
-          <p:cNvPr id="13" name="Picture Placeholder 5">
-            <a:extLst>
-              <a:ext uri="{FF2B5EF4-FFF2-40B4-BE49-F238E27FC236}">
-                <a16:creationId xmlns:a16="http://schemas.microsoft.com/office/drawing/2014/main" id="{A498122E-BB6F-4765-B85E-6410B9CE17AC}"/>
-              </a:ext>
-            </a:extLst>
-          </p:cNvPr>
+          <p:cNvPr id="13" name="Picture Placeholder 5"/>
           <p:cNvSpPr>
             <a:spLocks noGrp="1"/>
           </p:cNvSpPr>
@@ -10945,13 +9823,7 @@
       </p:sp>
       <p:sp>
         <p:nvSpPr>
-          <p:cNvPr id="14" name="Picture Placeholder 5">
-            <a:extLst>
-              <a:ext uri="{FF2B5EF4-FFF2-40B4-BE49-F238E27FC236}">
-                <a16:creationId xmlns:a16="http://schemas.microsoft.com/office/drawing/2014/main" id="{D19B2F25-5E98-4166-8476-BE599D16121D}"/>
-              </a:ext>
-            </a:extLst>
-          </p:cNvPr>
+          <p:cNvPr id="14" name="Picture Placeholder 5"/>
           <p:cNvSpPr>
             <a:spLocks noGrp="1"/>
           </p:cNvSpPr>
@@ -10997,13 +9869,7 @@
       </p:sp>
       <p:sp>
         <p:nvSpPr>
-          <p:cNvPr id="9" name="Text Placeholder 8">
-            <a:extLst>
-              <a:ext uri="{FF2B5EF4-FFF2-40B4-BE49-F238E27FC236}">
-                <a16:creationId xmlns:a16="http://schemas.microsoft.com/office/drawing/2014/main" id="{A985C547-771F-4BD4-ADA8-B270DC50BDBC}"/>
-              </a:ext>
-            </a:extLst>
-          </p:cNvPr>
+          <p:cNvPr id="9" name="Text Placeholder 8"/>
           <p:cNvSpPr>
             <a:spLocks noGrp="1"/>
           </p:cNvSpPr>
@@ -11033,18 +9899,13 @@
               <a:rPr lang="en-US" noProof="0"/>
               <a:t>Click to edit Master text styles</a:t>
             </a:r>
-          </a:p>
-        </p:txBody>
-      </p:sp>
-      <p:sp>
-        <p:nvSpPr>
-          <p:cNvPr id="16" name="Text Placeholder 8">
-            <a:extLst>
-              <a:ext uri="{FF2B5EF4-FFF2-40B4-BE49-F238E27FC236}">
-                <a16:creationId xmlns:a16="http://schemas.microsoft.com/office/drawing/2014/main" id="{5726DA1D-D34F-4505-9722-98586A88D858}"/>
-              </a:ext>
-            </a:extLst>
-          </p:cNvPr>
+            <a:endParaRPr lang="en-US" noProof="0"/>
+          </a:p>
+        </p:txBody>
+      </p:sp>
+      <p:sp>
+        <p:nvSpPr>
+          <p:cNvPr id="16" name="Text Placeholder 8"/>
           <p:cNvSpPr>
             <a:spLocks noGrp="1"/>
           </p:cNvSpPr>
@@ -11074,18 +9935,13 @@
               <a:rPr lang="en-US" noProof="0"/>
               <a:t>Click to edit Master text styles</a:t>
             </a:r>
-          </a:p>
-        </p:txBody>
-      </p:sp>
-      <p:sp>
-        <p:nvSpPr>
-          <p:cNvPr id="18" name="Text Placeholder 8">
-            <a:extLst>
-              <a:ext uri="{FF2B5EF4-FFF2-40B4-BE49-F238E27FC236}">
-                <a16:creationId xmlns:a16="http://schemas.microsoft.com/office/drawing/2014/main" id="{DA05F0E8-C4BA-4839-9D3B-C830E7398021}"/>
-              </a:ext>
-            </a:extLst>
-          </p:cNvPr>
+            <a:endParaRPr lang="en-US" noProof="0"/>
+          </a:p>
+        </p:txBody>
+      </p:sp>
+      <p:sp>
+        <p:nvSpPr>
+          <p:cNvPr id="18" name="Text Placeholder 8"/>
           <p:cNvSpPr>
             <a:spLocks noGrp="1"/>
           </p:cNvSpPr>
@@ -11115,18 +9971,13 @@
               <a:rPr lang="en-US" noProof="0"/>
               <a:t>Click to edit Master text styles</a:t>
             </a:r>
-          </a:p>
-        </p:txBody>
-      </p:sp>
-      <p:sp>
-        <p:nvSpPr>
-          <p:cNvPr id="19" name="Text Placeholder 8">
-            <a:extLst>
-              <a:ext uri="{FF2B5EF4-FFF2-40B4-BE49-F238E27FC236}">
-                <a16:creationId xmlns:a16="http://schemas.microsoft.com/office/drawing/2014/main" id="{3BDE5625-360A-435B-8812-2FFD30C937B1}"/>
-              </a:ext>
-            </a:extLst>
-          </p:cNvPr>
+            <a:endParaRPr lang="en-US" noProof="0"/>
+          </a:p>
+        </p:txBody>
+      </p:sp>
+      <p:sp>
+        <p:nvSpPr>
+          <p:cNvPr id="19" name="Text Placeholder 8"/>
           <p:cNvSpPr>
             <a:spLocks noGrp="1"/>
           </p:cNvSpPr>
@@ -11156,18 +10007,13 @@
               <a:rPr lang="en-US" noProof="0"/>
               <a:t>Click to edit Master text styles</a:t>
             </a:r>
-          </a:p>
-        </p:txBody>
-      </p:sp>
-      <p:sp>
-        <p:nvSpPr>
-          <p:cNvPr id="20" name="Text Placeholder 6">
-            <a:extLst>
-              <a:ext uri="{FF2B5EF4-FFF2-40B4-BE49-F238E27FC236}">
-                <a16:creationId xmlns:a16="http://schemas.microsoft.com/office/drawing/2014/main" id="{A4E9B315-244E-41A8-B655-63FCC22CCF4C}"/>
-              </a:ext>
-            </a:extLst>
-          </p:cNvPr>
+            <a:endParaRPr lang="en-US" noProof="0"/>
+          </a:p>
+        </p:txBody>
+      </p:sp>
+      <p:sp>
+        <p:nvSpPr>
+          <p:cNvPr id="20" name="Text Placeholder 6"/>
           <p:cNvSpPr>
             <a:spLocks noGrp="1"/>
           </p:cNvSpPr>
@@ -11203,35 +10049,15 @@
               <a:rPr lang="en-US" noProof="0"/>
               <a:t>Click to edit Master text styles</a:t>
             </a:r>
+            <a:endParaRPr lang="en-US" noProof="0"/>
           </a:p>
         </p:txBody>
       </p:sp>
     </p:spTree>
-    <p:extLst>
-      <p:ext uri="{BB962C8B-B14F-4D97-AF65-F5344CB8AC3E}">
-        <p14:creationId xmlns:p14="http://schemas.microsoft.com/office/powerpoint/2010/main" val="638410284"/>
-      </p:ext>
-    </p:extLst>
   </p:cSld>
   <p:clrMapOvr>
     <a:masterClrMapping/>
   </p:clrMapOvr>
-  <p:extLst>
-    <p:ext uri="{DCECCB84-F9BA-43D5-87BE-67443E8EF086}">
-      <p15:sldGuideLst xmlns:p15="http://schemas.microsoft.com/office/powerpoint/2012/main">
-        <p15:guide id="1" orient="horz" pos="2160">
-          <p15:clr>
-            <a:srgbClr val="FBAE40"/>
-          </p15:clr>
-        </p15:guide>
-        <p15:guide id="2" pos="3864">
-          <p15:clr>
-            <a:srgbClr val="FBAE40"/>
-          </p15:clr>
-        </p15:guide>
-      </p15:sldGuideLst>
-    </p:ext>
-  </p:extLst>
 </p:sldLayout>
 </file>
 
@@ -11254,13 +10080,7 @@
       </p:grpSpPr>
       <p:sp>
         <p:nvSpPr>
-          <p:cNvPr id="10" name="Title 1">
-            <a:extLst>
-              <a:ext uri="{FF2B5EF4-FFF2-40B4-BE49-F238E27FC236}">
-                <a16:creationId xmlns:a16="http://schemas.microsoft.com/office/drawing/2014/main" id="{95B2C2DA-ADF3-D44B-8824-9B44E01F747F}"/>
-              </a:ext>
-            </a:extLst>
-          </p:cNvPr>
+          <p:cNvPr id="10" name="Title 1"/>
           <p:cNvSpPr>
             <a:spLocks noGrp="1"/>
           </p:cNvSpPr>
@@ -11290,18 +10110,13 @@
               <a:rPr lang="en-US" noProof="0"/>
               <a:t>Click to Add Slide Title Here</a:t>
             </a:r>
-          </a:p>
-        </p:txBody>
-      </p:sp>
-      <p:sp>
-        <p:nvSpPr>
-          <p:cNvPr id="6" name="Picture Placeholder 5">
-            <a:extLst>
-              <a:ext uri="{FF2B5EF4-FFF2-40B4-BE49-F238E27FC236}">
-                <a16:creationId xmlns:a16="http://schemas.microsoft.com/office/drawing/2014/main" id="{8C7AA169-6546-4620-BD7B-7B36553C28F7}"/>
-              </a:ext>
-            </a:extLst>
-          </p:cNvPr>
+            <a:endParaRPr lang="en-US" noProof="0"/>
+          </a:p>
+        </p:txBody>
+      </p:sp>
+      <p:sp>
+        <p:nvSpPr>
+          <p:cNvPr id="6" name="Picture Placeholder 5"/>
           <p:cNvSpPr>
             <a:spLocks noGrp="1"/>
           </p:cNvSpPr>
@@ -11346,13 +10161,7 @@
       </p:sp>
       <p:sp>
         <p:nvSpPr>
-          <p:cNvPr id="11" name="Picture Placeholder 5">
-            <a:extLst>
-              <a:ext uri="{FF2B5EF4-FFF2-40B4-BE49-F238E27FC236}">
-                <a16:creationId xmlns:a16="http://schemas.microsoft.com/office/drawing/2014/main" id="{CE9C16DA-A24B-4516-BCC8-C747730478D8}"/>
-              </a:ext>
-            </a:extLst>
-          </p:cNvPr>
+          <p:cNvPr id="11" name="Picture Placeholder 5"/>
           <p:cNvSpPr>
             <a:spLocks noGrp="1"/>
           </p:cNvSpPr>
@@ -11398,13 +10207,7 @@
       </p:sp>
       <p:sp>
         <p:nvSpPr>
-          <p:cNvPr id="13" name="Picture Placeholder 5">
-            <a:extLst>
-              <a:ext uri="{FF2B5EF4-FFF2-40B4-BE49-F238E27FC236}">
-                <a16:creationId xmlns:a16="http://schemas.microsoft.com/office/drawing/2014/main" id="{A498122E-BB6F-4765-B85E-6410B9CE17AC}"/>
-              </a:ext>
-            </a:extLst>
-          </p:cNvPr>
+          <p:cNvPr id="13" name="Picture Placeholder 5"/>
           <p:cNvSpPr>
             <a:spLocks noGrp="1"/>
           </p:cNvSpPr>
@@ -11450,13 +10253,7 @@
       </p:sp>
       <p:sp>
         <p:nvSpPr>
-          <p:cNvPr id="14" name="Picture Placeholder 5">
-            <a:extLst>
-              <a:ext uri="{FF2B5EF4-FFF2-40B4-BE49-F238E27FC236}">
-                <a16:creationId xmlns:a16="http://schemas.microsoft.com/office/drawing/2014/main" id="{D19B2F25-5E98-4166-8476-BE599D16121D}"/>
-              </a:ext>
-            </a:extLst>
-          </p:cNvPr>
+          <p:cNvPr id="14" name="Picture Placeholder 5"/>
           <p:cNvSpPr>
             <a:spLocks noGrp="1"/>
           </p:cNvSpPr>
@@ -11502,13 +10299,7 @@
       </p:sp>
       <p:sp>
         <p:nvSpPr>
-          <p:cNvPr id="9" name="Text Placeholder 8">
-            <a:extLst>
-              <a:ext uri="{FF2B5EF4-FFF2-40B4-BE49-F238E27FC236}">
-                <a16:creationId xmlns:a16="http://schemas.microsoft.com/office/drawing/2014/main" id="{A985C547-771F-4BD4-ADA8-B270DC50BDBC}"/>
-              </a:ext>
-            </a:extLst>
-          </p:cNvPr>
+          <p:cNvPr id="9" name="Text Placeholder 8"/>
           <p:cNvSpPr>
             <a:spLocks noGrp="1"/>
           </p:cNvSpPr>
@@ -11540,18 +10331,13 @@
               <a:rPr lang="en-US" noProof="0"/>
               <a:t>Click to edit Master text styles</a:t>
             </a:r>
-          </a:p>
-        </p:txBody>
-      </p:sp>
-      <p:sp>
-        <p:nvSpPr>
-          <p:cNvPr id="16" name="Text Placeholder 8">
-            <a:extLst>
-              <a:ext uri="{FF2B5EF4-FFF2-40B4-BE49-F238E27FC236}">
-                <a16:creationId xmlns:a16="http://schemas.microsoft.com/office/drawing/2014/main" id="{5726DA1D-D34F-4505-9722-98586A88D858}"/>
-              </a:ext>
-            </a:extLst>
-          </p:cNvPr>
+            <a:endParaRPr lang="en-US" noProof="0"/>
+          </a:p>
+        </p:txBody>
+      </p:sp>
+      <p:sp>
+        <p:nvSpPr>
+          <p:cNvPr id="16" name="Text Placeholder 8"/>
           <p:cNvSpPr>
             <a:spLocks noGrp="1"/>
           </p:cNvSpPr>
@@ -11583,18 +10369,13 @@
               <a:rPr lang="en-US" noProof="0"/>
               <a:t>Click to edit Master text styles</a:t>
             </a:r>
-          </a:p>
-        </p:txBody>
-      </p:sp>
-      <p:sp>
-        <p:nvSpPr>
-          <p:cNvPr id="18" name="Text Placeholder 8">
-            <a:extLst>
-              <a:ext uri="{FF2B5EF4-FFF2-40B4-BE49-F238E27FC236}">
-                <a16:creationId xmlns:a16="http://schemas.microsoft.com/office/drawing/2014/main" id="{DA05F0E8-C4BA-4839-9D3B-C830E7398021}"/>
-              </a:ext>
-            </a:extLst>
-          </p:cNvPr>
+            <a:endParaRPr lang="en-US" noProof="0"/>
+          </a:p>
+        </p:txBody>
+      </p:sp>
+      <p:sp>
+        <p:nvSpPr>
+          <p:cNvPr id="18" name="Text Placeholder 8"/>
           <p:cNvSpPr>
             <a:spLocks noGrp="1"/>
           </p:cNvSpPr>
@@ -11626,18 +10407,13 @@
               <a:rPr lang="en-US" noProof="0"/>
               <a:t>Click to edit Master text styles</a:t>
             </a:r>
-          </a:p>
-        </p:txBody>
-      </p:sp>
-      <p:sp>
-        <p:nvSpPr>
-          <p:cNvPr id="19" name="Text Placeholder 8">
-            <a:extLst>
-              <a:ext uri="{FF2B5EF4-FFF2-40B4-BE49-F238E27FC236}">
-                <a16:creationId xmlns:a16="http://schemas.microsoft.com/office/drawing/2014/main" id="{3BDE5625-360A-435B-8812-2FFD30C937B1}"/>
-              </a:ext>
-            </a:extLst>
-          </p:cNvPr>
+            <a:endParaRPr lang="en-US" noProof="0"/>
+          </a:p>
+        </p:txBody>
+      </p:sp>
+      <p:sp>
+        <p:nvSpPr>
+          <p:cNvPr id="19" name="Text Placeholder 8"/>
           <p:cNvSpPr>
             <a:spLocks noGrp="1"/>
           </p:cNvSpPr>
@@ -11669,18 +10445,13 @@
               <a:rPr lang="en-US" noProof="0"/>
               <a:t>Click to edit Master text styles</a:t>
             </a:r>
-          </a:p>
-        </p:txBody>
-      </p:sp>
-      <p:sp>
-        <p:nvSpPr>
-          <p:cNvPr id="20" name="Text Placeholder 6">
-            <a:extLst>
-              <a:ext uri="{FF2B5EF4-FFF2-40B4-BE49-F238E27FC236}">
-                <a16:creationId xmlns:a16="http://schemas.microsoft.com/office/drawing/2014/main" id="{A4E9B315-244E-41A8-B655-63FCC22CCF4C}"/>
-              </a:ext>
-            </a:extLst>
-          </p:cNvPr>
+            <a:endParaRPr lang="en-US" noProof="0"/>
+          </a:p>
+        </p:txBody>
+      </p:sp>
+      <p:sp>
+        <p:nvSpPr>
+          <p:cNvPr id="20" name="Text Placeholder 6"/>
           <p:cNvSpPr>
             <a:spLocks noGrp="1"/>
           </p:cNvSpPr>
@@ -11716,35 +10487,15 @@
               <a:rPr lang="en-US" noProof="0"/>
               <a:t>Click to edit Master text styles</a:t>
             </a:r>
+            <a:endParaRPr lang="en-US" noProof="0"/>
           </a:p>
         </p:txBody>
       </p:sp>
     </p:spTree>
-    <p:extLst>
-      <p:ext uri="{BB962C8B-B14F-4D97-AF65-F5344CB8AC3E}">
-        <p14:creationId xmlns:p14="http://schemas.microsoft.com/office/powerpoint/2010/main" val="2620055036"/>
-      </p:ext>
-    </p:extLst>
   </p:cSld>
   <p:clrMapOvr>
     <a:masterClrMapping/>
   </p:clrMapOvr>
-  <p:extLst>
-    <p:ext uri="{DCECCB84-F9BA-43D5-87BE-67443E8EF086}">
-      <p15:sldGuideLst xmlns:p15="http://schemas.microsoft.com/office/powerpoint/2012/main">
-        <p15:guide id="1" orient="horz" pos="2160">
-          <p15:clr>
-            <a:srgbClr val="FBAE40"/>
-          </p15:clr>
-        </p15:guide>
-        <p15:guide id="2" pos="3864">
-          <p15:clr>
-            <a:srgbClr val="FBAE40"/>
-          </p15:clr>
-        </p15:guide>
-      </p15:sldGuideLst>
-    </p:ext>
-  </p:extLst>
 </p:sldLayout>
 </file>
 
@@ -11767,13 +10518,7 @@
       </p:grpSpPr>
       <p:sp>
         <p:nvSpPr>
-          <p:cNvPr id="7" name="Rectangle 6">
-            <a:extLst>
-              <a:ext uri="{FF2B5EF4-FFF2-40B4-BE49-F238E27FC236}">
-                <a16:creationId xmlns:a16="http://schemas.microsoft.com/office/drawing/2014/main" id="{BC0DB138-926E-4EF2-BFC2-93D610E35703}"/>
-              </a:ext>
-            </a:extLst>
-          </p:cNvPr>
+          <p:cNvPr id="7" name="Rectangle 6"/>
           <p:cNvSpPr/>
           <p:nvPr userDrawn="1"/>
         </p:nvSpPr>
@@ -11817,13 +10562,7 @@
       </p:sp>
       <p:sp>
         <p:nvSpPr>
-          <p:cNvPr id="10" name="Title 1">
-            <a:extLst>
-              <a:ext uri="{FF2B5EF4-FFF2-40B4-BE49-F238E27FC236}">
-                <a16:creationId xmlns:a16="http://schemas.microsoft.com/office/drawing/2014/main" id="{95B2C2DA-ADF3-D44B-8824-9B44E01F747F}"/>
-              </a:ext>
-            </a:extLst>
-          </p:cNvPr>
+          <p:cNvPr id="10" name="Title 1"/>
           <p:cNvSpPr>
             <a:spLocks noGrp="1"/>
           </p:cNvSpPr>
@@ -11851,18 +10590,13 @@
               <a:rPr lang="en-US" noProof="0"/>
               <a:t>Click to Add Slide Title Here</a:t>
             </a:r>
-          </a:p>
-        </p:txBody>
-      </p:sp>
-      <p:sp>
-        <p:nvSpPr>
-          <p:cNvPr id="17" name="Text Placeholder 11">
-            <a:extLst>
-              <a:ext uri="{FF2B5EF4-FFF2-40B4-BE49-F238E27FC236}">
-                <a16:creationId xmlns:a16="http://schemas.microsoft.com/office/drawing/2014/main" id="{6CAA743B-32D9-CE44-9E46-D38DB57EFACE}"/>
-              </a:ext>
-            </a:extLst>
-          </p:cNvPr>
+            <a:endParaRPr lang="en-US" noProof="0"/>
+          </a:p>
+        </p:txBody>
+      </p:sp>
+      <p:sp>
+        <p:nvSpPr>
+          <p:cNvPr id="17" name="Text Placeholder 11"/>
           <p:cNvSpPr>
             <a:spLocks noGrp="1"/>
           </p:cNvSpPr>
@@ -11925,18 +10659,13 @@
               <a:rPr lang="en-US" noProof="0"/>
               <a:t>SUBTITLE HERE</a:t>
             </a:r>
-          </a:p>
-        </p:txBody>
-      </p:sp>
-      <p:sp>
-        <p:nvSpPr>
-          <p:cNvPr id="5" name="Shape 62">
-            <a:extLst>
-              <a:ext uri="{FF2B5EF4-FFF2-40B4-BE49-F238E27FC236}">
-                <a16:creationId xmlns:a16="http://schemas.microsoft.com/office/drawing/2014/main" id="{00B58E1E-3AD1-467A-94AA-6578BE4756A3}"/>
-              </a:ext>
-            </a:extLst>
-          </p:cNvPr>
+            <a:endParaRPr lang="en-US" noProof="0"/>
+          </a:p>
+        </p:txBody>
+      </p:sp>
+      <p:sp>
+        <p:nvSpPr>
+          <p:cNvPr id="5" name="Shape 62"/>
           <p:cNvSpPr/>
           <p:nvPr userDrawn="1"/>
         </p:nvSpPr>
@@ -11976,13 +10705,7 @@
       </p:sp>
       <p:sp>
         <p:nvSpPr>
-          <p:cNvPr id="6" name="Picture Placeholder 5">
-            <a:extLst>
-              <a:ext uri="{FF2B5EF4-FFF2-40B4-BE49-F238E27FC236}">
-                <a16:creationId xmlns:a16="http://schemas.microsoft.com/office/drawing/2014/main" id="{8C7AA169-6546-4620-BD7B-7B36553C28F7}"/>
-              </a:ext>
-            </a:extLst>
-          </p:cNvPr>
+          <p:cNvPr id="6" name="Picture Placeholder 5"/>
           <p:cNvSpPr>
             <a:spLocks noGrp="1"/>
           </p:cNvSpPr>
@@ -12029,13 +10752,7 @@
       </p:sp>
       <p:sp>
         <p:nvSpPr>
-          <p:cNvPr id="11" name="Picture Placeholder 5">
-            <a:extLst>
-              <a:ext uri="{FF2B5EF4-FFF2-40B4-BE49-F238E27FC236}">
-                <a16:creationId xmlns:a16="http://schemas.microsoft.com/office/drawing/2014/main" id="{CE9C16DA-A24B-4516-BCC8-C747730478D8}"/>
-              </a:ext>
-            </a:extLst>
-          </p:cNvPr>
+          <p:cNvPr id="11" name="Picture Placeholder 5"/>
           <p:cNvSpPr>
             <a:spLocks noGrp="1"/>
           </p:cNvSpPr>
@@ -12083,13 +10800,7 @@
       </p:sp>
       <p:sp>
         <p:nvSpPr>
-          <p:cNvPr id="13" name="Picture Placeholder 5">
-            <a:extLst>
-              <a:ext uri="{FF2B5EF4-FFF2-40B4-BE49-F238E27FC236}">
-                <a16:creationId xmlns:a16="http://schemas.microsoft.com/office/drawing/2014/main" id="{A498122E-BB6F-4765-B85E-6410B9CE17AC}"/>
-              </a:ext>
-            </a:extLst>
-          </p:cNvPr>
+          <p:cNvPr id="13" name="Picture Placeholder 5"/>
           <p:cNvSpPr>
             <a:spLocks noGrp="1"/>
           </p:cNvSpPr>
@@ -12137,13 +10848,7 @@
       </p:sp>
       <p:sp>
         <p:nvSpPr>
-          <p:cNvPr id="14" name="Picture Placeholder 5">
-            <a:extLst>
-              <a:ext uri="{FF2B5EF4-FFF2-40B4-BE49-F238E27FC236}">
-                <a16:creationId xmlns:a16="http://schemas.microsoft.com/office/drawing/2014/main" id="{D19B2F25-5E98-4166-8476-BE599D16121D}"/>
-              </a:ext>
-            </a:extLst>
-          </p:cNvPr>
+          <p:cNvPr id="14" name="Picture Placeholder 5"/>
           <p:cNvSpPr>
             <a:spLocks noGrp="1"/>
           </p:cNvSpPr>
@@ -12191,13 +10896,7 @@
       </p:sp>
       <p:sp>
         <p:nvSpPr>
-          <p:cNvPr id="9" name="Text Placeholder 8">
-            <a:extLst>
-              <a:ext uri="{FF2B5EF4-FFF2-40B4-BE49-F238E27FC236}">
-                <a16:creationId xmlns:a16="http://schemas.microsoft.com/office/drawing/2014/main" id="{A985C547-771F-4BD4-ADA8-B270DC50BDBC}"/>
-              </a:ext>
-            </a:extLst>
-          </p:cNvPr>
+          <p:cNvPr id="9" name="Text Placeholder 8"/>
           <p:cNvSpPr>
             <a:spLocks noGrp="1"/>
           </p:cNvSpPr>
@@ -12229,18 +10928,13 @@
               <a:rPr lang="en-US" noProof="0"/>
               <a:t>Click to edit Master text styles</a:t>
             </a:r>
-          </a:p>
-        </p:txBody>
-      </p:sp>
-      <p:sp>
-        <p:nvSpPr>
-          <p:cNvPr id="16" name="Text Placeholder 8">
-            <a:extLst>
-              <a:ext uri="{FF2B5EF4-FFF2-40B4-BE49-F238E27FC236}">
-                <a16:creationId xmlns:a16="http://schemas.microsoft.com/office/drawing/2014/main" id="{5726DA1D-D34F-4505-9722-98586A88D858}"/>
-              </a:ext>
-            </a:extLst>
-          </p:cNvPr>
+            <a:endParaRPr lang="en-US" noProof="0"/>
+          </a:p>
+        </p:txBody>
+      </p:sp>
+      <p:sp>
+        <p:nvSpPr>
+          <p:cNvPr id="16" name="Text Placeholder 8"/>
           <p:cNvSpPr>
             <a:spLocks noGrp="1"/>
           </p:cNvSpPr>
@@ -12272,18 +10966,13 @@
               <a:rPr lang="en-US" noProof="0"/>
               <a:t>Click to edit Master text styles</a:t>
             </a:r>
-          </a:p>
-        </p:txBody>
-      </p:sp>
-      <p:sp>
-        <p:nvSpPr>
-          <p:cNvPr id="18" name="Text Placeholder 8">
-            <a:extLst>
-              <a:ext uri="{FF2B5EF4-FFF2-40B4-BE49-F238E27FC236}">
-                <a16:creationId xmlns:a16="http://schemas.microsoft.com/office/drawing/2014/main" id="{DA05F0E8-C4BA-4839-9D3B-C830E7398021}"/>
-              </a:ext>
-            </a:extLst>
-          </p:cNvPr>
+            <a:endParaRPr lang="en-US" noProof="0"/>
+          </a:p>
+        </p:txBody>
+      </p:sp>
+      <p:sp>
+        <p:nvSpPr>
+          <p:cNvPr id="18" name="Text Placeholder 8"/>
           <p:cNvSpPr>
             <a:spLocks noGrp="1"/>
           </p:cNvSpPr>
@@ -12315,18 +11004,13 @@
               <a:rPr lang="en-US" noProof="0"/>
               <a:t>Click to edit Master text styles</a:t>
             </a:r>
-          </a:p>
-        </p:txBody>
-      </p:sp>
-      <p:sp>
-        <p:nvSpPr>
-          <p:cNvPr id="19" name="Text Placeholder 8">
-            <a:extLst>
-              <a:ext uri="{FF2B5EF4-FFF2-40B4-BE49-F238E27FC236}">
-                <a16:creationId xmlns:a16="http://schemas.microsoft.com/office/drawing/2014/main" id="{3BDE5625-360A-435B-8812-2FFD30C937B1}"/>
-              </a:ext>
-            </a:extLst>
-          </p:cNvPr>
+            <a:endParaRPr lang="en-US" noProof="0"/>
+          </a:p>
+        </p:txBody>
+      </p:sp>
+      <p:sp>
+        <p:nvSpPr>
+          <p:cNvPr id="19" name="Text Placeholder 8"/>
           <p:cNvSpPr>
             <a:spLocks noGrp="1"/>
           </p:cNvSpPr>
@@ -12358,35 +11042,15 @@
               <a:rPr lang="en-US" noProof="0"/>
               <a:t>Click to edit Master text styles</a:t>
             </a:r>
+            <a:endParaRPr lang="en-US" noProof="0"/>
           </a:p>
         </p:txBody>
       </p:sp>
     </p:spTree>
-    <p:extLst>
-      <p:ext uri="{BB962C8B-B14F-4D97-AF65-F5344CB8AC3E}">
-        <p14:creationId xmlns:p14="http://schemas.microsoft.com/office/powerpoint/2010/main" val="4194667956"/>
-      </p:ext>
-    </p:extLst>
   </p:cSld>
   <p:clrMapOvr>
     <a:masterClrMapping/>
   </p:clrMapOvr>
-  <p:extLst>
-    <p:ext uri="{DCECCB84-F9BA-43D5-87BE-67443E8EF086}">
-      <p15:sldGuideLst xmlns:p15="http://schemas.microsoft.com/office/powerpoint/2012/main">
-        <p15:guide id="1" orient="horz" pos="2160">
-          <p15:clr>
-            <a:srgbClr val="FBAE40"/>
-          </p15:clr>
-        </p15:guide>
-        <p15:guide id="2" pos="3864">
-          <p15:clr>
-            <a:srgbClr val="FBAE40"/>
-          </p15:clr>
-        </p15:guide>
-      </p15:sldGuideLst>
-    </p:ext>
-  </p:extLst>
 </p:sldLayout>
 </file>
 
@@ -12409,13 +11073,7 @@
       </p:grpSpPr>
       <p:sp>
         <p:nvSpPr>
-          <p:cNvPr id="2" name="Title 1">
-            <a:extLst>
-              <a:ext uri="{FF2B5EF4-FFF2-40B4-BE49-F238E27FC236}">
-                <a16:creationId xmlns:a16="http://schemas.microsoft.com/office/drawing/2014/main" id="{A8FBBE79-9A2D-485C-A5FF-D6F6AFD2AFC3}"/>
-              </a:ext>
-            </a:extLst>
-          </p:cNvPr>
+          <p:cNvPr id="2" name="Title 1"/>
           <p:cNvSpPr>
             <a:spLocks noGrp="1"/>
           </p:cNvSpPr>
@@ -12452,13 +11110,7 @@
       </p:sp>
       <p:sp>
         <p:nvSpPr>
-          <p:cNvPr id="5" name="Picture Placeholder 4">
-            <a:extLst>
-              <a:ext uri="{FF2B5EF4-FFF2-40B4-BE49-F238E27FC236}">
-                <a16:creationId xmlns:a16="http://schemas.microsoft.com/office/drawing/2014/main" id="{0D8C8A61-C19F-4EF6-A991-5B6EFC5F7AFB}"/>
-              </a:ext>
-            </a:extLst>
-          </p:cNvPr>
+          <p:cNvPr id="5" name="Picture Placeholder 4"/>
           <p:cNvSpPr>
             <a:spLocks noGrp="1"/>
           </p:cNvSpPr>
@@ -12495,13 +11147,7 @@
       </p:sp>
       <p:sp>
         <p:nvSpPr>
-          <p:cNvPr id="6" name="Picture Placeholder 4">
-            <a:extLst>
-              <a:ext uri="{FF2B5EF4-FFF2-40B4-BE49-F238E27FC236}">
-                <a16:creationId xmlns:a16="http://schemas.microsoft.com/office/drawing/2014/main" id="{FB28CC40-CBF3-4E1C-841D-45C7739F95EE}"/>
-              </a:ext>
-            </a:extLst>
-          </p:cNvPr>
+          <p:cNvPr id="6" name="Picture Placeholder 4"/>
           <p:cNvSpPr>
             <a:spLocks noGrp="1"/>
           </p:cNvSpPr>
@@ -12538,13 +11184,7 @@
       </p:sp>
       <p:sp>
         <p:nvSpPr>
-          <p:cNvPr id="7" name="Picture Placeholder 4">
-            <a:extLst>
-              <a:ext uri="{FF2B5EF4-FFF2-40B4-BE49-F238E27FC236}">
-                <a16:creationId xmlns:a16="http://schemas.microsoft.com/office/drawing/2014/main" id="{12606688-9042-46BE-82EA-2A9034C21250}"/>
-              </a:ext>
-            </a:extLst>
-          </p:cNvPr>
+          <p:cNvPr id="7" name="Picture Placeholder 4"/>
           <p:cNvSpPr>
             <a:spLocks noGrp="1"/>
           </p:cNvSpPr>
@@ -12581,13 +11221,7 @@
       </p:sp>
       <p:sp>
         <p:nvSpPr>
-          <p:cNvPr id="8" name="Picture Placeholder 4">
-            <a:extLst>
-              <a:ext uri="{FF2B5EF4-FFF2-40B4-BE49-F238E27FC236}">
-                <a16:creationId xmlns:a16="http://schemas.microsoft.com/office/drawing/2014/main" id="{94A72397-DF36-48ED-9888-0827D143B9BE}"/>
-              </a:ext>
-            </a:extLst>
-          </p:cNvPr>
+          <p:cNvPr id="8" name="Picture Placeholder 4"/>
           <p:cNvSpPr>
             <a:spLocks noGrp="1"/>
           </p:cNvSpPr>
@@ -12624,13 +11258,7 @@
       </p:sp>
       <p:sp>
         <p:nvSpPr>
-          <p:cNvPr id="9" name="Text Placeholder 6">
-            <a:extLst>
-              <a:ext uri="{FF2B5EF4-FFF2-40B4-BE49-F238E27FC236}">
-                <a16:creationId xmlns:a16="http://schemas.microsoft.com/office/drawing/2014/main" id="{DD736A8B-DD51-4DE5-A500-3F2E06CA9E12}"/>
-              </a:ext>
-            </a:extLst>
-          </p:cNvPr>
+          <p:cNvPr id="9" name="Text Placeholder 6"/>
           <p:cNvSpPr>
             <a:spLocks noGrp="1"/>
           </p:cNvSpPr>
@@ -12663,18 +11291,13 @@
               <a:rPr lang="en-US"/>
               <a:t>Click to edit Master text styles</a:t>
             </a:r>
-          </a:p>
-        </p:txBody>
-      </p:sp>
-      <p:sp>
-        <p:nvSpPr>
-          <p:cNvPr id="10" name="Text Placeholder 6">
-            <a:extLst>
-              <a:ext uri="{FF2B5EF4-FFF2-40B4-BE49-F238E27FC236}">
-                <a16:creationId xmlns:a16="http://schemas.microsoft.com/office/drawing/2014/main" id="{088F0D2C-15BE-4CDF-B390-80500DDD7436}"/>
-              </a:ext>
-            </a:extLst>
-          </p:cNvPr>
+            <a:endParaRPr lang="en-US"/>
+          </a:p>
+        </p:txBody>
+      </p:sp>
+      <p:sp>
+        <p:nvSpPr>
+          <p:cNvPr id="10" name="Text Placeholder 6"/>
           <p:cNvSpPr>
             <a:spLocks noGrp="1"/>
           </p:cNvSpPr>
@@ -12707,18 +11330,13 @@
               <a:rPr lang="en-US" dirty="0"/>
               <a:t>ADD NAME HERE</a:t>
             </a:r>
-          </a:p>
-        </p:txBody>
-      </p:sp>
-      <p:sp>
-        <p:nvSpPr>
-          <p:cNvPr id="11" name="Text Placeholder 6">
-            <a:extLst>
-              <a:ext uri="{FF2B5EF4-FFF2-40B4-BE49-F238E27FC236}">
-                <a16:creationId xmlns:a16="http://schemas.microsoft.com/office/drawing/2014/main" id="{BC14EC5C-D80F-42F2-A5F0-D4F07AADAECE}"/>
-              </a:ext>
-            </a:extLst>
-          </p:cNvPr>
+            <a:endParaRPr lang="en-US" dirty="0"/>
+          </a:p>
+        </p:txBody>
+      </p:sp>
+      <p:sp>
+        <p:nvSpPr>
+          <p:cNvPr id="11" name="Text Placeholder 6"/>
           <p:cNvSpPr>
             <a:spLocks noGrp="1"/>
           </p:cNvSpPr>
@@ -12751,18 +11369,13 @@
               <a:rPr lang="en-US"/>
               <a:t>Click to edit Master text styles</a:t>
             </a:r>
-          </a:p>
-        </p:txBody>
-      </p:sp>
-      <p:sp>
-        <p:nvSpPr>
-          <p:cNvPr id="12" name="Text Placeholder 6">
-            <a:extLst>
-              <a:ext uri="{FF2B5EF4-FFF2-40B4-BE49-F238E27FC236}">
-                <a16:creationId xmlns:a16="http://schemas.microsoft.com/office/drawing/2014/main" id="{235DD3B7-76E7-45B9-B75B-30D7AFC8EE6C}"/>
-              </a:ext>
-            </a:extLst>
-          </p:cNvPr>
+            <a:endParaRPr lang="en-US"/>
+          </a:p>
+        </p:txBody>
+      </p:sp>
+      <p:sp>
+        <p:nvSpPr>
+          <p:cNvPr id="12" name="Text Placeholder 6"/>
           <p:cNvSpPr>
             <a:spLocks noGrp="1"/>
           </p:cNvSpPr>
@@ -12795,18 +11408,13 @@
               <a:rPr lang="en-US" dirty="0"/>
               <a:t>ADD NAME HERE</a:t>
             </a:r>
-          </a:p>
-        </p:txBody>
-      </p:sp>
-      <p:sp>
-        <p:nvSpPr>
-          <p:cNvPr id="17" name="Text Placeholder 6">
-            <a:extLst>
-              <a:ext uri="{FF2B5EF4-FFF2-40B4-BE49-F238E27FC236}">
-                <a16:creationId xmlns:a16="http://schemas.microsoft.com/office/drawing/2014/main" id="{5A499762-AEDB-43BC-89CC-CC0602BEAF73}"/>
-              </a:ext>
-            </a:extLst>
-          </p:cNvPr>
+            <a:endParaRPr lang="en-US" dirty="0"/>
+          </a:p>
+        </p:txBody>
+      </p:sp>
+      <p:sp>
+        <p:nvSpPr>
+          <p:cNvPr id="17" name="Text Placeholder 6"/>
           <p:cNvSpPr>
             <a:spLocks noGrp="1"/>
           </p:cNvSpPr>
@@ -12839,18 +11447,13 @@
               <a:rPr lang="en-US"/>
               <a:t>Click to edit Master text styles</a:t>
             </a:r>
-          </a:p>
-        </p:txBody>
-      </p:sp>
-      <p:sp>
-        <p:nvSpPr>
-          <p:cNvPr id="18" name="Text Placeholder 6">
-            <a:extLst>
-              <a:ext uri="{FF2B5EF4-FFF2-40B4-BE49-F238E27FC236}">
-                <a16:creationId xmlns:a16="http://schemas.microsoft.com/office/drawing/2014/main" id="{880EDD7E-326D-47DC-B58D-88ECE1D00F94}"/>
-              </a:ext>
-            </a:extLst>
-          </p:cNvPr>
+            <a:endParaRPr lang="en-US"/>
+          </a:p>
+        </p:txBody>
+      </p:sp>
+      <p:sp>
+        <p:nvSpPr>
+          <p:cNvPr id="18" name="Text Placeholder 6"/>
           <p:cNvSpPr>
             <a:spLocks noGrp="1"/>
           </p:cNvSpPr>
@@ -12883,18 +11486,13 @@
               <a:rPr lang="en-US" dirty="0"/>
               <a:t>ADD NAME HERE</a:t>
             </a:r>
-          </a:p>
-        </p:txBody>
-      </p:sp>
-      <p:sp>
-        <p:nvSpPr>
-          <p:cNvPr id="19" name="Text Placeholder 6">
-            <a:extLst>
-              <a:ext uri="{FF2B5EF4-FFF2-40B4-BE49-F238E27FC236}">
-                <a16:creationId xmlns:a16="http://schemas.microsoft.com/office/drawing/2014/main" id="{DB92C933-F978-486C-A305-0BAC73E0F152}"/>
-              </a:ext>
-            </a:extLst>
-          </p:cNvPr>
+            <a:endParaRPr lang="en-US" dirty="0"/>
+          </a:p>
+        </p:txBody>
+      </p:sp>
+      <p:sp>
+        <p:nvSpPr>
+          <p:cNvPr id="19" name="Text Placeholder 6"/>
           <p:cNvSpPr>
             <a:spLocks noGrp="1"/>
           </p:cNvSpPr>
@@ -12927,18 +11525,13 @@
               <a:rPr lang="en-US"/>
               <a:t>Click to edit Master text styles</a:t>
             </a:r>
-          </a:p>
-        </p:txBody>
-      </p:sp>
-      <p:sp>
-        <p:nvSpPr>
-          <p:cNvPr id="20" name="Text Placeholder 6">
-            <a:extLst>
-              <a:ext uri="{FF2B5EF4-FFF2-40B4-BE49-F238E27FC236}">
-                <a16:creationId xmlns:a16="http://schemas.microsoft.com/office/drawing/2014/main" id="{B18BFAE0-942E-42DB-BD07-596D50E07E37}"/>
-              </a:ext>
-            </a:extLst>
-          </p:cNvPr>
+            <a:endParaRPr lang="en-US"/>
+          </a:p>
+        </p:txBody>
+      </p:sp>
+      <p:sp>
+        <p:nvSpPr>
+          <p:cNvPr id="20" name="Text Placeholder 6"/>
           <p:cNvSpPr>
             <a:spLocks noGrp="1"/>
           </p:cNvSpPr>
@@ -12971,18 +11564,13 @@
               <a:rPr lang="en-US" dirty="0"/>
               <a:t>ADD NAME HERE</a:t>
             </a:r>
-          </a:p>
-        </p:txBody>
-      </p:sp>
-      <p:sp>
-        <p:nvSpPr>
-          <p:cNvPr id="16" name="Shape 62">
-            <a:extLst>
-              <a:ext uri="{FF2B5EF4-FFF2-40B4-BE49-F238E27FC236}">
-                <a16:creationId xmlns:a16="http://schemas.microsoft.com/office/drawing/2014/main" id="{E2A7A773-8673-42D6-B565-4013CBE76BBD}"/>
-              </a:ext>
-            </a:extLst>
-          </p:cNvPr>
+            <a:endParaRPr lang="en-US" dirty="0"/>
+          </a:p>
+        </p:txBody>
+      </p:sp>
+      <p:sp>
+        <p:nvSpPr>
+          <p:cNvPr id="16" name="Shape 62"/>
           <p:cNvSpPr/>
           <p:nvPr userDrawn="1"/>
         </p:nvSpPr>
@@ -13021,11 +11609,6 @@
         </p:txBody>
       </p:sp>
     </p:spTree>
-    <p:extLst>
-      <p:ext uri="{BB962C8B-B14F-4D97-AF65-F5344CB8AC3E}">
-        <p14:creationId xmlns:p14="http://schemas.microsoft.com/office/powerpoint/2010/main" val="687764556"/>
-      </p:ext>
-    </p:extLst>
   </p:cSld>
   <p:clrMapOvr>
     <a:masterClrMapping/>
@@ -13052,13 +11635,7 @@
       </p:grpSpPr>
       <p:sp>
         <p:nvSpPr>
-          <p:cNvPr id="3" name="Oval 2">
-            <a:extLst>
-              <a:ext uri="{FF2B5EF4-FFF2-40B4-BE49-F238E27FC236}">
-                <a16:creationId xmlns:a16="http://schemas.microsoft.com/office/drawing/2014/main" id="{EE8D18BE-27C3-4048-91A7-DD0F0F8D0861}"/>
-              </a:ext>
-            </a:extLst>
-          </p:cNvPr>
+          <p:cNvPr id="3" name="Oval 2"/>
           <p:cNvSpPr/>
           <p:nvPr userDrawn="1"/>
         </p:nvSpPr>
@@ -13106,13 +11683,7 @@
       </p:sp>
       <p:sp>
         <p:nvSpPr>
-          <p:cNvPr id="2" name="Title 1">
-            <a:extLst>
-              <a:ext uri="{FF2B5EF4-FFF2-40B4-BE49-F238E27FC236}">
-                <a16:creationId xmlns:a16="http://schemas.microsoft.com/office/drawing/2014/main" id="{A8FBBE79-9A2D-485C-A5FF-D6F6AFD2AFC3}"/>
-              </a:ext>
-            </a:extLst>
-          </p:cNvPr>
+          <p:cNvPr id="2" name="Title 1"/>
           <p:cNvSpPr>
             <a:spLocks noGrp="1"/>
           </p:cNvSpPr>
@@ -13149,13 +11720,7 @@
       </p:sp>
       <p:sp>
         <p:nvSpPr>
-          <p:cNvPr id="5" name="Picture Placeholder 4">
-            <a:extLst>
-              <a:ext uri="{FF2B5EF4-FFF2-40B4-BE49-F238E27FC236}">
-                <a16:creationId xmlns:a16="http://schemas.microsoft.com/office/drawing/2014/main" id="{0D8C8A61-C19F-4EF6-A991-5B6EFC5F7AFB}"/>
-              </a:ext>
-            </a:extLst>
-          </p:cNvPr>
+          <p:cNvPr id="5" name="Picture Placeholder 4"/>
           <p:cNvSpPr>
             <a:spLocks noGrp="1"/>
           </p:cNvSpPr>
@@ -13194,13 +11759,7 @@
       </p:sp>
       <p:sp>
         <p:nvSpPr>
-          <p:cNvPr id="6" name="Picture Placeholder 4">
-            <a:extLst>
-              <a:ext uri="{FF2B5EF4-FFF2-40B4-BE49-F238E27FC236}">
-                <a16:creationId xmlns:a16="http://schemas.microsoft.com/office/drawing/2014/main" id="{FB28CC40-CBF3-4E1C-841D-45C7739F95EE}"/>
-              </a:ext>
-            </a:extLst>
-          </p:cNvPr>
+          <p:cNvPr id="6" name="Picture Placeholder 4"/>
           <p:cNvSpPr>
             <a:spLocks noGrp="1"/>
           </p:cNvSpPr>
@@ -13239,13 +11798,7 @@
       </p:sp>
       <p:sp>
         <p:nvSpPr>
-          <p:cNvPr id="7" name="Picture Placeholder 4">
-            <a:extLst>
-              <a:ext uri="{FF2B5EF4-FFF2-40B4-BE49-F238E27FC236}">
-                <a16:creationId xmlns:a16="http://schemas.microsoft.com/office/drawing/2014/main" id="{12606688-9042-46BE-82EA-2A9034C21250}"/>
-              </a:ext>
-            </a:extLst>
-          </p:cNvPr>
+          <p:cNvPr id="7" name="Picture Placeholder 4"/>
           <p:cNvSpPr>
             <a:spLocks noGrp="1"/>
           </p:cNvSpPr>
@@ -13284,13 +11837,7 @@
       </p:sp>
       <p:sp>
         <p:nvSpPr>
-          <p:cNvPr id="8" name="Picture Placeholder 4">
-            <a:extLst>
-              <a:ext uri="{FF2B5EF4-FFF2-40B4-BE49-F238E27FC236}">
-                <a16:creationId xmlns:a16="http://schemas.microsoft.com/office/drawing/2014/main" id="{94A72397-DF36-48ED-9888-0827D143B9BE}"/>
-              </a:ext>
-            </a:extLst>
-          </p:cNvPr>
+          <p:cNvPr id="8" name="Picture Placeholder 4"/>
           <p:cNvSpPr>
             <a:spLocks noGrp="1"/>
           </p:cNvSpPr>
@@ -13329,13 +11876,7 @@
       </p:sp>
       <p:sp>
         <p:nvSpPr>
-          <p:cNvPr id="9" name="Text Placeholder 6">
-            <a:extLst>
-              <a:ext uri="{FF2B5EF4-FFF2-40B4-BE49-F238E27FC236}">
-                <a16:creationId xmlns:a16="http://schemas.microsoft.com/office/drawing/2014/main" id="{DD736A8B-DD51-4DE5-A500-3F2E06CA9E12}"/>
-              </a:ext>
-            </a:extLst>
-          </p:cNvPr>
+          <p:cNvPr id="9" name="Text Placeholder 6"/>
           <p:cNvSpPr>
             <a:spLocks noGrp="1"/>
           </p:cNvSpPr>
@@ -13368,18 +11909,13 @@
               <a:rPr lang="en-US"/>
               <a:t>Click to edit Master text styles</a:t>
             </a:r>
-          </a:p>
-        </p:txBody>
-      </p:sp>
-      <p:sp>
-        <p:nvSpPr>
-          <p:cNvPr id="10" name="Text Placeholder 6">
-            <a:extLst>
-              <a:ext uri="{FF2B5EF4-FFF2-40B4-BE49-F238E27FC236}">
-                <a16:creationId xmlns:a16="http://schemas.microsoft.com/office/drawing/2014/main" id="{088F0D2C-15BE-4CDF-B390-80500DDD7436}"/>
-              </a:ext>
-            </a:extLst>
-          </p:cNvPr>
+            <a:endParaRPr lang="en-US"/>
+          </a:p>
+        </p:txBody>
+      </p:sp>
+      <p:sp>
+        <p:nvSpPr>
+          <p:cNvPr id="10" name="Text Placeholder 6"/>
           <p:cNvSpPr>
             <a:spLocks noGrp="1"/>
           </p:cNvSpPr>
@@ -13412,18 +11948,13 @@
               <a:rPr lang="en-US" dirty="0"/>
               <a:t>ADD NAME HERE</a:t>
             </a:r>
-          </a:p>
-        </p:txBody>
-      </p:sp>
-      <p:sp>
-        <p:nvSpPr>
-          <p:cNvPr id="11" name="Text Placeholder 6">
-            <a:extLst>
-              <a:ext uri="{FF2B5EF4-FFF2-40B4-BE49-F238E27FC236}">
-                <a16:creationId xmlns:a16="http://schemas.microsoft.com/office/drawing/2014/main" id="{BC14EC5C-D80F-42F2-A5F0-D4F07AADAECE}"/>
-              </a:ext>
-            </a:extLst>
-          </p:cNvPr>
+            <a:endParaRPr lang="en-US" dirty="0"/>
+          </a:p>
+        </p:txBody>
+      </p:sp>
+      <p:sp>
+        <p:nvSpPr>
+          <p:cNvPr id="11" name="Text Placeholder 6"/>
           <p:cNvSpPr>
             <a:spLocks noGrp="1"/>
           </p:cNvSpPr>
@@ -13456,18 +11987,13 @@
               <a:rPr lang="en-US"/>
               <a:t>Click to edit Master text styles</a:t>
             </a:r>
-          </a:p>
-        </p:txBody>
-      </p:sp>
-      <p:sp>
-        <p:nvSpPr>
-          <p:cNvPr id="12" name="Text Placeholder 6">
-            <a:extLst>
-              <a:ext uri="{FF2B5EF4-FFF2-40B4-BE49-F238E27FC236}">
-                <a16:creationId xmlns:a16="http://schemas.microsoft.com/office/drawing/2014/main" id="{235DD3B7-76E7-45B9-B75B-30D7AFC8EE6C}"/>
-              </a:ext>
-            </a:extLst>
-          </p:cNvPr>
+            <a:endParaRPr lang="en-US"/>
+          </a:p>
+        </p:txBody>
+      </p:sp>
+      <p:sp>
+        <p:nvSpPr>
+          <p:cNvPr id="12" name="Text Placeholder 6"/>
           <p:cNvSpPr>
             <a:spLocks noGrp="1"/>
           </p:cNvSpPr>
@@ -13500,18 +12026,13 @@
               <a:rPr lang="en-US" dirty="0"/>
               <a:t>ADD NAME HERE</a:t>
             </a:r>
-          </a:p>
-        </p:txBody>
-      </p:sp>
-      <p:sp>
-        <p:nvSpPr>
-          <p:cNvPr id="13" name="Text Placeholder 6">
-            <a:extLst>
-              <a:ext uri="{FF2B5EF4-FFF2-40B4-BE49-F238E27FC236}">
-                <a16:creationId xmlns:a16="http://schemas.microsoft.com/office/drawing/2014/main" id="{3B9FAC90-EA8D-4C0E-A0D1-0D252B50A12F}"/>
-              </a:ext>
-            </a:extLst>
-          </p:cNvPr>
+            <a:endParaRPr lang="en-US" dirty="0"/>
+          </a:p>
+        </p:txBody>
+      </p:sp>
+      <p:sp>
+        <p:nvSpPr>
+          <p:cNvPr id="13" name="Text Placeholder 6"/>
           <p:cNvSpPr>
             <a:spLocks noGrp="1"/>
           </p:cNvSpPr>
@@ -13544,18 +12065,13 @@
               <a:rPr lang="en-US"/>
               <a:t>Click to edit Master text styles</a:t>
             </a:r>
-          </a:p>
-        </p:txBody>
-      </p:sp>
-      <p:sp>
-        <p:nvSpPr>
-          <p:cNvPr id="14" name="Text Placeholder 6">
-            <a:extLst>
-              <a:ext uri="{FF2B5EF4-FFF2-40B4-BE49-F238E27FC236}">
-                <a16:creationId xmlns:a16="http://schemas.microsoft.com/office/drawing/2014/main" id="{5556F808-0B84-4923-9C86-83F13CFABBB6}"/>
-              </a:ext>
-            </a:extLst>
-          </p:cNvPr>
+            <a:endParaRPr lang="en-US"/>
+          </a:p>
+        </p:txBody>
+      </p:sp>
+      <p:sp>
+        <p:nvSpPr>
+          <p:cNvPr id="14" name="Text Placeholder 6"/>
           <p:cNvSpPr>
             <a:spLocks noGrp="1"/>
           </p:cNvSpPr>
@@ -13588,18 +12104,13 @@
               <a:rPr lang="en-US" dirty="0"/>
               <a:t>ADD NAME HERE</a:t>
             </a:r>
-          </a:p>
-        </p:txBody>
-      </p:sp>
-      <p:sp>
-        <p:nvSpPr>
-          <p:cNvPr id="15" name="Text Placeholder 6">
-            <a:extLst>
-              <a:ext uri="{FF2B5EF4-FFF2-40B4-BE49-F238E27FC236}">
-                <a16:creationId xmlns:a16="http://schemas.microsoft.com/office/drawing/2014/main" id="{6D49870F-68D7-4CDC-8F2A-696151FA2B90}"/>
-              </a:ext>
-            </a:extLst>
-          </p:cNvPr>
+            <a:endParaRPr lang="en-US" dirty="0"/>
+          </a:p>
+        </p:txBody>
+      </p:sp>
+      <p:sp>
+        <p:nvSpPr>
+          <p:cNvPr id="15" name="Text Placeholder 6"/>
           <p:cNvSpPr>
             <a:spLocks noGrp="1"/>
           </p:cNvSpPr>
@@ -13632,18 +12143,13 @@
               <a:rPr lang="en-US"/>
               <a:t>Click to edit Master text styles</a:t>
             </a:r>
-          </a:p>
-        </p:txBody>
-      </p:sp>
-      <p:sp>
-        <p:nvSpPr>
-          <p:cNvPr id="16" name="Text Placeholder 6">
-            <a:extLst>
-              <a:ext uri="{FF2B5EF4-FFF2-40B4-BE49-F238E27FC236}">
-                <a16:creationId xmlns:a16="http://schemas.microsoft.com/office/drawing/2014/main" id="{530C251D-6B9A-485B-A02D-AAF34ECA7B5D}"/>
-              </a:ext>
-            </a:extLst>
-          </p:cNvPr>
+            <a:endParaRPr lang="en-US"/>
+          </a:p>
+        </p:txBody>
+      </p:sp>
+      <p:sp>
+        <p:nvSpPr>
+          <p:cNvPr id="16" name="Text Placeholder 6"/>
           <p:cNvSpPr>
             <a:spLocks noGrp="1"/>
           </p:cNvSpPr>
@@ -13676,18 +12182,13 @@
               <a:rPr lang="en-US" dirty="0"/>
               <a:t>ADD NAME HERE</a:t>
             </a:r>
-          </a:p>
-        </p:txBody>
-      </p:sp>
-      <p:sp>
-        <p:nvSpPr>
-          <p:cNvPr id="17" name="Oval 16">
-            <a:extLst>
-              <a:ext uri="{FF2B5EF4-FFF2-40B4-BE49-F238E27FC236}">
-                <a16:creationId xmlns:a16="http://schemas.microsoft.com/office/drawing/2014/main" id="{EC623159-5A5F-49ED-8FE8-D17FB82C8BB9}"/>
-              </a:ext>
-            </a:extLst>
-          </p:cNvPr>
+            <a:endParaRPr lang="en-US" dirty="0"/>
+          </a:p>
+        </p:txBody>
+      </p:sp>
+      <p:sp>
+        <p:nvSpPr>
+          <p:cNvPr id="17" name="Oval 16"/>
           <p:cNvSpPr/>
           <p:nvPr userDrawn="1"/>
         </p:nvSpPr>
@@ -13735,13 +12236,7 @@
       </p:sp>
       <p:sp>
         <p:nvSpPr>
-          <p:cNvPr id="18" name="Oval 17">
-            <a:extLst>
-              <a:ext uri="{FF2B5EF4-FFF2-40B4-BE49-F238E27FC236}">
-                <a16:creationId xmlns:a16="http://schemas.microsoft.com/office/drawing/2014/main" id="{83F630FE-FEDE-4DCF-98BE-57FA329D971D}"/>
-              </a:ext>
-            </a:extLst>
-          </p:cNvPr>
+          <p:cNvPr id="18" name="Oval 17"/>
           <p:cNvSpPr/>
           <p:nvPr userDrawn="1"/>
         </p:nvSpPr>
@@ -13789,13 +12284,7 @@
       </p:sp>
       <p:sp>
         <p:nvSpPr>
-          <p:cNvPr id="19" name="Oval 18">
-            <a:extLst>
-              <a:ext uri="{FF2B5EF4-FFF2-40B4-BE49-F238E27FC236}">
-                <a16:creationId xmlns:a16="http://schemas.microsoft.com/office/drawing/2014/main" id="{5CEE0F46-6DA2-40B8-B7F9-015FA8D24163}"/>
-              </a:ext>
-            </a:extLst>
-          </p:cNvPr>
+          <p:cNvPr id="19" name="Oval 18"/>
           <p:cNvSpPr/>
           <p:nvPr userDrawn="1"/>
         </p:nvSpPr>
@@ -13842,11 +12331,6 @@
         </p:txBody>
       </p:sp>
     </p:spTree>
-    <p:extLst>
-      <p:ext uri="{BB962C8B-B14F-4D97-AF65-F5344CB8AC3E}">
-        <p14:creationId xmlns:p14="http://schemas.microsoft.com/office/powerpoint/2010/main" val="3331175097"/>
-      </p:ext>
-    </p:extLst>
   </p:cSld>
   <p:clrMapOvr>
     <a:masterClrMapping/>
@@ -13873,13 +12357,7 @@
       </p:grpSpPr>
       <p:sp>
         <p:nvSpPr>
-          <p:cNvPr id="12" name="Title 1">
-            <a:extLst>
-              <a:ext uri="{FF2B5EF4-FFF2-40B4-BE49-F238E27FC236}">
-                <a16:creationId xmlns:a16="http://schemas.microsoft.com/office/drawing/2014/main" id="{8F6D2B1F-21AB-FC4C-ADF6-BC4463A62DC7}"/>
-              </a:ext>
-            </a:extLst>
-          </p:cNvPr>
+          <p:cNvPr id="12" name="Title 1"/>
           <p:cNvSpPr>
             <a:spLocks noGrp="1"/>
           </p:cNvSpPr>
@@ -13916,18 +12394,13 @@
               <a:rPr lang="en-US" noProof="0"/>
               <a:t>Slide Title Here</a:t>
             </a:r>
-          </a:p>
-        </p:txBody>
-      </p:sp>
-      <p:sp>
-        <p:nvSpPr>
-          <p:cNvPr id="13" name="Text Placeholder 11">
-            <a:extLst>
-              <a:ext uri="{FF2B5EF4-FFF2-40B4-BE49-F238E27FC236}">
-                <a16:creationId xmlns:a16="http://schemas.microsoft.com/office/drawing/2014/main" id="{F1372009-C299-3A49-80B3-22EAC70160E8}"/>
-              </a:ext>
-            </a:extLst>
-          </p:cNvPr>
+            <a:endParaRPr lang="en-US" noProof="0"/>
+          </a:p>
+        </p:txBody>
+      </p:sp>
+      <p:sp>
+        <p:nvSpPr>
+          <p:cNvPr id="13" name="Text Placeholder 11"/>
           <p:cNvSpPr>
             <a:spLocks noGrp="1"/>
           </p:cNvSpPr>
@@ -14008,23 +12481,18 @@
               <a:rPr lang="en-US" noProof="0"/>
               <a:t>Click to edit Master text styles</a:t>
             </a:r>
-          </a:p>
-        </p:txBody>
-      </p:sp>
-      <p:sp>
-        <p:nvSpPr>
-          <p:cNvPr id="3" name="Chart Placeholder 2">
-            <a:extLst>
-              <a:ext uri="{FF2B5EF4-FFF2-40B4-BE49-F238E27FC236}">
-                <a16:creationId xmlns:a16="http://schemas.microsoft.com/office/drawing/2014/main" id="{D352E4A8-F531-4E6C-BD45-CE540EDB1D48}"/>
-              </a:ext>
-            </a:extLst>
-          </p:cNvPr>
-          <p:cNvSpPr>
-            <a:spLocks noGrp="1"/>
-          </p:cNvSpPr>
-          <p:nvPr>
-            <p:ph type="chart" sz="quarter" idx="13"/>
+            <a:endParaRPr lang="en-US" noProof="0"/>
+          </a:p>
+        </p:txBody>
+      </p:sp>
+      <p:sp>
+        <p:nvSpPr>
+          <p:cNvPr id="3" name="Chart Placeholder 2"/>
+          <p:cNvSpPr>
+            <a:spLocks noGrp="1"/>
+          </p:cNvSpPr>
+          <p:nvPr>
+            <p:ph type="chart" sz="quarter" idx="13" hasCustomPrompt="1"/>
           </p:nvPr>
         </p:nvSpPr>
         <p:spPr>
@@ -14046,11 +12514,6 @@
         </p:txBody>
       </p:sp>
     </p:spTree>
-    <p:extLst>
-      <p:ext uri="{BB962C8B-B14F-4D97-AF65-F5344CB8AC3E}">
-        <p14:creationId xmlns:p14="http://schemas.microsoft.com/office/powerpoint/2010/main" val="744560749"/>
-      </p:ext>
-    </p:extLst>
   </p:cSld>
   <p:clrMapOvr>
     <a:masterClrMapping/>
@@ -14077,13 +12540,7 @@
       </p:grpSpPr>
       <p:sp>
         <p:nvSpPr>
-          <p:cNvPr id="12" name="Title 1">
-            <a:extLst>
-              <a:ext uri="{FF2B5EF4-FFF2-40B4-BE49-F238E27FC236}">
-                <a16:creationId xmlns:a16="http://schemas.microsoft.com/office/drawing/2014/main" id="{8F6D2B1F-21AB-FC4C-ADF6-BC4463A62DC7}"/>
-              </a:ext>
-            </a:extLst>
-          </p:cNvPr>
+          <p:cNvPr id="12" name="Title 1"/>
           <p:cNvSpPr>
             <a:spLocks noGrp="1"/>
           </p:cNvSpPr>
@@ -14120,18 +12577,13 @@
               <a:rPr lang="en-US" noProof="0"/>
               <a:t>Slide Title Here</a:t>
             </a:r>
-          </a:p>
-        </p:txBody>
-      </p:sp>
-      <p:sp>
-        <p:nvSpPr>
-          <p:cNvPr id="13" name="Text Placeholder 11">
-            <a:extLst>
-              <a:ext uri="{FF2B5EF4-FFF2-40B4-BE49-F238E27FC236}">
-                <a16:creationId xmlns:a16="http://schemas.microsoft.com/office/drawing/2014/main" id="{F1372009-C299-3A49-80B3-22EAC70160E8}"/>
-              </a:ext>
-            </a:extLst>
-          </p:cNvPr>
+            <a:endParaRPr lang="en-US" noProof="0"/>
+          </a:p>
+        </p:txBody>
+      </p:sp>
+      <p:sp>
+        <p:nvSpPr>
+          <p:cNvPr id="13" name="Text Placeholder 11"/>
           <p:cNvSpPr>
             <a:spLocks noGrp="1"/>
           </p:cNvSpPr>
@@ -14212,23 +12664,18 @@
               <a:rPr lang="en-US" noProof="0"/>
               <a:t>Click to edit Master text styles</a:t>
             </a:r>
-          </a:p>
-        </p:txBody>
-      </p:sp>
-      <p:sp>
-        <p:nvSpPr>
-          <p:cNvPr id="3" name="Chart Placeholder 2">
-            <a:extLst>
-              <a:ext uri="{FF2B5EF4-FFF2-40B4-BE49-F238E27FC236}">
-                <a16:creationId xmlns:a16="http://schemas.microsoft.com/office/drawing/2014/main" id="{D352E4A8-F531-4E6C-BD45-CE540EDB1D48}"/>
-              </a:ext>
-            </a:extLst>
-          </p:cNvPr>
-          <p:cNvSpPr>
-            <a:spLocks noGrp="1"/>
-          </p:cNvSpPr>
-          <p:nvPr>
-            <p:ph type="chart" sz="quarter" idx="13"/>
+            <a:endParaRPr lang="en-US" noProof="0"/>
+          </a:p>
+        </p:txBody>
+      </p:sp>
+      <p:sp>
+        <p:nvSpPr>
+          <p:cNvPr id="3" name="Chart Placeholder 2"/>
+          <p:cNvSpPr>
+            <a:spLocks noGrp="1"/>
+          </p:cNvSpPr>
+          <p:nvPr>
+            <p:ph type="chart" sz="quarter" idx="13" hasCustomPrompt="1"/>
           </p:nvPr>
         </p:nvSpPr>
         <p:spPr>
@@ -14251,13 +12698,7 @@
       </p:sp>
       <p:sp>
         <p:nvSpPr>
-          <p:cNvPr id="4" name="Picture Placeholder 3">
-            <a:extLst>
-              <a:ext uri="{FF2B5EF4-FFF2-40B4-BE49-F238E27FC236}">
-                <a16:creationId xmlns:a16="http://schemas.microsoft.com/office/drawing/2014/main" id="{C9E9201F-1E54-4CE0-974D-2A45F04F48B9}"/>
-              </a:ext>
-            </a:extLst>
-          </p:cNvPr>
+          <p:cNvPr id="4" name="Picture Placeholder 3"/>
           <p:cNvSpPr>
             <a:spLocks noGrp="1"/>
           </p:cNvSpPr>
@@ -14284,11 +12725,6 @@
         </p:txBody>
       </p:sp>
     </p:spTree>
-    <p:extLst>
-      <p:ext uri="{BB962C8B-B14F-4D97-AF65-F5344CB8AC3E}">
-        <p14:creationId xmlns:p14="http://schemas.microsoft.com/office/powerpoint/2010/main" val="698514559"/>
-      </p:ext>
-    </p:extLst>
   </p:cSld>
   <p:clrMapOvr>
     <a:masterClrMapping/>
@@ -14315,13 +12751,7 @@
       </p:grpSpPr>
       <p:sp>
         <p:nvSpPr>
-          <p:cNvPr id="2" name="Title 1">
-            <a:extLst>
-              <a:ext uri="{FF2B5EF4-FFF2-40B4-BE49-F238E27FC236}">
-                <a16:creationId xmlns:a16="http://schemas.microsoft.com/office/drawing/2014/main" id="{48674535-13A9-914D-A6BC-97AFF288301C}"/>
-              </a:ext>
-            </a:extLst>
-          </p:cNvPr>
+          <p:cNvPr id="2" name="Title 1"/>
           <p:cNvSpPr>
             <a:spLocks noGrp="1"/>
           </p:cNvSpPr>
@@ -14349,18 +12779,13 @@
               <a:rPr lang="en-US" dirty="0"/>
               <a:t>CLICK TO EDIT MASTER TITLE STYLE</a:t>
             </a:r>
-          </a:p>
-        </p:txBody>
-      </p:sp>
-      <p:sp>
-        <p:nvSpPr>
-          <p:cNvPr id="11" name="Text Placeholder 11">
-            <a:extLst>
-              <a:ext uri="{FF2B5EF4-FFF2-40B4-BE49-F238E27FC236}">
-                <a16:creationId xmlns:a16="http://schemas.microsoft.com/office/drawing/2014/main" id="{43A40995-514F-A74C-B120-F2ADB492062F}"/>
-              </a:ext>
-            </a:extLst>
-          </p:cNvPr>
+            <a:endParaRPr lang="en-US" dirty="0"/>
+          </a:p>
+        </p:txBody>
+      </p:sp>
+      <p:sp>
+        <p:nvSpPr>
+          <p:cNvPr id="11" name="Text Placeholder 11"/>
           <p:cNvSpPr>
             <a:spLocks noGrp="1"/>
           </p:cNvSpPr>
@@ -14422,23 +12847,18 @@
               <a:rPr lang="en-US" dirty="0"/>
               <a:t>SUBTITLE HERE</a:t>
             </a:r>
-          </a:p>
-        </p:txBody>
-      </p:sp>
-      <p:sp>
-        <p:nvSpPr>
-          <p:cNvPr id="4" name="Table Placeholder 3">
-            <a:extLst>
-              <a:ext uri="{FF2B5EF4-FFF2-40B4-BE49-F238E27FC236}">
-                <a16:creationId xmlns:a16="http://schemas.microsoft.com/office/drawing/2014/main" id="{EC1740A4-BBA1-4296-9738-ADD3B80B2439}"/>
-              </a:ext>
-            </a:extLst>
-          </p:cNvPr>
-          <p:cNvSpPr>
-            <a:spLocks noGrp="1"/>
-          </p:cNvSpPr>
-          <p:nvPr>
-            <p:ph type="tbl" sz="quarter" idx="13"/>
+            <a:endParaRPr lang="en-US" dirty="0"/>
+          </a:p>
+        </p:txBody>
+      </p:sp>
+      <p:sp>
+        <p:nvSpPr>
+          <p:cNvPr id="4" name="Table Placeholder 3"/>
+          <p:cNvSpPr>
+            <a:spLocks noGrp="1"/>
+          </p:cNvSpPr>
+          <p:nvPr>
+            <p:ph type="tbl" sz="quarter" idx="13" hasCustomPrompt="1"/>
           </p:nvPr>
         </p:nvSpPr>
         <p:spPr>
@@ -14460,11 +12880,6 @@
         </p:txBody>
       </p:sp>
     </p:spTree>
-    <p:extLst>
-      <p:ext uri="{BB962C8B-B14F-4D97-AF65-F5344CB8AC3E}">
-        <p14:creationId xmlns:p14="http://schemas.microsoft.com/office/powerpoint/2010/main" val="850829841"/>
-      </p:ext>
-    </p:extLst>
   </p:cSld>
   <p:clrMapOvr>
     <a:masterClrMapping/>
@@ -14490,11 +12905,6 @@
         </a:xfrm>
       </p:grpSpPr>
     </p:spTree>
-    <p:extLst>
-      <p:ext uri="{BB962C8B-B14F-4D97-AF65-F5344CB8AC3E}">
-        <p14:creationId xmlns:p14="http://schemas.microsoft.com/office/powerpoint/2010/main" val="1286972320"/>
-      </p:ext>
-    </p:extLst>
   </p:cSld>
   <p:clrMapOvr>
     <a:masterClrMapping/>
@@ -14529,13 +12939,7 @@
       </p:grpSpPr>
       <p:sp>
         <p:nvSpPr>
-          <p:cNvPr id="8" name="Title 1">
-            <a:extLst>
-              <a:ext uri="{FF2B5EF4-FFF2-40B4-BE49-F238E27FC236}">
-                <a16:creationId xmlns:a16="http://schemas.microsoft.com/office/drawing/2014/main" id="{0E919B9B-5D3F-4FF0-A499-8925E9560B94}"/>
-              </a:ext>
-            </a:extLst>
-          </p:cNvPr>
+          <p:cNvPr id="8" name="Title 1"/>
           <p:cNvSpPr>
             <a:spLocks noGrp="1"/>
           </p:cNvSpPr>
@@ -14568,18 +12972,13 @@
               <a:rPr lang="en-US" dirty="0"/>
               <a:t>CLICK TO ADD TITLE</a:t>
             </a:r>
-          </a:p>
-        </p:txBody>
-      </p:sp>
-      <p:sp>
-        <p:nvSpPr>
-          <p:cNvPr id="9" name="Text Placeholder 12">
-            <a:extLst>
-              <a:ext uri="{FF2B5EF4-FFF2-40B4-BE49-F238E27FC236}">
-                <a16:creationId xmlns:a16="http://schemas.microsoft.com/office/drawing/2014/main" id="{89A80859-BDA6-44AA-A750-4E06108B9B2B}"/>
-              </a:ext>
-            </a:extLst>
-          </p:cNvPr>
+            <a:endParaRPr lang="en-US" dirty="0"/>
+          </a:p>
+        </p:txBody>
+      </p:sp>
+      <p:sp>
+        <p:nvSpPr>
+          <p:cNvPr id="9" name="Text Placeholder 12"/>
           <p:cNvSpPr>
             <a:spLocks noGrp="1"/>
           </p:cNvSpPr>
@@ -14615,18 +13014,13 @@
               <a:rPr lang="en-US" dirty="0"/>
               <a:t>SUBTITLE GOES HERE</a:t>
             </a:r>
-          </a:p>
-        </p:txBody>
-      </p:sp>
-      <p:sp>
-        <p:nvSpPr>
-          <p:cNvPr id="10" name="Shape 62">
-            <a:extLst>
-              <a:ext uri="{FF2B5EF4-FFF2-40B4-BE49-F238E27FC236}">
-                <a16:creationId xmlns:a16="http://schemas.microsoft.com/office/drawing/2014/main" id="{171AB7B1-2963-43C8-84A5-2FCF188ACF42}"/>
-              </a:ext>
-            </a:extLst>
-          </p:cNvPr>
+            <a:endParaRPr lang="en-US" dirty="0"/>
+          </a:p>
+        </p:txBody>
+      </p:sp>
+      <p:sp>
+        <p:nvSpPr>
+          <p:cNvPr id="10" name="Shape 62"/>
           <p:cNvSpPr/>
           <p:nvPr userDrawn="1"/>
         </p:nvSpPr>
@@ -14666,13 +13060,7 @@
       </p:sp>
       <p:sp>
         <p:nvSpPr>
-          <p:cNvPr id="7" name="Picture Placeholder 6">
-            <a:extLst>
-              <a:ext uri="{FF2B5EF4-FFF2-40B4-BE49-F238E27FC236}">
-                <a16:creationId xmlns:a16="http://schemas.microsoft.com/office/drawing/2014/main" id="{DAA0C5BA-C2D3-4A68-8EDE-1831408789D6}"/>
-              </a:ext>
-            </a:extLst>
-          </p:cNvPr>
+          <p:cNvPr id="7" name="Picture Placeholder 6"/>
           <p:cNvSpPr>
             <a:spLocks noGrp="1"/>
           </p:cNvSpPr>
@@ -14782,11 +13170,6 @@
         </p:txBody>
       </p:sp>
     </p:spTree>
-    <p:extLst>
-      <p:ext uri="{BB962C8B-B14F-4D97-AF65-F5344CB8AC3E}">
-        <p14:creationId xmlns:p14="http://schemas.microsoft.com/office/powerpoint/2010/main" val="1132737241"/>
-      </p:ext>
-    </p:extLst>
   </p:cSld>
   <p:clrMapOvr>
     <a:masterClrMapping/>
@@ -14813,13 +13196,7 @@
       </p:grpSpPr>
       <p:sp>
         <p:nvSpPr>
-          <p:cNvPr id="3" name="Rectangle 2">
-            <a:extLst>
-              <a:ext uri="{FF2B5EF4-FFF2-40B4-BE49-F238E27FC236}">
-                <a16:creationId xmlns:a16="http://schemas.microsoft.com/office/drawing/2014/main" id="{EAB4EF4F-0A84-4C50-B171-F044231527B2}"/>
-              </a:ext>
-            </a:extLst>
-          </p:cNvPr>
+          <p:cNvPr id="3" name="Rectangle 2"/>
           <p:cNvSpPr/>
           <p:nvPr userDrawn="1"/>
         </p:nvSpPr>
@@ -14865,13 +13242,7 @@
       </p:sp>
       <p:sp>
         <p:nvSpPr>
-          <p:cNvPr id="4" name="Picture Placeholder 6">
-            <a:extLst>
-              <a:ext uri="{FF2B5EF4-FFF2-40B4-BE49-F238E27FC236}">
-                <a16:creationId xmlns:a16="http://schemas.microsoft.com/office/drawing/2014/main" id="{18957288-25D1-4D25-BECD-5A2E6A888185}"/>
-              </a:ext>
-            </a:extLst>
-          </p:cNvPr>
+          <p:cNvPr id="4" name="Picture Placeholder 6"/>
           <p:cNvSpPr>
             <a:spLocks noGrp="1"/>
           </p:cNvSpPr>
@@ -14913,13 +13284,7 @@
       </p:sp>
       <p:sp>
         <p:nvSpPr>
-          <p:cNvPr id="6" name="Picture Placeholder 6">
-            <a:extLst>
-              <a:ext uri="{FF2B5EF4-FFF2-40B4-BE49-F238E27FC236}">
-                <a16:creationId xmlns:a16="http://schemas.microsoft.com/office/drawing/2014/main" id="{3F6FD22A-5FDA-45EC-BE49-3C0E30A397B0}"/>
-              </a:ext>
-            </a:extLst>
-          </p:cNvPr>
+          <p:cNvPr id="6" name="Picture Placeholder 6"/>
           <p:cNvSpPr>
             <a:spLocks noGrp="1"/>
           </p:cNvSpPr>
@@ -14961,13 +13326,7 @@
       </p:sp>
       <p:sp>
         <p:nvSpPr>
-          <p:cNvPr id="7" name="Picture Placeholder 6">
-            <a:extLst>
-              <a:ext uri="{FF2B5EF4-FFF2-40B4-BE49-F238E27FC236}">
-                <a16:creationId xmlns:a16="http://schemas.microsoft.com/office/drawing/2014/main" id="{B64BDA74-9644-41EB-984D-939D27B60F3F}"/>
-              </a:ext>
-            </a:extLst>
-          </p:cNvPr>
+          <p:cNvPr id="7" name="Picture Placeholder 6"/>
           <p:cNvSpPr>
             <a:spLocks noGrp="1"/>
           </p:cNvSpPr>
@@ -15009,13 +13368,7 @@
       </p:sp>
       <p:sp>
         <p:nvSpPr>
-          <p:cNvPr id="8" name="Title 1">
-            <a:extLst>
-              <a:ext uri="{FF2B5EF4-FFF2-40B4-BE49-F238E27FC236}">
-                <a16:creationId xmlns:a16="http://schemas.microsoft.com/office/drawing/2014/main" id="{531D0563-B39F-46E6-AC0D-1CDBD9E8989A}"/>
-              </a:ext>
-            </a:extLst>
-          </p:cNvPr>
+          <p:cNvPr id="8" name="Title 1"/>
           <p:cNvSpPr>
             <a:spLocks noGrp="1"/>
           </p:cNvSpPr>
@@ -15052,18 +13405,13 @@
               <a:rPr lang="en-US" noProof="0"/>
               <a:t>Slide Title Here</a:t>
             </a:r>
-          </a:p>
-        </p:txBody>
-      </p:sp>
-      <p:sp>
-        <p:nvSpPr>
-          <p:cNvPr id="9" name="Shape 62">
-            <a:extLst>
-              <a:ext uri="{FF2B5EF4-FFF2-40B4-BE49-F238E27FC236}">
-                <a16:creationId xmlns:a16="http://schemas.microsoft.com/office/drawing/2014/main" id="{77A2F74A-3B1A-417B-8998-62F0E7EF0E74}"/>
-              </a:ext>
-            </a:extLst>
-          </p:cNvPr>
+            <a:endParaRPr lang="en-US" noProof="0"/>
+          </a:p>
+        </p:txBody>
+      </p:sp>
+      <p:sp>
+        <p:nvSpPr>
+          <p:cNvPr id="9" name="Shape 62"/>
           <p:cNvSpPr/>
           <p:nvPr userDrawn="1"/>
         </p:nvSpPr>
@@ -15102,11 +13450,6 @@
         </p:txBody>
       </p:sp>
     </p:spTree>
-    <p:extLst>
-      <p:ext uri="{BB962C8B-B14F-4D97-AF65-F5344CB8AC3E}">
-        <p14:creationId xmlns:p14="http://schemas.microsoft.com/office/powerpoint/2010/main" val="1252937798"/>
-      </p:ext>
-    </p:extLst>
   </p:cSld>
   <p:clrMapOvr>
     <a:masterClrMapping/>
@@ -15133,13 +13476,7 @@
       </p:grpSpPr>
       <p:sp>
         <p:nvSpPr>
-          <p:cNvPr id="3" name="Picture Placeholder 4">
-            <a:extLst>
-              <a:ext uri="{FF2B5EF4-FFF2-40B4-BE49-F238E27FC236}">
-                <a16:creationId xmlns:a16="http://schemas.microsoft.com/office/drawing/2014/main" id="{AC817481-FC70-46B9-B779-4E5C04778C8E}"/>
-              </a:ext>
-            </a:extLst>
-          </p:cNvPr>
+          <p:cNvPr id="3" name="Picture Placeholder 4"/>
           <p:cNvSpPr>
             <a:spLocks noGrp="1"/>
           </p:cNvSpPr>
@@ -15172,13 +13509,7 @@
       </p:sp>
       <p:sp>
         <p:nvSpPr>
-          <p:cNvPr id="4" name="Picture Placeholder 4">
-            <a:extLst>
-              <a:ext uri="{FF2B5EF4-FFF2-40B4-BE49-F238E27FC236}">
-                <a16:creationId xmlns:a16="http://schemas.microsoft.com/office/drawing/2014/main" id="{D653D0B5-B695-4544-91E9-B8223EA713FF}"/>
-              </a:ext>
-            </a:extLst>
-          </p:cNvPr>
+          <p:cNvPr id="4" name="Picture Placeholder 4"/>
           <p:cNvSpPr>
             <a:spLocks noGrp="1"/>
           </p:cNvSpPr>
@@ -15211,13 +13542,7 @@
       </p:sp>
       <p:sp>
         <p:nvSpPr>
-          <p:cNvPr id="5" name="Picture Placeholder 4">
-            <a:extLst>
-              <a:ext uri="{FF2B5EF4-FFF2-40B4-BE49-F238E27FC236}">
-                <a16:creationId xmlns:a16="http://schemas.microsoft.com/office/drawing/2014/main" id="{00DB6AEA-811C-4554-97AF-7D4F2639BDC7}"/>
-              </a:ext>
-            </a:extLst>
-          </p:cNvPr>
+          <p:cNvPr id="5" name="Picture Placeholder 4"/>
           <p:cNvSpPr>
             <a:spLocks noGrp="1"/>
           </p:cNvSpPr>
@@ -15250,13 +13575,7 @@
       </p:sp>
       <p:sp>
         <p:nvSpPr>
-          <p:cNvPr id="6" name="Picture Placeholder 4">
-            <a:extLst>
-              <a:ext uri="{FF2B5EF4-FFF2-40B4-BE49-F238E27FC236}">
-                <a16:creationId xmlns:a16="http://schemas.microsoft.com/office/drawing/2014/main" id="{75694821-2A94-40B8-8AAD-3E3762AFD388}"/>
-              </a:ext>
-            </a:extLst>
-          </p:cNvPr>
+          <p:cNvPr id="6" name="Picture Placeholder 4"/>
           <p:cNvSpPr>
             <a:spLocks noGrp="1"/>
           </p:cNvSpPr>
@@ -15288,11 +13607,6 @@
         </p:txBody>
       </p:sp>
     </p:spTree>
-    <p:extLst>
-      <p:ext uri="{BB962C8B-B14F-4D97-AF65-F5344CB8AC3E}">
-        <p14:creationId xmlns:p14="http://schemas.microsoft.com/office/powerpoint/2010/main" val="3532277177"/>
-      </p:ext>
-    </p:extLst>
   </p:cSld>
   <p:clrMapOvr>
     <a:masterClrMapping/>
@@ -15327,13 +13641,7 @@
       </p:grpSpPr>
       <p:sp>
         <p:nvSpPr>
-          <p:cNvPr id="11" name="Picture Placeholder 10">
-            <a:extLst>
-              <a:ext uri="{FF2B5EF4-FFF2-40B4-BE49-F238E27FC236}">
-                <a16:creationId xmlns:a16="http://schemas.microsoft.com/office/drawing/2014/main" id="{D373C762-8092-4F49-BC46-91BCA0557F23}"/>
-              </a:ext>
-            </a:extLst>
-          </p:cNvPr>
+          <p:cNvPr id="11" name="Picture Placeholder 10"/>
           <p:cNvSpPr>
             <a:spLocks noGrp="1"/>
           </p:cNvSpPr>
@@ -15444,13 +13752,7 @@
       </p:sp>
       <p:sp>
         <p:nvSpPr>
-          <p:cNvPr id="8" name="Title 1">
-            <a:extLst>
-              <a:ext uri="{FF2B5EF4-FFF2-40B4-BE49-F238E27FC236}">
-                <a16:creationId xmlns:a16="http://schemas.microsoft.com/office/drawing/2014/main" id="{0E919B9B-5D3F-4FF0-A499-8925E9560B94}"/>
-              </a:ext>
-            </a:extLst>
-          </p:cNvPr>
+          <p:cNvPr id="8" name="Title 1"/>
           <p:cNvSpPr>
             <a:spLocks noGrp="1"/>
           </p:cNvSpPr>
@@ -15483,18 +13785,13 @@
               <a:rPr lang="en-US" dirty="0"/>
               <a:t>CLICK TO ADD TITLE</a:t>
             </a:r>
-          </a:p>
-        </p:txBody>
-      </p:sp>
-      <p:sp>
-        <p:nvSpPr>
-          <p:cNvPr id="9" name="Text Placeholder 12">
-            <a:extLst>
-              <a:ext uri="{FF2B5EF4-FFF2-40B4-BE49-F238E27FC236}">
-                <a16:creationId xmlns:a16="http://schemas.microsoft.com/office/drawing/2014/main" id="{89A80859-BDA6-44AA-A750-4E06108B9B2B}"/>
-              </a:ext>
-            </a:extLst>
-          </p:cNvPr>
+            <a:endParaRPr lang="en-US" dirty="0"/>
+          </a:p>
+        </p:txBody>
+      </p:sp>
+      <p:sp>
+        <p:nvSpPr>
+          <p:cNvPr id="9" name="Text Placeholder 12"/>
           <p:cNvSpPr>
             <a:spLocks noGrp="1"/>
           </p:cNvSpPr>
@@ -15530,18 +13827,13 @@
               <a:rPr lang="en-US" dirty="0"/>
               <a:t>SUBTITLE GOES HERE</a:t>
             </a:r>
-          </a:p>
-        </p:txBody>
-      </p:sp>
-      <p:sp>
-        <p:nvSpPr>
-          <p:cNvPr id="10" name="Shape 62">
-            <a:extLst>
-              <a:ext uri="{FF2B5EF4-FFF2-40B4-BE49-F238E27FC236}">
-                <a16:creationId xmlns:a16="http://schemas.microsoft.com/office/drawing/2014/main" id="{171AB7B1-2963-43C8-84A5-2FCF188ACF42}"/>
-              </a:ext>
-            </a:extLst>
-          </p:cNvPr>
+            <a:endParaRPr lang="en-US" dirty="0"/>
+          </a:p>
+        </p:txBody>
+      </p:sp>
+      <p:sp>
+        <p:nvSpPr>
+          <p:cNvPr id="10" name="Shape 62"/>
           <p:cNvSpPr/>
           <p:nvPr userDrawn="1"/>
         </p:nvSpPr>
@@ -15580,11 +13872,6 @@
         </p:txBody>
       </p:sp>
     </p:spTree>
-    <p:extLst>
-      <p:ext uri="{BB962C8B-B14F-4D97-AF65-F5344CB8AC3E}">
-        <p14:creationId xmlns:p14="http://schemas.microsoft.com/office/powerpoint/2010/main" val="4235650404"/>
-      </p:ext>
-    </p:extLst>
   </p:cSld>
   <p:clrMapOvr>
     <a:masterClrMapping/>
@@ -15619,13 +13906,7 @@
       </p:grpSpPr>
       <p:sp>
         <p:nvSpPr>
-          <p:cNvPr id="10" name="Picture Placeholder 9">
-            <a:extLst>
-              <a:ext uri="{FF2B5EF4-FFF2-40B4-BE49-F238E27FC236}">
-                <a16:creationId xmlns:a16="http://schemas.microsoft.com/office/drawing/2014/main" id="{B652B907-27B2-46E0-B157-E5617EF0413D}"/>
-              </a:ext>
-            </a:extLst>
-          </p:cNvPr>
+          <p:cNvPr id="10" name="Picture Placeholder 9"/>
           <p:cNvSpPr>
             <a:spLocks noGrp="1"/>
           </p:cNvSpPr>
@@ -15742,13 +14023,7 @@
       </p:sp>
       <p:sp>
         <p:nvSpPr>
-          <p:cNvPr id="7" name="Title 1">
-            <a:extLst>
-              <a:ext uri="{FF2B5EF4-FFF2-40B4-BE49-F238E27FC236}">
-                <a16:creationId xmlns:a16="http://schemas.microsoft.com/office/drawing/2014/main" id="{81AEE170-55AC-411A-B257-BD682DE716D0}"/>
-              </a:ext>
-            </a:extLst>
-          </p:cNvPr>
+          <p:cNvPr id="7" name="Title 1"/>
           <p:cNvSpPr>
             <a:spLocks noGrp="1"/>
           </p:cNvSpPr>
@@ -15781,18 +14056,13 @@
               <a:rPr lang="en-US" dirty="0"/>
               <a:t>CLICK TO ADD TITLE</a:t>
             </a:r>
-          </a:p>
-        </p:txBody>
-      </p:sp>
-      <p:sp>
-        <p:nvSpPr>
-          <p:cNvPr id="8" name="Text Placeholder 12">
-            <a:extLst>
-              <a:ext uri="{FF2B5EF4-FFF2-40B4-BE49-F238E27FC236}">
-                <a16:creationId xmlns:a16="http://schemas.microsoft.com/office/drawing/2014/main" id="{92D701DC-3803-4D06-BFB3-A9F78E4022EF}"/>
-              </a:ext>
-            </a:extLst>
-          </p:cNvPr>
+            <a:endParaRPr lang="en-US" dirty="0"/>
+          </a:p>
+        </p:txBody>
+      </p:sp>
+      <p:sp>
+        <p:nvSpPr>
+          <p:cNvPr id="8" name="Text Placeholder 12"/>
           <p:cNvSpPr>
             <a:spLocks noGrp="1"/>
           </p:cNvSpPr>
@@ -15828,18 +14098,13 @@
               <a:rPr lang="en-US" dirty="0"/>
               <a:t>SUBTITLE GOES HERE</a:t>
             </a:r>
-          </a:p>
-        </p:txBody>
-      </p:sp>
-      <p:sp>
-        <p:nvSpPr>
-          <p:cNvPr id="9" name="Shape 62">
-            <a:extLst>
-              <a:ext uri="{FF2B5EF4-FFF2-40B4-BE49-F238E27FC236}">
-                <a16:creationId xmlns:a16="http://schemas.microsoft.com/office/drawing/2014/main" id="{71FB5177-8D30-4482-99E2-8BFEB1D37D9E}"/>
-              </a:ext>
-            </a:extLst>
-          </p:cNvPr>
+            <a:endParaRPr lang="en-US" dirty="0"/>
+          </a:p>
+        </p:txBody>
+      </p:sp>
+      <p:sp>
+        <p:nvSpPr>
+          <p:cNvPr id="9" name="Shape 62"/>
           <p:cNvSpPr/>
           <p:nvPr userDrawn="1"/>
         </p:nvSpPr>
@@ -15878,31 +14143,10 @@
         </p:txBody>
       </p:sp>
     </p:spTree>
-    <p:extLst>
-      <p:ext uri="{BB962C8B-B14F-4D97-AF65-F5344CB8AC3E}">
-        <p14:creationId xmlns:p14="http://schemas.microsoft.com/office/powerpoint/2010/main" val="934178817"/>
-      </p:ext>
-    </p:extLst>
   </p:cSld>
   <p:clrMapOvr>
     <a:masterClrMapping/>
   </p:clrMapOvr>
-  <p:extLst>
-    <p:ext uri="{DCECCB84-F9BA-43D5-87BE-67443E8EF086}">
-      <p15:sldGuideLst xmlns:p15="http://schemas.microsoft.com/office/powerpoint/2012/main">
-        <p15:guide id="1" orient="horz" pos="2160">
-          <p15:clr>
-            <a:srgbClr val="FBAE40"/>
-          </p15:clr>
-        </p15:guide>
-        <p15:guide id="2" pos="3840">
-          <p15:clr>
-            <a:srgbClr val="FBAE40"/>
-          </p15:clr>
-        </p15:guide>
-      </p15:sldGuideLst>
-    </p:ext>
-  </p:extLst>
 </p:sldLayout>
 </file>
 
@@ -15933,13 +14177,7 @@
       </p:grpSpPr>
       <p:sp>
         <p:nvSpPr>
-          <p:cNvPr id="2" name="Title 1">
-            <a:extLst>
-              <a:ext uri="{FF2B5EF4-FFF2-40B4-BE49-F238E27FC236}">
-                <a16:creationId xmlns:a16="http://schemas.microsoft.com/office/drawing/2014/main" id="{408AC775-D0E4-4AE8-B104-8AF0CC99549B}"/>
-              </a:ext>
-            </a:extLst>
-          </p:cNvPr>
+          <p:cNvPr id="2" name="Title 1"/>
           <p:cNvSpPr>
             <a:spLocks noGrp="1"/>
           </p:cNvSpPr>
@@ -15974,18 +14212,13 @@
               <a:rPr lang="en-US" dirty="0"/>
               <a:t>Agenda</a:t>
             </a:r>
-          </a:p>
-        </p:txBody>
-      </p:sp>
-      <p:sp>
-        <p:nvSpPr>
-          <p:cNvPr id="29" name="Picture Placeholder 28">
-            <a:extLst>
-              <a:ext uri="{FF2B5EF4-FFF2-40B4-BE49-F238E27FC236}">
-                <a16:creationId xmlns:a16="http://schemas.microsoft.com/office/drawing/2014/main" id="{AA648B5A-E380-4E42-882E-71EBF6838E22}"/>
-              </a:ext>
-            </a:extLst>
-          </p:cNvPr>
+            <a:endParaRPr lang="en-US" dirty="0"/>
+          </a:p>
+        </p:txBody>
+      </p:sp>
+      <p:sp>
+        <p:nvSpPr>
+          <p:cNvPr id="29" name="Picture Placeholder 28"/>
           <p:cNvSpPr>
             <a:spLocks noGrp="1"/>
           </p:cNvSpPr>
@@ -16019,13 +14252,7 @@
       </p:sp>
       <p:sp>
         <p:nvSpPr>
-          <p:cNvPr id="32" name="Text Placeholder 30">
-            <a:extLst>
-              <a:ext uri="{FF2B5EF4-FFF2-40B4-BE49-F238E27FC236}">
-                <a16:creationId xmlns:a16="http://schemas.microsoft.com/office/drawing/2014/main" id="{A0A47E85-3BCA-460F-8AB1-52D89AC152B5}"/>
-              </a:ext>
-            </a:extLst>
-          </p:cNvPr>
+          <p:cNvPr id="32" name="Text Placeholder 30"/>
           <p:cNvSpPr>
             <a:spLocks noGrp="1"/>
           </p:cNvSpPr>
@@ -16072,18 +14299,13 @@
               <a:rPr lang="en-US" dirty="0"/>
               <a:t>text styles</a:t>
             </a:r>
-          </a:p>
-        </p:txBody>
-      </p:sp>
-      <p:sp>
-        <p:nvSpPr>
-          <p:cNvPr id="33" name="Text Placeholder 30">
-            <a:extLst>
-              <a:ext uri="{FF2B5EF4-FFF2-40B4-BE49-F238E27FC236}">
-                <a16:creationId xmlns:a16="http://schemas.microsoft.com/office/drawing/2014/main" id="{D357C748-EEC9-489A-BCC6-CA3A91E3F2AD}"/>
-              </a:ext>
-            </a:extLst>
-          </p:cNvPr>
+            <a:endParaRPr lang="en-US" dirty="0"/>
+          </a:p>
+        </p:txBody>
+      </p:sp>
+      <p:sp>
+        <p:nvSpPr>
+          <p:cNvPr id="33" name="Text Placeholder 30"/>
           <p:cNvSpPr>
             <a:spLocks noGrp="1"/>
           </p:cNvSpPr>
@@ -16133,18 +14355,13 @@
               <a:rPr lang="en-US" dirty="0"/>
               <a:t>text styles</a:t>
             </a:r>
-          </a:p>
-        </p:txBody>
-      </p:sp>
-      <p:sp>
-        <p:nvSpPr>
-          <p:cNvPr id="34" name="Text Placeholder 30">
-            <a:extLst>
-              <a:ext uri="{FF2B5EF4-FFF2-40B4-BE49-F238E27FC236}">
-                <a16:creationId xmlns:a16="http://schemas.microsoft.com/office/drawing/2014/main" id="{59136E3C-98E8-457D-ABD1-BA278DBB491B}"/>
-              </a:ext>
-            </a:extLst>
-          </p:cNvPr>
+            <a:endParaRPr lang="en-US" dirty="0"/>
+          </a:p>
+        </p:txBody>
+      </p:sp>
+      <p:sp>
+        <p:nvSpPr>
+          <p:cNvPr id="34" name="Text Placeholder 30"/>
           <p:cNvSpPr>
             <a:spLocks noGrp="1"/>
           </p:cNvSpPr>
@@ -16194,18 +14411,13 @@
               <a:rPr lang="en-US" dirty="0"/>
               <a:t>text styles</a:t>
             </a:r>
-          </a:p>
-        </p:txBody>
-      </p:sp>
-      <p:sp>
-        <p:nvSpPr>
-          <p:cNvPr id="35" name="Text Placeholder 30">
-            <a:extLst>
-              <a:ext uri="{FF2B5EF4-FFF2-40B4-BE49-F238E27FC236}">
-                <a16:creationId xmlns:a16="http://schemas.microsoft.com/office/drawing/2014/main" id="{3F9938E0-7CFD-4C1C-88B0-388D25B8B1B8}"/>
-              </a:ext>
-            </a:extLst>
-          </p:cNvPr>
+            <a:endParaRPr lang="en-US" dirty="0"/>
+          </a:p>
+        </p:txBody>
+      </p:sp>
+      <p:sp>
+        <p:nvSpPr>
+          <p:cNvPr id="35" name="Text Placeholder 30"/>
           <p:cNvSpPr>
             <a:spLocks noGrp="1"/>
           </p:cNvSpPr>
@@ -16255,18 +14467,13 @@
               <a:rPr lang="en-US" dirty="0"/>
               <a:t>text styles</a:t>
             </a:r>
-          </a:p>
-        </p:txBody>
-      </p:sp>
-      <p:sp>
-        <p:nvSpPr>
-          <p:cNvPr id="36" name="Text Placeholder 30">
-            <a:extLst>
-              <a:ext uri="{FF2B5EF4-FFF2-40B4-BE49-F238E27FC236}">
-                <a16:creationId xmlns:a16="http://schemas.microsoft.com/office/drawing/2014/main" id="{D274E9A2-3272-442A-A247-A383255C45F7}"/>
-              </a:ext>
-            </a:extLst>
-          </p:cNvPr>
+            <a:endParaRPr lang="en-US" dirty="0"/>
+          </a:p>
+        </p:txBody>
+      </p:sp>
+      <p:sp>
+        <p:nvSpPr>
+          <p:cNvPr id="36" name="Text Placeholder 30"/>
           <p:cNvSpPr>
             <a:spLocks noGrp="1"/>
           </p:cNvSpPr>
@@ -16316,18 +14523,13 @@
               <a:rPr lang="en-US" dirty="0"/>
               <a:t>text styles</a:t>
             </a:r>
-          </a:p>
-        </p:txBody>
-      </p:sp>
-      <p:sp>
-        <p:nvSpPr>
-          <p:cNvPr id="42" name="Shape 62">
-            <a:extLst>
-              <a:ext uri="{FF2B5EF4-FFF2-40B4-BE49-F238E27FC236}">
-                <a16:creationId xmlns:a16="http://schemas.microsoft.com/office/drawing/2014/main" id="{2683CBB0-468F-4DD2-853B-FBFFA91B662E}"/>
-              </a:ext>
-            </a:extLst>
-          </p:cNvPr>
+            <a:endParaRPr lang="en-US" dirty="0"/>
+          </a:p>
+        </p:txBody>
+      </p:sp>
+      <p:sp>
+        <p:nvSpPr>
+          <p:cNvPr id="42" name="Shape 62"/>
           <p:cNvSpPr/>
           <p:nvPr userDrawn="1"/>
         </p:nvSpPr>
@@ -16366,11 +14568,6 @@
         </p:txBody>
       </p:sp>
     </p:spTree>
-    <p:extLst>
-      <p:ext uri="{BB962C8B-B14F-4D97-AF65-F5344CB8AC3E}">
-        <p14:creationId xmlns:p14="http://schemas.microsoft.com/office/powerpoint/2010/main" val="1226060406"/>
-      </p:ext>
-    </p:extLst>
   </p:cSld>
   <p:clrMapOvr>
     <a:masterClrMapping/>
@@ -16405,13 +14602,7 @@
       </p:grpSpPr>
       <p:sp>
         <p:nvSpPr>
-          <p:cNvPr id="2" name="Title 1">
-            <a:extLst>
-              <a:ext uri="{FF2B5EF4-FFF2-40B4-BE49-F238E27FC236}">
-                <a16:creationId xmlns:a16="http://schemas.microsoft.com/office/drawing/2014/main" id="{408AC775-D0E4-4AE8-B104-8AF0CC99549B}"/>
-              </a:ext>
-            </a:extLst>
-          </p:cNvPr>
+          <p:cNvPr id="2" name="Title 1"/>
           <p:cNvSpPr>
             <a:spLocks noGrp="1"/>
           </p:cNvSpPr>
@@ -16446,18 +14637,13 @@
               <a:rPr lang="en-US" dirty="0"/>
               <a:t>Agenda</a:t>
             </a:r>
-          </a:p>
-        </p:txBody>
-      </p:sp>
-      <p:sp>
-        <p:nvSpPr>
-          <p:cNvPr id="29" name="Picture Placeholder 28">
-            <a:extLst>
-              <a:ext uri="{FF2B5EF4-FFF2-40B4-BE49-F238E27FC236}">
-                <a16:creationId xmlns:a16="http://schemas.microsoft.com/office/drawing/2014/main" id="{AA648B5A-E380-4E42-882E-71EBF6838E22}"/>
-              </a:ext>
-            </a:extLst>
-          </p:cNvPr>
+            <a:endParaRPr lang="en-US" dirty="0"/>
+          </a:p>
+        </p:txBody>
+      </p:sp>
+      <p:sp>
+        <p:nvSpPr>
+          <p:cNvPr id="29" name="Picture Placeholder 28"/>
           <p:cNvSpPr>
             <a:spLocks noGrp="1"/>
           </p:cNvSpPr>
@@ -16491,13 +14677,7 @@
       </p:sp>
       <p:sp>
         <p:nvSpPr>
-          <p:cNvPr id="32" name="Text Placeholder 30">
-            <a:extLst>
-              <a:ext uri="{FF2B5EF4-FFF2-40B4-BE49-F238E27FC236}">
-                <a16:creationId xmlns:a16="http://schemas.microsoft.com/office/drawing/2014/main" id="{A0A47E85-3BCA-460F-8AB1-52D89AC152B5}"/>
-              </a:ext>
-            </a:extLst>
-          </p:cNvPr>
+          <p:cNvPr id="32" name="Text Placeholder 30"/>
           <p:cNvSpPr>
             <a:spLocks noGrp="1"/>
           </p:cNvSpPr>
@@ -16544,18 +14724,13 @@
               <a:rPr lang="en-US" dirty="0"/>
               <a:t>text styles</a:t>
             </a:r>
-          </a:p>
-        </p:txBody>
-      </p:sp>
-      <p:sp>
-        <p:nvSpPr>
-          <p:cNvPr id="33" name="Text Placeholder 30">
-            <a:extLst>
-              <a:ext uri="{FF2B5EF4-FFF2-40B4-BE49-F238E27FC236}">
-                <a16:creationId xmlns:a16="http://schemas.microsoft.com/office/drawing/2014/main" id="{D357C748-EEC9-489A-BCC6-CA3A91E3F2AD}"/>
-              </a:ext>
-            </a:extLst>
-          </p:cNvPr>
+            <a:endParaRPr lang="en-US" dirty="0"/>
+          </a:p>
+        </p:txBody>
+      </p:sp>
+      <p:sp>
+        <p:nvSpPr>
+          <p:cNvPr id="33" name="Text Placeholder 30"/>
           <p:cNvSpPr>
             <a:spLocks noGrp="1"/>
           </p:cNvSpPr>
@@ -16605,18 +14780,13 @@
               <a:rPr lang="en-US" dirty="0"/>
               <a:t>text styles</a:t>
             </a:r>
-          </a:p>
-        </p:txBody>
-      </p:sp>
-      <p:sp>
-        <p:nvSpPr>
-          <p:cNvPr id="34" name="Text Placeholder 30">
-            <a:extLst>
-              <a:ext uri="{FF2B5EF4-FFF2-40B4-BE49-F238E27FC236}">
-                <a16:creationId xmlns:a16="http://schemas.microsoft.com/office/drawing/2014/main" id="{59136E3C-98E8-457D-ABD1-BA278DBB491B}"/>
-              </a:ext>
-            </a:extLst>
-          </p:cNvPr>
+            <a:endParaRPr lang="en-US" dirty="0"/>
+          </a:p>
+        </p:txBody>
+      </p:sp>
+      <p:sp>
+        <p:nvSpPr>
+          <p:cNvPr id="34" name="Text Placeholder 30"/>
           <p:cNvSpPr>
             <a:spLocks noGrp="1"/>
           </p:cNvSpPr>
@@ -16666,18 +14836,13 @@
               <a:rPr lang="en-US" dirty="0"/>
               <a:t>text styles</a:t>
             </a:r>
-          </a:p>
-        </p:txBody>
-      </p:sp>
-      <p:sp>
-        <p:nvSpPr>
-          <p:cNvPr id="35" name="Text Placeholder 30">
-            <a:extLst>
-              <a:ext uri="{FF2B5EF4-FFF2-40B4-BE49-F238E27FC236}">
-                <a16:creationId xmlns:a16="http://schemas.microsoft.com/office/drawing/2014/main" id="{3F9938E0-7CFD-4C1C-88B0-388D25B8B1B8}"/>
-              </a:ext>
-            </a:extLst>
-          </p:cNvPr>
+            <a:endParaRPr lang="en-US" dirty="0"/>
+          </a:p>
+        </p:txBody>
+      </p:sp>
+      <p:sp>
+        <p:nvSpPr>
+          <p:cNvPr id="35" name="Text Placeholder 30"/>
           <p:cNvSpPr>
             <a:spLocks noGrp="1"/>
           </p:cNvSpPr>
@@ -16727,18 +14892,13 @@
               <a:rPr lang="en-US" dirty="0"/>
               <a:t>text styles</a:t>
             </a:r>
-          </a:p>
-        </p:txBody>
-      </p:sp>
-      <p:sp>
-        <p:nvSpPr>
-          <p:cNvPr id="36" name="Text Placeholder 30">
-            <a:extLst>
-              <a:ext uri="{FF2B5EF4-FFF2-40B4-BE49-F238E27FC236}">
-                <a16:creationId xmlns:a16="http://schemas.microsoft.com/office/drawing/2014/main" id="{D274E9A2-3272-442A-A247-A383255C45F7}"/>
-              </a:ext>
-            </a:extLst>
-          </p:cNvPr>
+            <a:endParaRPr lang="en-US" dirty="0"/>
+          </a:p>
+        </p:txBody>
+      </p:sp>
+      <p:sp>
+        <p:nvSpPr>
+          <p:cNvPr id="36" name="Text Placeholder 30"/>
           <p:cNvSpPr>
             <a:spLocks noGrp="1"/>
           </p:cNvSpPr>
@@ -16788,18 +14948,13 @@
               <a:rPr lang="en-US" dirty="0"/>
               <a:t>text styles</a:t>
             </a:r>
-          </a:p>
-        </p:txBody>
-      </p:sp>
-      <p:sp>
-        <p:nvSpPr>
-          <p:cNvPr id="42" name="Shape 62">
-            <a:extLst>
-              <a:ext uri="{FF2B5EF4-FFF2-40B4-BE49-F238E27FC236}">
-                <a16:creationId xmlns:a16="http://schemas.microsoft.com/office/drawing/2014/main" id="{2683CBB0-468F-4DD2-853B-FBFFA91B662E}"/>
-              </a:ext>
-            </a:extLst>
-          </p:cNvPr>
+            <a:endParaRPr lang="en-US" dirty="0"/>
+          </a:p>
+        </p:txBody>
+      </p:sp>
+      <p:sp>
+        <p:nvSpPr>
+          <p:cNvPr id="42" name="Shape 62"/>
           <p:cNvSpPr/>
           <p:nvPr userDrawn="1"/>
         </p:nvSpPr>
@@ -16839,13 +14994,7 @@
       </p:sp>
       <p:sp>
         <p:nvSpPr>
-          <p:cNvPr id="3" name="Rectangle 2">
-            <a:extLst>
-              <a:ext uri="{FF2B5EF4-FFF2-40B4-BE49-F238E27FC236}">
-                <a16:creationId xmlns:a16="http://schemas.microsoft.com/office/drawing/2014/main" id="{E2F3CED5-D6C7-4A0B-B731-FDB78F4E3341}"/>
-              </a:ext>
-            </a:extLst>
-          </p:cNvPr>
+          <p:cNvPr id="3" name="Rectangle 2"/>
           <p:cNvSpPr/>
           <p:nvPr userDrawn="1"/>
         </p:nvSpPr>
@@ -16890,11 +15039,6 @@
         </p:txBody>
       </p:sp>
     </p:spTree>
-    <p:extLst>
-      <p:ext uri="{BB962C8B-B14F-4D97-AF65-F5344CB8AC3E}">
-        <p14:creationId xmlns:p14="http://schemas.microsoft.com/office/powerpoint/2010/main" val="2595043016"/>
-      </p:ext>
-    </p:extLst>
   </p:cSld>
   <p:clrMapOvr>
     <a:masterClrMapping/>
@@ -16926,13 +15070,7 @@
       </p:grpSpPr>
       <p:sp>
         <p:nvSpPr>
-          <p:cNvPr id="2" name="Title Placeholder 1">
-            <a:extLst>
-              <a:ext uri="{FF2B5EF4-FFF2-40B4-BE49-F238E27FC236}">
-                <a16:creationId xmlns:a16="http://schemas.microsoft.com/office/drawing/2014/main" id="{E1F0FA98-2EE8-734A-95BB-A4637DCAD581}"/>
-              </a:ext>
-            </a:extLst>
-          </p:cNvPr>
+          <p:cNvPr id="2" name="Title Placeholder 1"/>
           <p:cNvSpPr>
             <a:spLocks noGrp="1"/>
           </p:cNvSpPr>
@@ -16965,13 +15103,7 @@
       </p:sp>
       <p:sp>
         <p:nvSpPr>
-          <p:cNvPr id="3" name="Text Placeholder 2">
-            <a:extLst>
-              <a:ext uri="{FF2B5EF4-FFF2-40B4-BE49-F238E27FC236}">
-                <a16:creationId xmlns:a16="http://schemas.microsoft.com/office/drawing/2014/main" id="{E655A45B-F495-F641-AA7A-36292C3CC99A}"/>
-              </a:ext>
-            </a:extLst>
-          </p:cNvPr>
+          <p:cNvPr id="3" name="Text Placeholder 2"/>
           <p:cNvSpPr>
             <a:spLocks noGrp="1"/>
           </p:cNvSpPr>
@@ -16999,6 +15131,7 @@
               <a:rPr lang="en-US"/>
               <a:t>Click to edit Master text styles</a:t>
             </a:r>
+            <a:endParaRPr lang="en-US"/>
           </a:p>
           <a:p>
             <a:pPr lvl="1"/>
@@ -17006,6 +15139,7 @@
               <a:rPr lang="en-US"/>
               <a:t>Second level</a:t>
             </a:r>
+            <a:endParaRPr lang="en-US"/>
           </a:p>
           <a:p>
             <a:pPr lvl="2"/>
@@ -17013,6 +15147,7 @@
               <a:rPr lang="en-US"/>
               <a:t>Third level</a:t>
             </a:r>
+            <a:endParaRPr lang="en-US"/>
           </a:p>
           <a:p>
             <a:pPr lvl="3"/>
@@ -17020,6 +15155,7 @@
               <a:rPr lang="en-US"/>
               <a:t>Fourth level</a:t>
             </a:r>
+            <a:endParaRPr lang="en-US"/>
           </a:p>
           <a:p>
             <a:pPr lvl="4"/>
@@ -17033,13 +15169,7 @@
       </p:sp>
       <p:sp>
         <p:nvSpPr>
-          <p:cNvPr id="5" name="Footer Placeholder 4">
-            <a:extLst>
-              <a:ext uri="{FF2B5EF4-FFF2-40B4-BE49-F238E27FC236}">
-                <a16:creationId xmlns:a16="http://schemas.microsoft.com/office/drawing/2014/main" id="{89227B26-65C5-5A4B-AAEC-70B3B5201C51}"/>
-              </a:ext>
-            </a:extLst>
-          </p:cNvPr>
+          <p:cNvPr id="5" name="Footer Placeholder 4"/>
           <p:cNvSpPr>
             <a:spLocks noGrp="1"/>
           </p:cNvSpPr>
@@ -17075,65 +15205,60 @@
         </p:txBody>
       </p:sp>
     </p:spTree>
-    <p:extLst>
-      <p:ext uri="{BB962C8B-B14F-4D97-AF65-F5344CB8AC3E}">
-        <p14:creationId xmlns:p14="http://schemas.microsoft.com/office/powerpoint/2010/main" val="4050737061"/>
-      </p:ext>
-    </p:extLst>
   </p:cSld>
   <p:clrMap bg1="lt1" tx1="dk1" bg2="lt2" tx2="dk2" accent1="accent1" accent2="accent2" accent3="accent3" accent4="accent4" accent5="accent5" accent6="accent6" hlink="hlink" folHlink="folHlink"/>
   <p:sldLayoutIdLst>
-    <p:sldLayoutId id="2147483673" r:id="rId1"/>
-    <p:sldLayoutId id="2147483735" r:id="rId2"/>
-    <p:sldLayoutId id="2147483689" r:id="rId3"/>
-    <p:sldLayoutId id="2147483684" r:id="rId4"/>
-    <p:sldLayoutId id="2147483651" r:id="rId5"/>
-    <p:sldLayoutId id="2147483685" r:id="rId6"/>
-    <p:sldLayoutId id="2147483674" r:id="rId7"/>
-    <p:sldLayoutId id="2147483690" r:id="rId8"/>
-    <p:sldLayoutId id="2147483694" r:id="rId9"/>
-    <p:sldLayoutId id="2147483693" r:id="rId10"/>
-    <p:sldLayoutId id="2147483686" r:id="rId11"/>
-    <p:sldLayoutId id="2147483703" r:id="rId12"/>
-    <p:sldLayoutId id="2147483709" r:id="rId13"/>
-    <p:sldLayoutId id="2147483710" r:id="rId14"/>
-    <p:sldLayoutId id="2147483711" r:id="rId15"/>
-    <p:sldLayoutId id="2147483712" r:id="rId16"/>
-    <p:sldLayoutId id="2147483704" r:id="rId17"/>
-    <p:sldLayoutId id="2147483702" r:id="rId18"/>
-    <p:sldLayoutId id="2147483713" r:id="rId19"/>
-    <p:sldLayoutId id="2147483714" r:id="rId20"/>
-    <p:sldLayoutId id="2147483715" r:id="rId21"/>
-    <p:sldLayoutId id="2147483695" r:id="rId22"/>
-    <p:sldLayoutId id="2147483730" r:id="rId23"/>
-    <p:sldLayoutId id="2147483698" r:id="rId24"/>
-    <p:sldLayoutId id="2147483731" r:id="rId25"/>
-    <p:sldLayoutId id="2147483699" r:id="rId26"/>
-    <p:sldLayoutId id="2147483732" r:id="rId27"/>
-    <p:sldLayoutId id="2147483700" r:id="rId28"/>
-    <p:sldLayoutId id="2147483733" r:id="rId29"/>
-    <p:sldLayoutId id="2147483701" r:id="rId30"/>
-    <p:sldLayoutId id="2147483734" r:id="rId31"/>
-    <p:sldLayoutId id="2147483696" r:id="rId32"/>
-    <p:sldLayoutId id="2147483705" r:id="rId33"/>
-    <p:sldLayoutId id="2147483706" r:id="rId34"/>
-    <p:sldLayoutId id="2147483707" r:id="rId35"/>
-    <p:sldLayoutId id="2147483708" r:id="rId36"/>
-    <p:sldLayoutId id="2147483687" r:id="rId37"/>
-    <p:sldLayoutId id="2147483660" r:id="rId38"/>
-    <p:sldLayoutId id="2147483719" r:id="rId39"/>
-    <p:sldLayoutId id="2147483720" r:id="rId40"/>
-    <p:sldLayoutId id="2147483718" r:id="rId41"/>
-    <p:sldLayoutId id="2147483721" r:id="rId42"/>
-    <p:sldLayoutId id="2147483716" r:id="rId43"/>
-    <p:sldLayoutId id="2147483722" r:id="rId44"/>
-    <p:sldLayoutId id="2147483723" r:id="rId45"/>
-    <p:sldLayoutId id="2147483725" r:id="rId46"/>
-    <p:sldLayoutId id="2147483726" r:id="rId47"/>
-    <p:sldLayoutId id="2147483675" r:id="rId48"/>
-    <p:sldLayoutId id="2147483677" r:id="rId49"/>
-    <p:sldLayoutId id="2147483729" r:id="rId50"/>
-    <p:sldLayoutId id="2147483728" r:id="rId51"/>
+    <p:sldLayoutId id="2147483649" r:id="rId1"/>
+    <p:sldLayoutId id="2147483650" r:id="rId2"/>
+    <p:sldLayoutId id="2147483651" r:id="rId3"/>
+    <p:sldLayoutId id="2147483652" r:id="rId4"/>
+    <p:sldLayoutId id="2147483653" r:id="rId5"/>
+    <p:sldLayoutId id="2147483654" r:id="rId6"/>
+    <p:sldLayoutId id="2147483655" r:id="rId7"/>
+    <p:sldLayoutId id="2147483656" r:id="rId8"/>
+    <p:sldLayoutId id="2147483657" r:id="rId9"/>
+    <p:sldLayoutId id="2147483658" r:id="rId10"/>
+    <p:sldLayoutId id="2147483659" r:id="rId11"/>
+    <p:sldLayoutId id="2147483660" r:id="rId12"/>
+    <p:sldLayoutId id="2147483661" r:id="rId13"/>
+    <p:sldLayoutId id="2147483662" r:id="rId14"/>
+    <p:sldLayoutId id="2147483663" r:id="rId15"/>
+    <p:sldLayoutId id="2147483664" r:id="rId16"/>
+    <p:sldLayoutId id="2147483665" r:id="rId17"/>
+    <p:sldLayoutId id="2147483666" r:id="rId18"/>
+    <p:sldLayoutId id="2147483667" r:id="rId19"/>
+    <p:sldLayoutId id="2147483668" r:id="rId20"/>
+    <p:sldLayoutId id="2147483669" r:id="rId21"/>
+    <p:sldLayoutId id="2147483670" r:id="rId22"/>
+    <p:sldLayoutId id="2147483671" r:id="rId23"/>
+    <p:sldLayoutId id="2147483672" r:id="rId24"/>
+    <p:sldLayoutId id="2147483673" r:id="rId25"/>
+    <p:sldLayoutId id="2147483674" r:id="rId26"/>
+    <p:sldLayoutId id="2147483675" r:id="rId27"/>
+    <p:sldLayoutId id="2147483676" r:id="rId28"/>
+    <p:sldLayoutId id="2147483677" r:id="rId29"/>
+    <p:sldLayoutId id="2147483678" r:id="rId30"/>
+    <p:sldLayoutId id="2147483679" r:id="rId31"/>
+    <p:sldLayoutId id="2147483680" r:id="rId32"/>
+    <p:sldLayoutId id="2147483681" r:id="rId33"/>
+    <p:sldLayoutId id="2147483682" r:id="rId34"/>
+    <p:sldLayoutId id="2147483683" r:id="rId35"/>
+    <p:sldLayoutId id="2147483684" r:id="rId36"/>
+    <p:sldLayoutId id="2147483685" r:id="rId37"/>
+    <p:sldLayoutId id="2147483686" r:id="rId38"/>
+    <p:sldLayoutId id="2147483687" r:id="rId39"/>
+    <p:sldLayoutId id="2147483688" r:id="rId40"/>
+    <p:sldLayoutId id="2147483689" r:id="rId41"/>
+    <p:sldLayoutId id="2147483690" r:id="rId42"/>
+    <p:sldLayoutId id="2147483691" r:id="rId43"/>
+    <p:sldLayoutId id="2147483692" r:id="rId44"/>
+    <p:sldLayoutId id="2147483693" r:id="rId45"/>
+    <p:sldLayoutId id="2147483694" r:id="rId46"/>
+    <p:sldLayoutId id="2147483695" r:id="rId47"/>
+    <p:sldLayoutId id="2147483696" r:id="rId48"/>
+    <p:sldLayoutId id="2147483697" r:id="rId49"/>
+    <p:sldLayoutId id="2147483698" r:id="rId50"/>
+    <p:sldLayoutId id="2147483699" r:id="rId51"/>
   </p:sldLayoutIdLst>
   <p:txStyles>
     <p:titleStyle>
@@ -17415,22 +15540,6 @@
       </a:lvl9pPr>
     </p:otherStyle>
   </p:txStyles>
-  <p:extLst>
-    <p:ext uri="{27BBF7A9-308A-43DC-89C8-2F10F3537804}">
-      <p15:sldGuideLst xmlns:p15="http://schemas.microsoft.com/office/powerpoint/2012/main">
-        <p15:guide id="1" pos="528" userDrawn="1">
-          <p15:clr>
-            <a:srgbClr val="F26B43"/>
-          </p15:clr>
-        </p15:guide>
-        <p15:guide id="2" orient="horz" pos="4042" userDrawn="1">
-          <p15:clr>
-            <a:srgbClr val="F26B43"/>
-          </p15:clr>
-        </p15:guide>
-      </p15:sldGuideLst>
-    </p:ext>
-  </p:extLst>
 </p:sldMaster>
 </file>
 
@@ -17453,13 +15562,7 @@
       </p:grpSpPr>
       <p:sp>
         <p:nvSpPr>
-          <p:cNvPr id="2" name="Title 1">
-            <a:extLst>
-              <a:ext uri="{FF2B5EF4-FFF2-40B4-BE49-F238E27FC236}">
-                <a16:creationId xmlns:a16="http://schemas.microsoft.com/office/drawing/2014/main" id="{14801ABD-7339-4C70-82A3-696BE8EF14DF}"/>
-              </a:ext>
-            </a:extLst>
-          </p:cNvPr>
+          <p:cNvPr id="2" name="Title 1"/>
           <p:cNvSpPr>
             <a:spLocks noGrp="1"/>
           </p:cNvSpPr>
@@ -17476,18 +15579,13 @@
               <a:rPr lang="en-US" dirty="0"/>
               <a:t>Rashik Rahman</a:t>
             </a:r>
-          </a:p>
-        </p:txBody>
-      </p:sp>
-      <p:sp>
-        <p:nvSpPr>
-          <p:cNvPr id="6" name="Text Placeholder 5">
-            <a:extLst>
-              <a:ext uri="{FF2B5EF4-FFF2-40B4-BE49-F238E27FC236}">
-                <a16:creationId xmlns:a16="http://schemas.microsoft.com/office/drawing/2014/main" id="{849EBC96-F2B6-43D3-A761-898E1D269BC3}"/>
-              </a:ext>
-            </a:extLst>
-          </p:cNvPr>
+            <a:endParaRPr lang="en-US" dirty="0"/>
+          </a:p>
+        </p:txBody>
+      </p:sp>
+      <p:sp>
+        <p:nvSpPr>
+          <p:cNvPr id="6" name="Text Placeholder 5"/>
           <p:cNvSpPr>
             <a:spLocks noGrp="1"/>
           </p:cNvSpPr>
@@ -17506,12 +15604,14 @@
               <a:rPr lang="en-US" sz="7200" dirty="0"/>
               <a:t>ID : 17201012</a:t>
             </a:r>
+            <a:endParaRPr lang="en-US" sz="7200" dirty="0"/>
           </a:p>
           <a:p>
             <a:r>
               <a:rPr lang="en-US" sz="7200" dirty="0"/>
               <a:t>Sec : A2</a:t>
             </a:r>
+            <a:endParaRPr lang="en-US" sz="7200" dirty="0"/>
           </a:p>
           <a:p>
             <a:endParaRPr lang="en-US" dirty="0"/>
@@ -17520,16 +15620,7 @@
       </p:sp>
       <p:pic>
         <p:nvPicPr>
-          <p:cNvPr id="13" name="Picture Placeholder 5" descr="Buildings">
-            <a:extLst>
-              <a:ext uri="{FF2B5EF4-FFF2-40B4-BE49-F238E27FC236}">
-                <a16:creationId xmlns:a16="http://schemas.microsoft.com/office/drawing/2014/main" id="{002497D9-8F14-40C3-90A2-8264564E1F97}"/>
-              </a:ext>
-              <a:ext uri="{C183D7F6-B498-43B3-948B-1728B52AA6E4}">
-                <adec:decorative xmlns:adec="http://schemas.microsoft.com/office/drawing/2017/decorative" val="0"/>
-              </a:ext>
-            </a:extLst>
-          </p:cNvPr>
+          <p:cNvPr id="13" name="Picture Placeholder 5" descr="Buildings"/>
           <p:cNvPicPr>
             <a:picLocks noGrp="1" noChangeAspect="1"/>
           </p:cNvPicPr>
@@ -17538,13 +15629,8 @@
           </p:nvPr>
         </p:nvPicPr>
         <p:blipFill>
-          <a:blip r:embed="rId3" cstate="screen">
+          <a:blip r:embed="rId1" cstate="screen">
             <a:grayscl/>
-            <a:extLst>
-              <a:ext uri="{28A0092B-C50C-407E-A947-70E740481C1C}">
-                <a14:useLocalDpi xmlns:a14="http://schemas.microsoft.com/office/drawing/2010/main"/>
-              </a:ext>
-            </a:extLst>
           </a:blip>
           <a:srcRect t="7813" b="7813"/>
           <a:stretch>
@@ -17559,11 +15645,6 @@
         </p:spPr>
       </p:pic>
     </p:spTree>
-    <p:extLst>
-      <p:ext uri="{BB962C8B-B14F-4D97-AF65-F5344CB8AC3E}">
-        <p14:creationId xmlns:p14="http://schemas.microsoft.com/office/powerpoint/2010/main" val="2439656135"/>
-      </p:ext>
-    </p:extLst>
   </p:cSld>
   <p:clrMapOvr>
     <a:masterClrMapping/>
@@ -17588,15 +15669,86 @@
           <a:chExt cx="0" cy="0"/>
         </a:xfrm>
       </p:grpSpPr>
-      <p:sp>
-        <p:nvSpPr>
-          <p:cNvPr id="12" name="Title 11">
-            <a:extLst>
-              <a:ext uri="{FF2B5EF4-FFF2-40B4-BE49-F238E27FC236}">
-                <a16:creationId xmlns:a16="http://schemas.microsoft.com/office/drawing/2014/main" id="{13F9A722-C416-4CA0-9E81-3AB439623A87}"/>
-              </a:ext>
-            </a:extLst>
-          </p:cNvPr>
+      <p:pic>
+        <p:nvPicPr>
+          <p:cNvPr id="2" name="Picture 1"/>
+          <p:cNvPicPr>
+            <a:picLocks noChangeAspect="1"/>
+          </p:cNvPicPr>
+          <p:nvPr/>
+        </p:nvPicPr>
+        <p:blipFill>
+          <a:blip r:embed="rId1"/>
+          <a:stretch>
+            <a:fillRect/>
+          </a:stretch>
+        </p:blipFill>
+        <p:spPr>
+          <a:xfrm>
+            <a:off x="0" y="0"/>
+            <a:ext cx="2228850" cy="1276350"/>
+          </a:xfrm>
+          <a:prstGeom prst="rect">
+            <a:avLst/>
+          </a:prstGeom>
+        </p:spPr>
+      </p:pic>
+      <p:sp>
+        <p:nvSpPr>
+          <p:cNvPr id="5" name="Title 11"/>
+          <p:cNvSpPr>
+            <a:spLocks noGrp="1"/>
+          </p:cNvSpPr>
+          <p:nvPr>
+            <p:ph type="title"/>
+          </p:nvPr>
+        </p:nvSpPr>
+        <p:spPr>
+          <a:xfrm>
+            <a:off x="7425362" y="4319449"/>
+            <a:ext cx="3537030" cy="2036100"/>
+          </a:xfrm>
+        </p:spPr>
+        <p:txBody>
+          <a:bodyPr/>
+          <a:lstStyle/>
+          <a:p>
+            <a:r>
+              <a:rPr lang="en-US" dirty="0"/>
+              <a:t>Any Questions?</a:t>
+            </a:r>
+            <a:endParaRPr lang="en-US" dirty="0"/>
+          </a:p>
+        </p:txBody>
+      </p:sp>
+    </p:spTree>
+  </p:cSld>
+  <p:clrMapOvr>
+    <a:masterClrMapping/>
+  </p:clrMapOvr>
+</p:sld>
+</file>
+
+<file path=ppt/slides/slide11.xml><?xml version="1.0" encoding="utf-8"?>
+<p:sld xmlns:a="http://schemas.openxmlformats.org/drawingml/2006/main" xmlns:r="http://schemas.openxmlformats.org/officeDocument/2006/relationships" xmlns:p="http://schemas.openxmlformats.org/presentationml/2006/main">
+  <p:cSld>
+    <p:spTree>
+      <p:nvGrpSpPr>
+        <p:cNvPr id="1" name=""/>
+        <p:cNvGrpSpPr/>
+        <p:nvPr/>
+      </p:nvGrpSpPr>
+      <p:grpSpPr>
+        <a:xfrm>
+          <a:off x="0" y="0"/>
+          <a:ext cx="0" cy="0"/>
+          <a:chOff x="0" y="0"/>
+          <a:chExt cx="0" cy="0"/>
+        </a:xfrm>
+      </p:grpSpPr>
+      <p:sp>
+        <p:nvSpPr>
+          <p:cNvPr id="12" name="Title 11"/>
           <p:cNvSpPr>
             <a:spLocks noGrp="1"/>
           </p:cNvSpPr>
@@ -17620,18 +15772,13 @@
               <a:rPr lang="en-US" dirty="0"/>
               <a:t>You !</a:t>
             </a:r>
-          </a:p>
-        </p:txBody>
-      </p:sp>
-      <p:sp>
-        <p:nvSpPr>
-          <p:cNvPr id="18" name="Text Placeholder 17">
-            <a:extLst>
-              <a:ext uri="{FF2B5EF4-FFF2-40B4-BE49-F238E27FC236}">
-                <a16:creationId xmlns:a16="http://schemas.microsoft.com/office/drawing/2014/main" id="{6D905B54-BC78-4D3A-98A7-8BF350FAE60E}"/>
-              </a:ext>
-            </a:extLst>
-          </p:cNvPr>
+            <a:endParaRPr lang="en-US" dirty="0"/>
+          </a:p>
+        </p:txBody>
+      </p:sp>
+      <p:sp>
+        <p:nvSpPr>
+          <p:cNvPr id="18" name="Text Placeholder 17"/>
           <p:cNvSpPr>
             <a:spLocks noGrp="1"/>
           </p:cNvSpPr>
@@ -17653,18 +15800,13 @@
               <a:rPr lang="en-US" dirty="0"/>
               <a:t>Rashik Rahman</a:t>
             </a:r>
+            <a:endParaRPr lang="en-US" dirty="0"/>
           </a:p>
         </p:txBody>
       </p:sp>
       <p:pic>
         <p:nvPicPr>
-          <p:cNvPr id="37" name="Picture Placeholder 36">
-            <a:extLst>
-              <a:ext uri="{FF2B5EF4-FFF2-40B4-BE49-F238E27FC236}">
-                <a16:creationId xmlns:a16="http://schemas.microsoft.com/office/drawing/2014/main" id="{69B3DF98-AAD9-434A-B3DE-29EE8B414BF8}"/>
-              </a:ext>
-            </a:extLst>
-          </p:cNvPr>
+          <p:cNvPr id="37" name="Picture Placeholder 36"/>
           <p:cNvPicPr>
             <a:picLocks noGrp="1" noChangeAspect="1"/>
           </p:cNvPicPr>
@@ -17673,7 +15815,7 @@
           </p:nvPr>
         </p:nvPicPr>
         <p:blipFill>
-          <a:blip r:embed="rId3"/>
+          <a:blip r:embed="rId1"/>
           <a:srcRect t="12500" b="12500"/>
           <a:stretch>
             <a:fillRect/>
@@ -17687,11 +15829,6 @@
         </p:spPr>
       </p:pic>
     </p:spTree>
-    <p:extLst>
-      <p:ext uri="{BB962C8B-B14F-4D97-AF65-F5344CB8AC3E}">
-        <p14:creationId xmlns:p14="http://schemas.microsoft.com/office/powerpoint/2010/main" val="1684697404"/>
-      </p:ext>
-    </p:extLst>
   </p:cSld>
   <p:clrMapOvr>
     <a:masterClrMapping/>
@@ -17718,13 +15855,7 @@
       </p:grpSpPr>
       <p:sp>
         <p:nvSpPr>
-          <p:cNvPr id="3" name="Title 2">
-            <a:extLst>
-              <a:ext uri="{FF2B5EF4-FFF2-40B4-BE49-F238E27FC236}">
-                <a16:creationId xmlns:a16="http://schemas.microsoft.com/office/drawing/2014/main" id="{F73D75BE-E7AD-49A1-A453-D007D958AC3D}"/>
-              </a:ext>
-            </a:extLst>
-          </p:cNvPr>
+          <p:cNvPr id="3" name="Title 2"/>
           <p:cNvSpPr>
             <a:spLocks noGrp="1"/>
           </p:cNvSpPr>
@@ -17761,13 +15892,7 @@
       </p:sp>
       <p:sp>
         <p:nvSpPr>
-          <p:cNvPr id="4" name="Text Placeholder 3">
-            <a:extLst>
-              <a:ext uri="{FF2B5EF4-FFF2-40B4-BE49-F238E27FC236}">
-                <a16:creationId xmlns:a16="http://schemas.microsoft.com/office/drawing/2014/main" id="{FD47FBB8-2A87-4FDD-8742-D0C12871A3DD}"/>
-              </a:ext>
-            </a:extLst>
-          </p:cNvPr>
+          <p:cNvPr id="4" name="Text Placeholder 3"/>
           <p:cNvSpPr>
             <a:spLocks noGrp="1"/>
           </p:cNvSpPr>
@@ -17784,21 +15909,14 @@
               <a:rPr lang="en-US" dirty="0"/>
               <a:t>1</a:t>
             </a:r>
-          </a:p>
-        </p:txBody>
-      </p:sp>
-      <p:sp>
-        <p:nvSpPr>
-          <p:cNvPr id="5" name="Title 2">
-            <a:extLst>
-              <a:ext uri="{FF2B5EF4-FFF2-40B4-BE49-F238E27FC236}">
-                <a16:creationId xmlns:a16="http://schemas.microsoft.com/office/drawing/2014/main" id="{2A81F1E1-6B5D-40F9-AE40-1FD887D29B8A}"/>
-              </a:ext>
-            </a:extLst>
-          </p:cNvPr>
-          <p:cNvSpPr txBox="1">
-            <a:spLocks/>
-          </p:cNvSpPr>
+            <a:endParaRPr lang="en-US" dirty="0"/>
+          </a:p>
+        </p:txBody>
+      </p:sp>
+      <p:sp>
+        <p:nvSpPr>
+          <p:cNvPr id="5" name="Title 2"/>
+          <p:cNvSpPr txBox="1"/>
           <p:nvPr/>
         </p:nvSpPr>
         <p:spPr>
@@ -17838,15 +15956,11 @@
               <a:rPr lang="en-US" dirty="0"/>
               <a:t>Welcome </a:t>
             </a:r>
+            <a:endParaRPr lang="en-US" dirty="0"/>
           </a:p>
         </p:txBody>
       </p:sp>
     </p:spTree>
-    <p:extLst>
-      <p:ext uri="{BB962C8B-B14F-4D97-AF65-F5344CB8AC3E}">
-        <p14:creationId xmlns:p14="http://schemas.microsoft.com/office/powerpoint/2010/main" val="954333892"/>
-      </p:ext>
-    </p:extLst>
   </p:cSld>
   <p:clrMapOvr>
     <a:masterClrMapping/>
@@ -17873,13 +15987,7 @@
       </p:grpSpPr>
       <p:sp>
         <p:nvSpPr>
-          <p:cNvPr id="5" name="Title 4">
-            <a:extLst>
-              <a:ext uri="{FF2B5EF4-FFF2-40B4-BE49-F238E27FC236}">
-                <a16:creationId xmlns:a16="http://schemas.microsoft.com/office/drawing/2014/main" id="{96DBE169-BA91-4B17-9AF2-4BAD528BEE06}"/>
-              </a:ext>
-            </a:extLst>
-          </p:cNvPr>
+          <p:cNvPr id="5" name="Title 4"/>
           <p:cNvSpPr>
             <a:spLocks noGrp="1"/>
           </p:cNvSpPr>
@@ -17907,18 +16015,17 @@
               </a:rPr>
               <a:t>Project Description</a:t>
             </a:r>
-          </a:p>
-        </p:txBody>
-      </p:sp>
-      <p:sp>
-        <p:nvSpPr>
-          <p:cNvPr id="66" name="Text Placeholder 65">
-            <a:extLst>
-              <a:ext uri="{FF2B5EF4-FFF2-40B4-BE49-F238E27FC236}">
-                <a16:creationId xmlns:a16="http://schemas.microsoft.com/office/drawing/2014/main" id="{1AEF3ED8-A75C-4318-877C-139C98C0007D}"/>
-              </a:ext>
-            </a:extLst>
-          </p:cNvPr>
+            <a:endParaRPr lang="en-US" dirty="0">
+              <a:solidFill>
+                <a:srgbClr val="5DAAB0"/>
+              </a:solidFill>
+            </a:endParaRPr>
+          </a:p>
+        </p:txBody>
+      </p:sp>
+      <p:sp>
+        <p:nvSpPr>
+          <p:cNvPr id="66" name="Text Placeholder 65"/>
           <p:cNvSpPr>
             <a:spLocks noGrp="1"/>
           </p:cNvSpPr>
@@ -17945,6 +16052,7 @@
               <a:rPr lang="en-US" dirty="0"/>
               <a:t>I will be developing a counter that will count from 0 to 9999 and show it in a 7 segment display. This counter can be used to keep track of any count. One can use it to count the number of a their favorite vehicle they have seen in a day or a doctor can keep count how many serious patients have he seen in a day etc. I will we using Arduino IDE and proteus simulation software for this project. </a:t>
             </a:r>
+            <a:endParaRPr lang="en-US" dirty="0"/>
           </a:p>
           <a:p>
             <a:pPr>
@@ -17980,6 +16088,7 @@
               <a:rPr lang="en-US" dirty="0"/>
               <a:t>Required things in simulator : </a:t>
             </a:r>
+            <a:endParaRPr lang="en-US" dirty="0"/>
           </a:p>
           <a:p>
             <a:pPr marL="342900" indent="-342900">
@@ -17993,6 +16102,7 @@
               <a:rPr lang="en-US" dirty="0"/>
               <a:t>7 segment display x 1</a:t>
             </a:r>
+            <a:endParaRPr lang="en-US" dirty="0"/>
           </a:p>
           <a:p>
             <a:pPr marL="342900" indent="-342900">
@@ -18006,6 +16116,7 @@
               <a:rPr lang="en-US" dirty="0"/>
               <a:t>Arduino UNO x 1</a:t>
             </a:r>
+            <a:endParaRPr lang="en-US" dirty="0"/>
           </a:p>
           <a:p>
             <a:pPr marL="342900" indent="-342900">
@@ -18019,6 +16130,7 @@
               <a:rPr lang="en-US" dirty="0"/>
               <a:t>Not gate x 4</a:t>
             </a:r>
+            <a:endParaRPr lang="en-US" dirty="0"/>
           </a:p>
           <a:p>
             <a:pPr marL="342900" indent="-342900">
@@ -18032,15 +16144,11 @@
               <a:rPr lang="en-US" dirty="0"/>
               <a:t>Button x 1</a:t>
             </a:r>
+            <a:endParaRPr lang="en-US" dirty="0"/>
           </a:p>
         </p:txBody>
       </p:sp>
     </p:spTree>
-    <p:extLst>
-      <p:ext uri="{BB962C8B-B14F-4D97-AF65-F5344CB8AC3E}">
-        <p14:creationId xmlns:p14="http://schemas.microsoft.com/office/powerpoint/2010/main" val="226842063"/>
-      </p:ext>
-    </p:extLst>
   </p:cSld>
   <p:clrMapOvr>
     <a:masterClrMapping/>
@@ -18067,13 +16175,7 @@
       </p:grpSpPr>
       <p:sp>
         <p:nvSpPr>
-          <p:cNvPr id="66" name="Text Placeholder 65">
-            <a:extLst>
-              <a:ext uri="{FF2B5EF4-FFF2-40B4-BE49-F238E27FC236}">
-                <a16:creationId xmlns:a16="http://schemas.microsoft.com/office/drawing/2014/main" id="{1AEF3ED8-A75C-4318-877C-139C98C0007D}"/>
-              </a:ext>
-            </a:extLst>
-          </p:cNvPr>
+          <p:cNvPr id="66" name="Text Placeholder 65"/>
           <p:cNvSpPr>
             <a:spLocks noGrp="1"/>
           </p:cNvSpPr>
@@ -18081,12 +16183,7 @@
             <p:ph type="body" sz="quarter" idx="11"/>
           </p:nvPr>
         </p:nvSpPr>
-        <p:spPr>
-          <a:xfrm>
-            <a:off x="6245087" y="1704169"/>
-            <a:ext cx="5801140" cy="2560899"/>
-          </a:xfrm>
-        </p:spPr>
+        <p:spPr/>
         <p:txBody>
           <a:bodyPr/>
           <a:lstStyle/>
@@ -18108,6 +16205,7 @@
               <a:rPr lang="en-US" dirty="0"/>
               <a:t> is to keep track of the how many digits are in the number and count is to count the number. </a:t>
             </a:r>
+            <a:endParaRPr lang="en-US" dirty="0"/>
           </a:p>
           <a:p>
             <a:pPr>
@@ -18121,70 +16219,31 @@
       </p:sp>
       <p:pic>
         <p:nvPicPr>
-          <p:cNvPr id="2" name="Picture 1">
-            <a:extLst>
-              <a:ext uri="{FF2B5EF4-FFF2-40B4-BE49-F238E27FC236}">
-                <a16:creationId xmlns:a16="http://schemas.microsoft.com/office/drawing/2014/main" id="{5C430658-5B63-4FC7-AA23-26FBD6A5DF42}"/>
-              </a:ext>
-            </a:extLst>
-          </p:cNvPr>
+          <p:cNvPr id="4" name="Picture Placeholder 3"/>
           <p:cNvPicPr>
             <a:picLocks noChangeAspect="1"/>
           </p:cNvPicPr>
-          <p:nvPr/>
+          <p:nvPr>
+            <p:ph type="pic" sz="quarter" idx="10"/>
+          </p:nvPr>
         </p:nvPicPr>
         <p:blipFill>
-          <a:blip r:embed="rId3"/>
+          <a:blip r:embed="rId1"/>
           <a:stretch>
             <a:fillRect/>
           </a:stretch>
         </p:blipFill>
         <p:spPr>
           <a:xfrm>
-            <a:off x="0" y="-806"/>
-            <a:ext cx="4486275" cy="3409950"/>
+            <a:off x="0" y="0"/>
+            <a:ext cx="12192000" cy="6858635"/>
           </a:xfrm>
           <a:prstGeom prst="rect">
             <a:avLst/>
           </a:prstGeom>
         </p:spPr>
       </p:pic>
-      <p:pic>
-        <p:nvPicPr>
-          <p:cNvPr id="3" name="Picture 2">
-            <a:extLst>
-              <a:ext uri="{FF2B5EF4-FFF2-40B4-BE49-F238E27FC236}">
-                <a16:creationId xmlns:a16="http://schemas.microsoft.com/office/drawing/2014/main" id="{386AF49B-7ACA-4C3F-ABCA-E23AB650883C}"/>
-              </a:ext>
-            </a:extLst>
-          </p:cNvPr>
-          <p:cNvPicPr>
-            <a:picLocks noChangeAspect="1"/>
-          </p:cNvPicPr>
-          <p:nvPr/>
-        </p:nvPicPr>
-        <p:blipFill>
-          <a:blip r:embed="rId4"/>
-          <a:stretch>
-            <a:fillRect/>
-          </a:stretch>
-        </p:blipFill>
-        <p:spPr>
-          <a:xfrm>
-            <a:off x="0" y="3409144"/>
-            <a:ext cx="3495675" cy="3476625"/>
-          </a:xfrm>
-          <a:prstGeom prst="rect">
-            <a:avLst/>
-          </a:prstGeom>
-        </p:spPr>
-      </p:pic>
     </p:spTree>
-    <p:extLst>
-      <p:ext uri="{BB962C8B-B14F-4D97-AF65-F5344CB8AC3E}">
-        <p14:creationId xmlns:p14="http://schemas.microsoft.com/office/powerpoint/2010/main" val="662389552"/>
-      </p:ext>
-    </p:extLst>
   </p:cSld>
   <p:clrMapOvr>
     <a:masterClrMapping/>
@@ -18211,13 +16270,7 @@
       </p:grpSpPr>
       <p:sp>
         <p:nvSpPr>
-          <p:cNvPr id="66" name="Text Placeholder 65">
-            <a:extLst>
-              <a:ext uri="{FF2B5EF4-FFF2-40B4-BE49-F238E27FC236}">
-                <a16:creationId xmlns:a16="http://schemas.microsoft.com/office/drawing/2014/main" id="{1AEF3ED8-A75C-4318-877C-139C98C0007D}"/>
-              </a:ext>
-            </a:extLst>
-          </p:cNvPr>
+          <p:cNvPr id="66" name="Text Placeholder 65"/>
           <p:cNvSpPr>
             <a:spLocks noGrp="1"/>
           </p:cNvSpPr>
@@ -18227,8 +16280,8 @@
         </p:nvSpPr>
         <p:spPr>
           <a:xfrm>
-            <a:off x="6881192" y="1203238"/>
-            <a:ext cx="4059804" cy="2560899"/>
+            <a:off x="6245087" y="1704169"/>
+            <a:ext cx="5801140" cy="2560899"/>
           </a:xfrm>
         </p:spPr>
         <p:txBody>
@@ -18242,8 +16295,17 @@
             </a:pPr>
             <a:r>
               <a:rPr lang="en-US" dirty="0"/>
-              <a:t>This is the setup part of the code segment. Here I define the pin modes and ISR variables.</a:t>
-            </a:r>
+              <a:t>This is a digit segmentation of a 7 segment display. So I have defined pin 6-12 for these 7 segments. And Dig1-Dig4 are how many digits the number have. </a:t>
+            </a:r>
+            <a:r>
+              <a:rPr lang="en-US" dirty="0" err="1"/>
+              <a:t>Counter_digit</a:t>
+            </a:r>
+            <a:r>
+              <a:rPr lang="en-US" dirty="0"/>
+              <a:t> is to keep track of the how many digits are in the number and count is to count the number. </a:t>
+            </a:r>
+            <a:endParaRPr lang="en-US" dirty="0"/>
           </a:p>
           <a:p>
             <a:pPr>
@@ -18253,60 +16315,57 @@
             </a:pPr>
             <a:endParaRPr lang="en-US" dirty="0"/>
           </a:p>
-          <a:p>
-            <a:pPr>
-              <a:lnSpc>
-                <a:spcPct val="100000"/>
-              </a:lnSpc>
-            </a:pPr>
-            <a:endParaRPr lang="en-US" dirty="0"/>
-          </a:p>
-          <a:p>
-            <a:pPr>
-              <a:lnSpc>
-                <a:spcPct val="100000"/>
-              </a:lnSpc>
-            </a:pPr>
-            <a:endParaRPr lang="en-US" dirty="0"/>
-          </a:p>
         </p:txBody>
       </p:sp>
       <p:pic>
         <p:nvPicPr>
-          <p:cNvPr id="4" name="Picture 3">
-            <a:extLst>
-              <a:ext uri="{FF2B5EF4-FFF2-40B4-BE49-F238E27FC236}">
-                <a16:creationId xmlns:a16="http://schemas.microsoft.com/office/drawing/2014/main" id="{8F622486-1839-4827-BC53-04848BE7FE45}"/>
-              </a:ext>
-            </a:extLst>
-          </p:cNvPr>
+          <p:cNvPr id="2" name="Picture 1"/>
           <p:cNvPicPr>
             <a:picLocks noChangeAspect="1"/>
           </p:cNvPicPr>
           <p:nvPr/>
         </p:nvPicPr>
         <p:blipFill>
-          <a:blip r:embed="rId3"/>
+          <a:blip r:embed="rId1"/>
           <a:stretch>
             <a:fillRect/>
           </a:stretch>
         </p:blipFill>
         <p:spPr>
           <a:xfrm>
-            <a:off x="0" y="574896"/>
-            <a:ext cx="5391150" cy="4133850"/>
+            <a:off x="0" y="-806"/>
+            <a:ext cx="4486275" cy="3409950"/>
           </a:xfrm>
           <a:prstGeom prst="rect">
             <a:avLst/>
           </a:prstGeom>
         </p:spPr>
       </p:pic>
+      <p:pic>
+        <p:nvPicPr>
+          <p:cNvPr id="3" name="Picture 2"/>
+          <p:cNvPicPr>
+            <a:picLocks noChangeAspect="1"/>
+          </p:cNvPicPr>
+          <p:nvPr/>
+        </p:nvPicPr>
+        <p:blipFill>
+          <a:blip r:embed="rId2"/>
+          <a:stretch>
+            <a:fillRect/>
+          </a:stretch>
+        </p:blipFill>
+        <p:spPr>
+          <a:xfrm>
+            <a:off x="0" y="3409144"/>
+            <a:ext cx="3495675" cy="3476625"/>
+          </a:xfrm>
+          <a:prstGeom prst="rect">
+            <a:avLst/>
+          </a:prstGeom>
+        </p:spPr>
+      </p:pic>
     </p:spTree>
-    <p:extLst>
-      <p:ext uri="{BB962C8B-B14F-4D97-AF65-F5344CB8AC3E}">
-        <p14:creationId xmlns:p14="http://schemas.microsoft.com/office/powerpoint/2010/main" val="3718213205"/>
-      </p:ext>
-    </p:extLst>
   </p:cSld>
   <p:clrMapOvr>
     <a:masterClrMapping/>
@@ -18333,13 +16392,7 @@
       </p:grpSpPr>
       <p:sp>
         <p:nvSpPr>
-          <p:cNvPr id="66" name="Text Placeholder 65">
-            <a:extLst>
-              <a:ext uri="{FF2B5EF4-FFF2-40B4-BE49-F238E27FC236}">
-                <a16:creationId xmlns:a16="http://schemas.microsoft.com/office/drawing/2014/main" id="{1AEF3ED8-A75C-4318-877C-139C98C0007D}"/>
-              </a:ext>
-            </a:extLst>
-          </p:cNvPr>
+          <p:cNvPr id="66" name="Text Placeholder 65"/>
           <p:cNvSpPr>
             <a:spLocks noGrp="1"/>
           </p:cNvSpPr>
@@ -18349,8 +16402,8 @@
         </p:nvSpPr>
         <p:spPr>
           <a:xfrm>
-            <a:off x="6647291" y="583035"/>
-            <a:ext cx="4572000" cy="2560899"/>
+            <a:off x="6881192" y="1203238"/>
+            <a:ext cx="4059804" cy="2560899"/>
           </a:xfrm>
         </p:spPr>
         <p:txBody>
@@ -18364,8 +16417,9 @@
             </a:pPr>
             <a:r>
               <a:rPr lang="en-US" dirty="0"/>
-              <a:t>What is an interrupt?</a:t>
-            </a:r>
+              <a:t>This is the setup part of the code segment. Here I define the pin modes and ISR variables.</a:t>
+            </a:r>
+            <a:endParaRPr lang="en-US" dirty="0"/>
           </a:p>
           <a:p>
             <a:pPr>
@@ -18373,10 +16427,7 @@
                 <a:spcPct val="100000"/>
               </a:lnSpc>
             </a:pPr>
-            <a:r>
-              <a:rPr lang="en-US" dirty="0"/>
-              <a:t>The program running on a controller is normally running sequentially instruction by instruction. </a:t>
-            </a:r>
+            <a:endParaRPr lang="en-US" dirty="0"/>
           </a:p>
           <a:p>
             <a:pPr>
@@ -18384,10 +16435,7 @@
                 <a:spcPct val="100000"/>
               </a:lnSpc>
             </a:pPr>
-            <a:r>
-              <a:rPr lang="en-US" dirty="0"/>
-              <a:t>An interrupt is an external event that interrupts the running program and runs a special interrupt service routine (ISR). </a:t>
-            </a:r>
+            <a:endParaRPr lang="en-US" dirty="0"/>
           </a:p>
           <a:p>
             <a:pPr>
@@ -18395,61 +16443,28 @@
                 <a:spcPct val="100000"/>
               </a:lnSpc>
             </a:pPr>
-            <a:r>
-              <a:rPr lang="en-US" dirty="0"/>
-              <a:t>After the ISR has been finished, the running program is continued with the next instruction. Instruction means a single machine instruction, not a line of C or C++ code.</a:t>
-            </a:r>
-          </a:p>
-          <a:p>
-            <a:pPr>
-              <a:lnSpc>
-                <a:spcPct val="100000"/>
-              </a:lnSpc>
-            </a:pPr>
-            <a:endParaRPr lang="en-US" dirty="0"/>
-          </a:p>
-          <a:p>
-            <a:pPr>
-              <a:lnSpc>
-                <a:spcPct val="100000"/>
-              </a:lnSpc>
-            </a:pPr>
-            <a:endParaRPr lang="en-US" dirty="0"/>
-          </a:p>
-          <a:p>
-            <a:pPr>
-              <a:lnSpc>
-                <a:spcPct val="100000"/>
-              </a:lnSpc>
-            </a:pPr>
             <a:endParaRPr lang="en-US" dirty="0"/>
           </a:p>
         </p:txBody>
       </p:sp>
       <p:pic>
         <p:nvPicPr>
-          <p:cNvPr id="4" name="Picture 3">
-            <a:extLst>
-              <a:ext uri="{FF2B5EF4-FFF2-40B4-BE49-F238E27FC236}">
-                <a16:creationId xmlns:a16="http://schemas.microsoft.com/office/drawing/2014/main" id="{DD8ED730-CDF9-4BB8-BBD0-7580AB01DBCC}"/>
-              </a:ext>
-            </a:extLst>
-          </p:cNvPr>
+          <p:cNvPr id="4" name="Picture 3"/>
           <p:cNvPicPr>
             <a:picLocks noChangeAspect="1"/>
           </p:cNvPicPr>
           <p:nvPr/>
         </p:nvPicPr>
         <p:blipFill>
-          <a:blip r:embed="rId3"/>
+          <a:blip r:embed="rId1"/>
           <a:stretch>
             <a:fillRect/>
           </a:stretch>
         </p:blipFill>
         <p:spPr>
           <a:xfrm>
-            <a:off x="0" y="583035"/>
-            <a:ext cx="5410200" cy="4724400"/>
+            <a:off x="0" y="574896"/>
+            <a:ext cx="5391150" cy="4133850"/>
           </a:xfrm>
           <a:prstGeom prst="rect">
             <a:avLst/>
@@ -18457,11 +16472,6 @@
         </p:spPr>
       </p:pic>
     </p:spTree>
-    <p:extLst>
-      <p:ext uri="{BB962C8B-B14F-4D97-AF65-F5344CB8AC3E}">
-        <p14:creationId xmlns:p14="http://schemas.microsoft.com/office/powerpoint/2010/main" val="3155539576"/>
-      </p:ext>
-    </p:extLst>
   </p:cSld>
   <p:clrMapOvr>
     <a:masterClrMapping/>
@@ -18486,72 +16496,124 @@
           <a:chExt cx="0" cy="0"/>
         </a:xfrm>
       </p:grpSpPr>
+      <p:sp>
+        <p:nvSpPr>
+          <p:cNvPr id="66" name="Text Placeholder 65"/>
+          <p:cNvSpPr>
+            <a:spLocks noGrp="1"/>
+          </p:cNvSpPr>
+          <p:nvPr>
+            <p:ph type="body" sz="quarter" idx="11"/>
+          </p:nvPr>
+        </p:nvSpPr>
+        <p:spPr>
+          <a:xfrm>
+            <a:off x="6647291" y="583035"/>
+            <a:ext cx="4572000" cy="2560899"/>
+          </a:xfrm>
+        </p:spPr>
+        <p:txBody>
+          <a:bodyPr/>
+          <a:lstStyle/>
+          <a:p>
+            <a:pPr>
+              <a:lnSpc>
+                <a:spcPct val="100000"/>
+              </a:lnSpc>
+            </a:pPr>
+            <a:r>
+              <a:rPr lang="en-US" dirty="0"/>
+              <a:t>What is an interrupt?</a:t>
+            </a:r>
+            <a:endParaRPr lang="en-US" dirty="0"/>
+          </a:p>
+          <a:p>
+            <a:pPr>
+              <a:lnSpc>
+                <a:spcPct val="100000"/>
+              </a:lnSpc>
+            </a:pPr>
+            <a:r>
+              <a:rPr lang="en-US" dirty="0"/>
+              <a:t>The program running on a controller is normally running sequentially instruction by instruction. </a:t>
+            </a:r>
+            <a:endParaRPr lang="en-US" dirty="0"/>
+          </a:p>
+          <a:p>
+            <a:pPr>
+              <a:lnSpc>
+                <a:spcPct val="100000"/>
+              </a:lnSpc>
+            </a:pPr>
+            <a:r>
+              <a:rPr lang="en-US" dirty="0"/>
+              <a:t>An interrupt is an external event that interrupts the running program and runs a special interrupt service routine (ISR). </a:t>
+            </a:r>
+            <a:endParaRPr lang="en-US" dirty="0"/>
+          </a:p>
+          <a:p>
+            <a:pPr>
+              <a:lnSpc>
+                <a:spcPct val="100000"/>
+              </a:lnSpc>
+            </a:pPr>
+            <a:r>
+              <a:rPr lang="en-US" dirty="0"/>
+              <a:t>After the ISR has been finished, the running program is continued with the next instruction. Instruction means a single machine instruction, not a line of C or C++ code.</a:t>
+            </a:r>
+            <a:endParaRPr lang="en-US" dirty="0"/>
+          </a:p>
+          <a:p>
+            <a:pPr>
+              <a:lnSpc>
+                <a:spcPct val="100000"/>
+              </a:lnSpc>
+            </a:pPr>
+            <a:endParaRPr lang="en-US" dirty="0"/>
+          </a:p>
+          <a:p>
+            <a:pPr>
+              <a:lnSpc>
+                <a:spcPct val="100000"/>
+              </a:lnSpc>
+            </a:pPr>
+            <a:endParaRPr lang="en-US" dirty="0"/>
+          </a:p>
+          <a:p>
+            <a:pPr>
+              <a:lnSpc>
+                <a:spcPct val="100000"/>
+              </a:lnSpc>
+            </a:pPr>
+            <a:endParaRPr lang="en-US" dirty="0"/>
+          </a:p>
+        </p:txBody>
+      </p:sp>
       <p:pic>
         <p:nvPicPr>
-          <p:cNvPr id="4" name="Picture 3">
-            <a:extLst>
-              <a:ext uri="{FF2B5EF4-FFF2-40B4-BE49-F238E27FC236}">
-                <a16:creationId xmlns:a16="http://schemas.microsoft.com/office/drawing/2014/main" id="{7F795AFB-CB88-4749-9709-FB5E81A8165C}"/>
-              </a:ext>
-            </a:extLst>
-          </p:cNvPr>
+          <p:cNvPr id="4" name="Picture 3"/>
           <p:cNvPicPr>
             <a:picLocks noChangeAspect="1"/>
           </p:cNvPicPr>
           <p:nvPr/>
         </p:nvPicPr>
         <p:blipFill>
-          <a:blip r:embed="rId3"/>
+          <a:blip r:embed="rId1"/>
           <a:stretch>
             <a:fillRect/>
           </a:stretch>
         </p:blipFill>
         <p:spPr>
           <a:xfrm>
-            <a:off x="0" y="143537"/>
-            <a:ext cx="3371850" cy="1847850"/>
+            <a:off x="0" y="583035"/>
+            <a:ext cx="5410200" cy="4724400"/>
           </a:xfrm>
           <a:prstGeom prst="rect">
             <a:avLst/>
           </a:prstGeom>
         </p:spPr>
       </p:pic>
-      <p:pic>
-        <p:nvPicPr>
-          <p:cNvPr id="6" name="Picture 5">
-            <a:extLst>
-              <a:ext uri="{FF2B5EF4-FFF2-40B4-BE49-F238E27FC236}">
-                <a16:creationId xmlns:a16="http://schemas.microsoft.com/office/drawing/2014/main" id="{03CE237D-FBE9-4D35-A9B3-925FFC165418}"/>
-              </a:ext>
-            </a:extLst>
-          </p:cNvPr>
-          <p:cNvPicPr>
-            <a:picLocks noChangeAspect="1"/>
-          </p:cNvPicPr>
-          <p:nvPr/>
-        </p:nvPicPr>
-        <p:blipFill>
-          <a:blip r:embed="rId4"/>
-          <a:stretch>
-            <a:fillRect/>
-          </a:stretch>
-        </p:blipFill>
-        <p:spPr>
-          <a:xfrm>
-            <a:off x="6096000" y="0"/>
-            <a:ext cx="3095625" cy="6638925"/>
-          </a:xfrm>
-          <a:prstGeom prst="rect">
-            <a:avLst/>
-          </a:prstGeom>
-        </p:spPr>
-      </p:pic>
     </p:spTree>
-    <p:extLst>
-      <p:ext uri="{BB962C8B-B14F-4D97-AF65-F5344CB8AC3E}">
-        <p14:creationId xmlns:p14="http://schemas.microsoft.com/office/powerpoint/2010/main" val="2163933750"/>
-      </p:ext>
-    </p:extLst>
   </p:cSld>
   <p:clrMapOvr>
     <a:masterClrMapping/>
@@ -18578,28 +16640,22 @@
       </p:grpSpPr>
       <p:pic>
         <p:nvPicPr>
-          <p:cNvPr id="4" name="Picture 3">
-            <a:extLst>
-              <a:ext uri="{FF2B5EF4-FFF2-40B4-BE49-F238E27FC236}">
-                <a16:creationId xmlns:a16="http://schemas.microsoft.com/office/drawing/2014/main" id="{4939F211-458B-4610-AD3A-680A73B2772E}"/>
-              </a:ext>
-            </a:extLst>
-          </p:cNvPr>
+          <p:cNvPr id="4" name="Picture 3"/>
           <p:cNvPicPr>
             <a:picLocks noChangeAspect="1"/>
           </p:cNvPicPr>
           <p:nvPr/>
         </p:nvPicPr>
         <p:blipFill>
-          <a:blip r:embed="rId3"/>
+          <a:blip r:embed="rId1"/>
           <a:stretch>
             <a:fillRect/>
           </a:stretch>
         </p:blipFill>
         <p:spPr>
           <a:xfrm>
-            <a:off x="0" y="0"/>
-            <a:ext cx="2962275" cy="6029325"/>
+            <a:off x="0" y="143537"/>
+            <a:ext cx="3371850" cy="1847850"/>
           </a:xfrm>
           <a:prstGeom prst="rect">
             <a:avLst/>
@@ -18608,20 +16664,14 @@
       </p:pic>
       <p:pic>
         <p:nvPicPr>
-          <p:cNvPr id="8" name="Picture 7">
-            <a:extLst>
-              <a:ext uri="{FF2B5EF4-FFF2-40B4-BE49-F238E27FC236}">
-                <a16:creationId xmlns:a16="http://schemas.microsoft.com/office/drawing/2014/main" id="{A76574A9-6FDF-47FB-A881-8C2FD449B699}"/>
-              </a:ext>
-            </a:extLst>
-          </p:cNvPr>
+          <p:cNvPr id="6" name="Picture 5"/>
           <p:cNvPicPr>
             <a:picLocks noChangeAspect="1"/>
           </p:cNvPicPr>
           <p:nvPr/>
         </p:nvPicPr>
         <p:blipFill>
-          <a:blip r:embed="rId4"/>
+          <a:blip r:embed="rId2"/>
           <a:stretch>
             <a:fillRect/>
           </a:stretch>
@@ -18629,7 +16679,7 @@
         <p:spPr>
           <a:xfrm>
             <a:off x="6096000" y="0"/>
-            <a:ext cx="2819400" cy="3181350"/>
+            <a:ext cx="3095625" cy="6638925"/>
           </a:xfrm>
           <a:prstGeom prst="rect">
             <a:avLst/>
@@ -18637,11 +16687,6 @@
         </p:spPr>
       </p:pic>
     </p:spTree>
-    <p:extLst>
-      <p:ext uri="{BB962C8B-B14F-4D97-AF65-F5344CB8AC3E}">
-        <p14:creationId xmlns:p14="http://schemas.microsoft.com/office/powerpoint/2010/main" val="1955038525"/>
-      </p:ext>
-    </p:extLst>
   </p:cSld>
   <p:clrMapOvr>
     <a:masterClrMapping/>
@@ -18668,20 +16713,14 @@
       </p:grpSpPr>
       <p:pic>
         <p:nvPicPr>
-          <p:cNvPr id="2" name="Picture 1">
-            <a:extLst>
-              <a:ext uri="{FF2B5EF4-FFF2-40B4-BE49-F238E27FC236}">
-                <a16:creationId xmlns:a16="http://schemas.microsoft.com/office/drawing/2014/main" id="{11157589-0504-4D6C-ACB1-69599868D6FD}"/>
-              </a:ext>
-            </a:extLst>
-          </p:cNvPr>
+          <p:cNvPr id="4" name="Picture 3"/>
           <p:cNvPicPr>
             <a:picLocks noChangeAspect="1"/>
           </p:cNvPicPr>
           <p:nvPr/>
         </p:nvPicPr>
         <p:blipFill>
-          <a:blip r:embed="rId3"/>
+          <a:blip r:embed="rId1"/>
           <a:stretch>
             <a:fillRect/>
           </a:stretch>
@@ -18689,70 +16728,31 @@
         <p:spPr>
           <a:xfrm>
             <a:off x="0" y="0"/>
-            <a:ext cx="2228850" cy="1276350"/>
+            <a:ext cx="2962275" cy="6029325"/>
           </a:xfrm>
           <a:prstGeom prst="rect">
             <a:avLst/>
           </a:prstGeom>
         </p:spPr>
       </p:pic>
-      <p:sp>
-        <p:nvSpPr>
-          <p:cNvPr id="5" name="Title 11">
-            <a:extLst>
-              <a:ext uri="{FF2B5EF4-FFF2-40B4-BE49-F238E27FC236}">
-                <a16:creationId xmlns:a16="http://schemas.microsoft.com/office/drawing/2014/main" id="{AFE8A296-2DB2-4F37-8BB3-37168BCA6AD1}"/>
-              </a:ext>
-            </a:extLst>
-          </p:cNvPr>
-          <p:cNvSpPr>
-            <a:spLocks noGrp="1"/>
-          </p:cNvSpPr>
-          <p:nvPr>
-            <p:ph type="title"/>
-          </p:nvPr>
-        </p:nvSpPr>
-        <p:spPr>
-          <a:xfrm>
-            <a:off x="7425362" y="4319449"/>
-            <a:ext cx="3537030" cy="2036100"/>
-          </a:xfrm>
-        </p:spPr>
-        <p:txBody>
-          <a:bodyPr/>
-          <a:lstStyle/>
-          <a:p>
-            <a:r>
-              <a:rPr lang="en-US" dirty="0"/>
-              <a:t>Any Questions?</a:t>
-            </a:r>
-          </a:p>
-        </p:txBody>
-      </p:sp>
       <p:pic>
         <p:nvPicPr>
-          <p:cNvPr id="3" name="Picture 2">
-            <a:extLst>
-              <a:ext uri="{FF2B5EF4-FFF2-40B4-BE49-F238E27FC236}">
-                <a16:creationId xmlns:a16="http://schemas.microsoft.com/office/drawing/2014/main" id="{0DA0C136-179D-4F2A-A444-8AAD688A59C9}"/>
-              </a:ext>
-            </a:extLst>
-          </p:cNvPr>
+          <p:cNvPr id="8" name="Picture 7"/>
           <p:cNvPicPr>
             <a:picLocks noChangeAspect="1"/>
           </p:cNvPicPr>
           <p:nvPr/>
         </p:nvPicPr>
         <p:blipFill>
-          <a:blip r:embed="rId4"/>
+          <a:blip r:embed="rId2"/>
           <a:stretch>
             <a:fillRect/>
           </a:stretch>
         </p:blipFill>
         <p:spPr>
           <a:xfrm>
-            <a:off x="6128910" y="1"/>
-            <a:ext cx="6063090" cy="3816626"/>
+            <a:off x="6096000" y="0"/>
+            <a:ext cx="2819400" cy="3181350"/>
           </a:xfrm>
           <a:prstGeom prst="rect">
             <a:avLst/>
@@ -18760,11 +16760,6 @@
         </p:spPr>
       </p:pic>
     </p:spTree>
-    <p:extLst>
-      <p:ext uri="{BB962C8B-B14F-4D97-AF65-F5344CB8AC3E}">
-        <p14:creationId xmlns:p14="http://schemas.microsoft.com/office/powerpoint/2010/main" val="2037707850"/>
-      </p:ext>
-    </p:extLst>
   </p:cSld>
   <p:clrMapOvr>
     <a:masterClrMapping/>
@@ -18963,11 +16958,9 @@
       </a:bgFillStyleLst>
     </a:fmtScheme>
   </a:themeElements>
-  <a:objectDefaults/>
-  <a:extraClrSchemeLst/>
   <a:extLst>
     <a:ext uri="{05A4C25C-085E-4340-85A3-A5531E510DB2}">
-      <thm15:themeFamily xmlns:thm15="http://schemas.microsoft.com/office/thememl/2012/main" name="CLICK TO ADD TITLE" id="{F1EBDCD4-0DFE-4BFC-B527-76D7C1C6466B}" vid="{B36D0821-FAFD-4A44-B0A3-9261322768BD}"/>
+      <thm15:themeFamily xmlns:thm15="http://schemas.microsoft.com/office/thememl/2012/main" name="Office Theme" id="{62F939B6-93AF-4DB8-9C6B-D6C7DFDC589F}" vid="{4A3C46E8-61CC-4603-A589-7422A47A8E4A}"/>
     </a:ext>
   </a:extLst>
 </a:theme>
@@ -19016,7 +17009,7 @@
     </a:clrScheme>
     <a:fontScheme name="Office">
       <a:majorFont>
-        <a:latin typeface="Calibri Light" panose="020F0302020204030204"/>
+        <a:latin typeface="Calibri Light"/>
         <a:ea typeface=""/>
         <a:cs typeface=""/>
         <a:font script="Jpan" typeface="游ゴシック Light"/>
@@ -19049,26 +17042,9 @@
         <a:font script="Viet" typeface="Times New Roman"/>
         <a:font script="Uigh" typeface="Microsoft Uighur"/>
         <a:font script="Geor" typeface="Sylfaen"/>
-        <a:font script="Armn" typeface="Arial"/>
-        <a:font script="Bugi" typeface="Leelawadee UI"/>
-        <a:font script="Bopo" typeface="Microsoft JhengHei"/>
-        <a:font script="Java" typeface="Javanese Text"/>
-        <a:font script="Lisu" typeface="Segoe UI"/>
-        <a:font script="Mymr" typeface="Myanmar Text"/>
-        <a:font script="Nkoo" typeface="Ebrima"/>
-        <a:font script="Olck" typeface="Nirmala UI"/>
-        <a:font script="Osma" typeface="Ebrima"/>
-        <a:font script="Phag" typeface="Phagspa"/>
-        <a:font script="Syrn" typeface="Estrangelo Edessa"/>
-        <a:font script="Syrj" typeface="Estrangelo Edessa"/>
-        <a:font script="Syre" typeface="Estrangelo Edessa"/>
-        <a:font script="Sora" typeface="Nirmala UI"/>
-        <a:font script="Tale" typeface="Microsoft Tai Le"/>
-        <a:font script="Talu" typeface="Microsoft New Tai Lue"/>
-        <a:font script="Tfng" typeface="Ebrima"/>
       </a:majorFont>
       <a:minorFont>
-        <a:latin typeface="Calibri" panose="020F0502020204030204"/>
+        <a:latin typeface="Calibri"/>
         <a:ea typeface=""/>
         <a:cs typeface=""/>
         <a:font script="Jpan" typeface="游ゴシック"/>
@@ -19101,23 +17077,6 @@
         <a:font script="Viet" typeface="Arial"/>
         <a:font script="Uigh" typeface="Microsoft Uighur"/>
         <a:font script="Geor" typeface="Sylfaen"/>
-        <a:font script="Armn" typeface="Arial"/>
-        <a:font script="Bugi" typeface="Leelawadee UI"/>
-        <a:font script="Bopo" typeface="Microsoft JhengHei"/>
-        <a:font script="Java" typeface="Javanese Text"/>
-        <a:font script="Lisu" typeface="Segoe UI"/>
-        <a:font script="Mymr" typeface="Myanmar Text"/>
-        <a:font script="Nkoo" typeface="Ebrima"/>
-        <a:font script="Olck" typeface="Nirmala UI"/>
-        <a:font script="Osma" typeface="Ebrima"/>
-        <a:font script="Phag" typeface="Phagspa"/>
-        <a:font script="Syrn" typeface="Estrangelo Edessa"/>
-        <a:font script="Syrj" typeface="Estrangelo Edessa"/>
-        <a:font script="Syre" typeface="Estrangelo Edessa"/>
-        <a:font script="Sora" typeface="Nirmala UI"/>
-        <a:font script="Tale" typeface="Microsoft Tai Le"/>
-        <a:font script="Talu" typeface="Microsoft New Tai Lue"/>
-        <a:font script="Tfng" typeface="Ebrima"/>
       </a:minorFont>
     </a:fontScheme>
     <a:fmtScheme name="Office">
@@ -19258,8 +17217,6 @@
       </a:bgFillStyleLst>
     </a:fmtScheme>
   </a:themeElements>
-  <a:objectDefaults/>
-  <a:extraClrSchemeLst/>
   <a:extLst>
     <a:ext uri="{05A4C25C-085E-4340-85A3-A5531E510DB2}">
       <thm15:themeFamily xmlns:thm15="http://schemas.microsoft.com/office/thememl/2012/main" name="Office Theme" id="{62F939B6-93AF-4DB8-9C6B-D6C7DFDC589F}" vid="{4A3C46E8-61CC-4603-A589-7422A47A8E4A}"/>
@@ -19311,7 +17268,7 @@
     </a:clrScheme>
     <a:fontScheme name="Office">
       <a:majorFont>
-        <a:latin typeface="Calibri Light" panose="020F0302020204030204"/>
+        <a:latin typeface="Calibri Light"/>
         <a:ea typeface=""/>
         <a:cs typeface=""/>
         <a:font script="Jpan" typeface="游ゴシック Light"/>
@@ -19344,26 +17301,9 @@
         <a:font script="Viet" typeface="Times New Roman"/>
         <a:font script="Uigh" typeface="Microsoft Uighur"/>
         <a:font script="Geor" typeface="Sylfaen"/>
-        <a:font script="Armn" typeface="Arial"/>
-        <a:font script="Bugi" typeface="Leelawadee UI"/>
-        <a:font script="Bopo" typeface="Microsoft JhengHei"/>
-        <a:font script="Java" typeface="Javanese Text"/>
-        <a:font script="Lisu" typeface="Segoe UI"/>
-        <a:font script="Mymr" typeface="Myanmar Text"/>
-        <a:font script="Nkoo" typeface="Ebrima"/>
-        <a:font script="Olck" typeface="Nirmala UI"/>
-        <a:font script="Osma" typeface="Ebrima"/>
-        <a:font script="Phag" typeface="Phagspa"/>
-        <a:font script="Syrn" typeface="Estrangelo Edessa"/>
-        <a:font script="Syrj" typeface="Estrangelo Edessa"/>
-        <a:font script="Syre" typeface="Estrangelo Edessa"/>
-        <a:font script="Sora" typeface="Nirmala UI"/>
-        <a:font script="Tale" typeface="Microsoft Tai Le"/>
-        <a:font script="Talu" typeface="Microsoft New Tai Lue"/>
-        <a:font script="Tfng" typeface="Ebrima"/>
       </a:majorFont>
       <a:minorFont>
-        <a:latin typeface="Calibri" panose="020F0502020204030204"/>
+        <a:latin typeface="Calibri"/>
         <a:ea typeface=""/>
         <a:cs typeface=""/>
         <a:font script="Jpan" typeface="游ゴシック"/>
@@ -19396,23 +17336,6 @@
         <a:font script="Viet" typeface="Arial"/>
         <a:font script="Uigh" typeface="Microsoft Uighur"/>
         <a:font script="Geor" typeface="Sylfaen"/>
-        <a:font script="Armn" typeface="Arial"/>
-        <a:font script="Bugi" typeface="Leelawadee UI"/>
-        <a:font script="Bopo" typeface="Microsoft JhengHei"/>
-        <a:font script="Java" typeface="Javanese Text"/>
-        <a:font script="Lisu" typeface="Segoe UI"/>
-        <a:font script="Mymr" typeface="Myanmar Text"/>
-        <a:font script="Nkoo" typeface="Ebrima"/>
-        <a:font script="Olck" typeface="Nirmala UI"/>
-        <a:font script="Osma" typeface="Ebrima"/>
-        <a:font script="Phag" typeface="Phagspa"/>
-        <a:font script="Syrn" typeface="Estrangelo Edessa"/>
-        <a:font script="Syrj" typeface="Estrangelo Edessa"/>
-        <a:font script="Syre" typeface="Estrangelo Edessa"/>
-        <a:font script="Sora" typeface="Nirmala UI"/>
-        <a:font script="Tale" typeface="Microsoft Tai Le"/>
-        <a:font script="Talu" typeface="Microsoft New Tai Lue"/>
-        <a:font script="Tfng" typeface="Ebrima"/>
       </a:minorFont>
     </a:fontScheme>
     <a:fmtScheme name="Office">
@@ -19553,8 +17476,6 @@
       </a:bgFillStyleLst>
     </a:fmtScheme>
   </a:themeElements>
-  <a:objectDefaults/>
-  <a:extraClrSchemeLst/>
   <a:extLst>
     <a:ext uri="{05A4C25C-085E-4340-85A3-A5531E510DB2}">
       <thm15:themeFamily xmlns:thm15="http://schemas.microsoft.com/office/thememl/2012/main" name="Office Theme" id="{62F939B6-93AF-4DB8-9C6B-D6C7DFDC589F}" vid="{4A3C46E8-61CC-4603-A589-7422A47A8E4A}"/>
